--- a/RGBMusicClassPresentation.pptx
+++ b/RGBMusicClassPresentation.pptx
@@ -1091,13 +1091,6 @@
         </dgm:presLayoutVars>
       </dgm:prSet>
       <dgm:spPr/>
-      <dgm:t>
-        <a:bodyPr/>
-        <a:lstStyle/>
-        <a:p>
-          <a:endParaRPr lang="en-US"/>
-        </a:p>
-      </dgm:t>
     </dgm:pt>
     <dgm:pt modelId="{6E0F3C3A-DC2B-45BE-8184-2FF604594528}" type="pres">
       <dgm:prSet presAssocID="{9A4AA0A5-FBD7-4C81-890E-633F86614CE4}" presName="cycle" presStyleCnt="0"/>
@@ -1110,24 +1103,10 @@
         </dgm:presLayoutVars>
       </dgm:prSet>
       <dgm:spPr/>
-      <dgm:t>
-        <a:bodyPr/>
-        <a:lstStyle/>
-        <a:p>
-          <a:endParaRPr lang="en-US"/>
-        </a:p>
-      </dgm:t>
     </dgm:pt>
     <dgm:pt modelId="{1435F254-9E74-4DFB-8594-3941BC242FD1}" type="pres">
       <dgm:prSet presAssocID="{88700EB4-B969-488B-9666-CB73BE8872D6}" presName="sibTransFirstNode" presStyleLbl="bgShp" presStyleIdx="0" presStyleCnt="1"/>
       <dgm:spPr/>
-      <dgm:t>
-        <a:bodyPr/>
-        <a:lstStyle/>
-        <a:p>
-          <a:endParaRPr lang="en-US"/>
-        </a:p>
-      </dgm:t>
     </dgm:pt>
     <dgm:pt modelId="{02891E4D-A304-4F2F-BEE7-FF39C2E0E784}" type="pres">
       <dgm:prSet presAssocID="{E338106C-5242-4984-A36A-1655A7A7ABEC}" presName="nodeFollowingNodes" presStyleLbl="node1" presStyleIdx="1" presStyleCnt="5">
@@ -1136,13 +1115,6 @@
         </dgm:presLayoutVars>
       </dgm:prSet>
       <dgm:spPr/>
-      <dgm:t>
-        <a:bodyPr/>
-        <a:lstStyle/>
-        <a:p>
-          <a:endParaRPr lang="en-US"/>
-        </a:p>
-      </dgm:t>
     </dgm:pt>
     <dgm:pt modelId="{A87066B9-8C72-423F-852B-A83CA3D95087}" type="pres">
       <dgm:prSet presAssocID="{CA150011-7FDE-43DE-B28C-D6258E2A17AA}" presName="nodeFollowingNodes" presStyleLbl="node1" presStyleIdx="2" presStyleCnt="5">
@@ -1151,13 +1123,6 @@
         </dgm:presLayoutVars>
       </dgm:prSet>
       <dgm:spPr/>
-      <dgm:t>
-        <a:bodyPr/>
-        <a:lstStyle/>
-        <a:p>
-          <a:endParaRPr lang="en-US"/>
-        </a:p>
-      </dgm:t>
     </dgm:pt>
     <dgm:pt modelId="{E0311810-9CAF-48FE-9365-EF0CE1D74BFB}" type="pres">
       <dgm:prSet presAssocID="{71050950-0F16-4DC3-9618-7962A5B648A2}" presName="nodeFollowingNodes" presStyleLbl="node1" presStyleIdx="3" presStyleCnt="5">
@@ -1166,13 +1131,6 @@
         </dgm:presLayoutVars>
       </dgm:prSet>
       <dgm:spPr/>
-      <dgm:t>
-        <a:bodyPr/>
-        <a:lstStyle/>
-        <a:p>
-          <a:endParaRPr lang="en-US"/>
-        </a:p>
-      </dgm:t>
     </dgm:pt>
     <dgm:pt modelId="{84718A2E-C2A8-4900-81A4-AFA67C5BE681}" type="pres">
       <dgm:prSet presAssocID="{518F6B47-FFA7-40B1-BE2D-332D62954591}" presName="nodeFollowingNodes" presStyleLbl="node1" presStyleIdx="4" presStyleCnt="5">
@@ -1181,27 +1139,20 @@
         </dgm:presLayoutVars>
       </dgm:prSet>
       <dgm:spPr/>
-      <dgm:t>
-        <a:bodyPr/>
-        <a:lstStyle/>
-        <a:p>
-          <a:endParaRPr lang="en-US"/>
-        </a:p>
-      </dgm:t>
     </dgm:pt>
   </dgm:ptLst>
   <dgm:cxnLst>
     <dgm:cxn modelId="{50C3570C-D556-4B95-9CEA-04EE3F875215}" type="presOf" srcId="{518F6B47-FFA7-40B1-BE2D-332D62954591}" destId="{84718A2E-C2A8-4900-81A4-AFA67C5BE681}" srcOrd="0" destOrd="0" presId="urn:microsoft.com/office/officeart/2005/8/layout/cycle3"/>
+    <dgm:cxn modelId="{9DDE7523-F5C7-402F-A7DC-89BB85363279}" srcId="{9A4AA0A5-FBD7-4C81-890E-633F86614CE4}" destId="{518F6B47-FFA7-40B1-BE2D-332D62954591}" srcOrd="4" destOrd="0" parTransId="{64D240ED-32DE-49ED-9AD8-DB45E40D0DDD}" sibTransId="{141162A4-1A3B-416A-BBAF-61997CBC04DD}"/>
+    <dgm:cxn modelId="{6FCBF73A-6085-4E0F-8FD6-F3EB6EAA52FA}" type="presOf" srcId="{71050950-0F16-4DC3-9618-7962A5B648A2}" destId="{E0311810-9CAF-48FE-9365-EF0CE1D74BFB}" srcOrd="0" destOrd="0" presId="urn:microsoft.com/office/officeart/2005/8/layout/cycle3"/>
+    <dgm:cxn modelId="{C650C440-A6F8-4EDD-A2CA-592E8D278193}" srcId="{9A4AA0A5-FBD7-4C81-890E-633F86614CE4}" destId="{B8A8D2D2-3821-4701-A278-BFAB01BBC014}" srcOrd="0" destOrd="0" parTransId="{211EF5FE-33CB-4F9D-84DE-5D07848BA846}" sibTransId="{88700EB4-B969-488B-9666-CB73BE8872D6}"/>
     <dgm:cxn modelId="{858D0A61-C861-4283-9136-1F36040B2850}" srcId="{9A4AA0A5-FBD7-4C81-890E-633F86614CE4}" destId="{CA150011-7FDE-43DE-B28C-D6258E2A17AA}" srcOrd="2" destOrd="0" parTransId="{AE01A340-851D-4892-B287-3CA90BF7E587}" sibTransId="{44A4737A-24D0-46B6-AB73-55F3D32BB589}"/>
+    <dgm:cxn modelId="{5C556945-C4B3-4275-A95C-A24C20DF050F}" type="presOf" srcId="{88700EB4-B969-488B-9666-CB73BE8872D6}" destId="{1435F254-9E74-4DFB-8594-3941BC242FD1}" srcOrd="0" destOrd="0" presId="urn:microsoft.com/office/officeart/2005/8/layout/cycle3"/>
+    <dgm:cxn modelId="{086CA666-F5F6-4CB6-8291-A608D9C822BC}" type="presOf" srcId="{E338106C-5242-4984-A36A-1655A7A7ABEC}" destId="{02891E4D-A304-4F2F-BEE7-FF39C2E0E784}" srcOrd="0" destOrd="0" presId="urn:microsoft.com/office/officeart/2005/8/layout/cycle3"/>
+    <dgm:cxn modelId="{4C24678E-4555-4E07-A284-6318BA091D23}" type="presOf" srcId="{9A4AA0A5-FBD7-4C81-890E-633F86614CE4}" destId="{542D7D18-969B-44A3-A815-665A41506AD9}" srcOrd="0" destOrd="0" presId="urn:microsoft.com/office/officeart/2005/8/layout/cycle3"/>
+    <dgm:cxn modelId="{76A1A2A5-3673-4A4B-A3E6-FCFBB2DA002D}" type="presOf" srcId="{CA150011-7FDE-43DE-B28C-D6258E2A17AA}" destId="{A87066B9-8C72-423F-852B-A83CA3D95087}" srcOrd="0" destOrd="0" presId="urn:microsoft.com/office/officeart/2005/8/layout/cycle3"/>
     <dgm:cxn modelId="{FEEEFDAE-5250-408F-80ED-B00CC2CC69EE}" type="presOf" srcId="{B8A8D2D2-3821-4701-A278-BFAB01BBC014}" destId="{EA9A7013-93DC-477A-A98F-A0ADF16F5AB8}" srcOrd="0" destOrd="0" presId="urn:microsoft.com/office/officeart/2005/8/layout/cycle3"/>
-    <dgm:cxn modelId="{9DDE7523-F5C7-402F-A7DC-89BB85363279}" srcId="{9A4AA0A5-FBD7-4C81-890E-633F86614CE4}" destId="{518F6B47-FFA7-40B1-BE2D-332D62954591}" srcOrd="4" destOrd="0" parTransId="{64D240ED-32DE-49ED-9AD8-DB45E40D0DDD}" sibTransId="{141162A4-1A3B-416A-BBAF-61997CBC04DD}"/>
     <dgm:cxn modelId="{5E9580BD-A1C2-4830-B655-833CE11B0893}" srcId="{9A4AA0A5-FBD7-4C81-890E-633F86614CE4}" destId="{71050950-0F16-4DC3-9618-7962A5B648A2}" srcOrd="3" destOrd="0" parTransId="{6A63106D-70BC-43EE-A993-16B61D81C3E1}" sibTransId="{FF295BB9-9E6C-4F6F-A6AF-00AC1FFCF0FA}"/>
-    <dgm:cxn modelId="{76A1A2A5-3673-4A4B-A3E6-FCFBB2DA002D}" type="presOf" srcId="{CA150011-7FDE-43DE-B28C-D6258E2A17AA}" destId="{A87066B9-8C72-423F-852B-A83CA3D95087}" srcOrd="0" destOrd="0" presId="urn:microsoft.com/office/officeart/2005/8/layout/cycle3"/>
-    <dgm:cxn modelId="{6FCBF73A-6085-4E0F-8FD6-F3EB6EAA52FA}" type="presOf" srcId="{71050950-0F16-4DC3-9618-7962A5B648A2}" destId="{E0311810-9CAF-48FE-9365-EF0CE1D74BFB}" srcOrd="0" destOrd="0" presId="urn:microsoft.com/office/officeart/2005/8/layout/cycle3"/>
-    <dgm:cxn modelId="{086CA666-F5F6-4CB6-8291-A608D9C822BC}" type="presOf" srcId="{E338106C-5242-4984-A36A-1655A7A7ABEC}" destId="{02891E4D-A304-4F2F-BEE7-FF39C2E0E784}" srcOrd="0" destOrd="0" presId="urn:microsoft.com/office/officeart/2005/8/layout/cycle3"/>
-    <dgm:cxn modelId="{C650C440-A6F8-4EDD-A2CA-592E8D278193}" srcId="{9A4AA0A5-FBD7-4C81-890E-633F86614CE4}" destId="{B8A8D2D2-3821-4701-A278-BFAB01BBC014}" srcOrd="0" destOrd="0" parTransId="{211EF5FE-33CB-4F9D-84DE-5D07848BA846}" sibTransId="{88700EB4-B969-488B-9666-CB73BE8872D6}"/>
-    <dgm:cxn modelId="{4C24678E-4555-4E07-A284-6318BA091D23}" type="presOf" srcId="{9A4AA0A5-FBD7-4C81-890E-633F86614CE4}" destId="{542D7D18-969B-44A3-A815-665A41506AD9}" srcOrd="0" destOrd="0" presId="urn:microsoft.com/office/officeart/2005/8/layout/cycle3"/>
-    <dgm:cxn modelId="{5C556945-C4B3-4275-A95C-A24C20DF050F}" type="presOf" srcId="{88700EB4-B969-488B-9666-CB73BE8872D6}" destId="{1435F254-9E74-4DFB-8594-3941BC242FD1}" srcOrd="0" destOrd="0" presId="urn:microsoft.com/office/officeart/2005/8/layout/cycle3"/>
     <dgm:cxn modelId="{F46F1CE1-A9EC-4246-90F9-BBE3580A315F}" srcId="{9A4AA0A5-FBD7-4C81-890E-633F86614CE4}" destId="{E338106C-5242-4984-A36A-1655A7A7ABEC}" srcOrd="1" destOrd="0" parTransId="{58EE5F5C-E769-46B0-B6D0-A8FAAE9DA995}" sibTransId="{8076776B-C5D3-4F5E-855C-AC4175E5266B}"/>
     <dgm:cxn modelId="{52215F2B-55A1-4267-B84F-4BF9F0C068F9}" type="presParOf" srcId="{542D7D18-969B-44A3-A815-665A41506AD9}" destId="{6E0F3C3A-DC2B-45BE-8184-2FF604594528}" srcOrd="0" destOrd="0" presId="urn:microsoft.com/office/officeart/2005/8/layout/cycle3"/>
     <dgm:cxn modelId="{0730E3D1-EFBE-4873-83C9-CB285650266B}" type="presParOf" srcId="{6E0F3C3A-DC2B-45BE-8184-2FF604594528}" destId="{EA9A7013-93DC-477A-A98F-A0ADF16F5AB8}" srcOrd="0" destOrd="0" presId="urn:microsoft.com/office/officeart/2005/8/layout/cycle3"/>
@@ -1329,7 +1280,7 @@
         </a:bodyPr>
         <a:lstStyle/>
         <a:p>
-          <a:pPr lvl="0" algn="ctr" defTabSz="933450">
+          <a:pPr marL="0" lvl="0" indent="0" algn="ctr" defTabSz="933450">
             <a:lnSpc>
               <a:spcPct val="90000"/>
             </a:lnSpc>
@@ -1339,6 +1290,7 @@
             <a:spcAft>
               <a:spcPct val="35000"/>
             </a:spcAft>
+            <a:buNone/>
           </a:pPr>
           <a:r>
             <a:rPr lang="en-US" sz="2100" kern="1200" dirty="0"/>
@@ -1405,7 +1357,7 @@
         </a:bodyPr>
         <a:lstStyle/>
         <a:p>
-          <a:pPr lvl="0" algn="ctr" defTabSz="933450">
+          <a:pPr marL="0" lvl="0" indent="0" algn="ctr" defTabSz="933450">
             <a:lnSpc>
               <a:spcPct val="90000"/>
             </a:lnSpc>
@@ -1415,6 +1367,7 @@
             <a:spcAft>
               <a:spcPct val="35000"/>
             </a:spcAft>
+            <a:buNone/>
           </a:pPr>
           <a:r>
             <a:rPr lang="en-US" sz="2100" kern="1200" dirty="0"/>
@@ -1481,7 +1434,7 @@
         </a:bodyPr>
         <a:lstStyle/>
         <a:p>
-          <a:pPr lvl="0" algn="ctr" defTabSz="933450">
+          <a:pPr marL="0" lvl="0" indent="0" algn="ctr" defTabSz="933450">
             <a:lnSpc>
               <a:spcPct val="90000"/>
             </a:lnSpc>
@@ -1491,6 +1444,7 @@
             <a:spcAft>
               <a:spcPct val="35000"/>
             </a:spcAft>
+            <a:buNone/>
           </a:pPr>
           <a:r>
             <a:rPr lang="en-US" sz="2100" kern="1200" dirty="0"/>
@@ -1557,7 +1511,7 @@
         </a:bodyPr>
         <a:lstStyle/>
         <a:p>
-          <a:pPr lvl="0" algn="ctr" defTabSz="933450">
+          <a:pPr marL="0" lvl="0" indent="0" algn="ctr" defTabSz="933450">
             <a:lnSpc>
               <a:spcPct val="90000"/>
             </a:lnSpc>
@@ -1567,6 +1521,7 @@
             <a:spcAft>
               <a:spcPct val="35000"/>
             </a:spcAft>
+            <a:buNone/>
           </a:pPr>
           <a:r>
             <a:rPr lang="en-US" sz="2100" kern="1200" dirty="0"/>
@@ -1633,7 +1588,7 @@
         </a:bodyPr>
         <a:lstStyle/>
         <a:p>
-          <a:pPr lvl="0" algn="ctr" defTabSz="933450">
+          <a:pPr marL="0" lvl="0" indent="0" algn="ctr" defTabSz="933450">
             <a:lnSpc>
               <a:spcPct val="90000"/>
             </a:lnSpc>
@@ -1643,6 +1598,7 @@
             <a:spcAft>
               <a:spcPct val="35000"/>
             </a:spcAft>
+            <a:buNone/>
           </a:pPr>
           <a:r>
             <a:rPr lang="en-US" sz="2100" kern="1200" dirty="0"/>
@@ -3178,7 +3134,7 @@
           <a:p>
             <a:fld id="{E915A3F3-128A-4D96-B02F-ECDB675C7CC8}" type="datetimeFigureOut">
               <a:rPr lang="en-US" smtClean="0"/>
-              <a:t>12/17/2018</a:t>
+              <a:t>12/18/2018</a:t>
             </a:fld>
             <a:endParaRPr lang="en-US"/>
           </a:p>
@@ -3490,7 +3446,7 @@
           <a:lstStyle/>
           <a:p>
             <a:r>
-              <a:rPr lang="en-US" dirty="0" err="1" smtClean="0"/>
+              <a:rPr lang="en-US" dirty="0" err="1"/>
               <a:t>oran</a:t>
             </a:r>
             <a:endParaRPr lang="en-US" dirty="0"/>
@@ -3578,7 +3534,7 @@
           <a:lstStyle/>
           <a:p>
             <a:r>
-              <a:rPr lang="en-US" dirty="0" err="1" smtClean="0"/>
+              <a:rPr lang="en-US" dirty="0" err="1"/>
               <a:t>oran</a:t>
             </a:r>
             <a:endParaRPr lang="he-IL" dirty="0"/>
@@ -3683,10 +3639,10 @@
               <a:defRPr/>
             </a:pPr>
             <a:r>
-              <a:rPr lang="en-US" dirty="0" err="1" smtClean="0"/>
+              <a:rPr lang="en-US" dirty="0" err="1"/>
               <a:t>oran</a:t>
             </a:r>
-            <a:endParaRPr lang="he-IL" dirty="0" smtClean="0"/>
+            <a:endParaRPr lang="he-IL" dirty="0"/>
           </a:p>
           <a:p>
             <a:endParaRPr lang="he-IL" dirty="0"/>
@@ -3774,7 +3730,7 @@
           <a:lstStyle/>
           <a:p>
             <a:r>
-              <a:rPr lang="en-US" sz="1200" b="0" i="0" u="none" strike="noStrike" kern="1200" baseline="0" dirty="0" smtClean="0">
+              <a:rPr lang="en-US" sz="1200" b="0" i="0" u="none" strike="noStrike" kern="1200" baseline="0" dirty="0">
                 <a:solidFill>
                   <a:schemeClr val="tx1"/>
                 </a:solidFill>
@@ -3786,7 +3742,7 @@
             </a:r>
           </a:p>
           <a:p>
-            <a:endParaRPr lang="en-US" sz="1200" b="0" i="0" u="none" strike="noStrike" kern="1200" baseline="0" dirty="0" smtClean="0">
+            <a:endParaRPr lang="en-US" sz="1200" b="0" i="0" u="none" strike="noStrike" kern="1200" baseline="0" dirty="0">
               <a:solidFill>
                 <a:schemeClr val="tx1"/>
               </a:solidFill>
@@ -3796,17 +3752,6 @@
             </a:endParaRPr>
           </a:p>
           <a:p>
-            <a:r>
-              <a:rPr lang="he-IL" sz="1200" b="0" i="0" u="none" strike="noStrike" kern="1200" baseline="0" dirty="0" smtClean="0">
-                <a:solidFill>
-                  <a:schemeClr val="tx1"/>
-                </a:solidFill>
-                <a:latin typeface="+mn-lt"/>
-                <a:ea typeface="+mn-ea"/>
-                <a:cs typeface="+mn-cs"/>
-              </a:rPr>
-              <a:t>תמצית </a:t>
-            </a:r>
             <a:r>
               <a:rPr lang="he-IL" sz="1200" b="0" i="0" u="none" strike="noStrike" kern="1200" baseline="0" dirty="0">
                 <a:solidFill>
@@ -3816,7 +3761,7 @@
                 <a:ea typeface="+mn-ea"/>
                 <a:cs typeface="+mn-cs"/>
               </a:rPr>
-              <a:t>עבודות דומות המתארת בצורה מדויקת את מה נעשה העבודות קודמות, מה הן</a:t>
+              <a:t>תמצית עבודות דומות המתארת בצורה מדויקת את מה נעשה העבודות קודמות, מה הן</a:t>
             </a:r>
           </a:p>
           <a:p>
@@ -3939,13 +3884,13 @@
               <a:defRPr/>
             </a:pPr>
             <a:r>
-              <a:rPr lang="en-US" dirty="0" err="1" smtClean="0"/>
+              <a:rPr lang="en-US" dirty="0" err="1"/>
               <a:t>oran</a:t>
             </a:r>
-            <a:endParaRPr lang="he-IL" dirty="0" smtClean="0"/>
-          </a:p>
-          <a:p>
-            <a:endParaRPr lang="en-US" sz="1200" b="0" i="0" u="none" strike="noStrike" kern="1200" baseline="0" dirty="0" smtClean="0">
+            <a:endParaRPr lang="he-IL" dirty="0"/>
+          </a:p>
+          <a:p>
+            <a:endParaRPr lang="en-US" sz="1200" b="0" i="0" u="none" strike="noStrike" kern="1200" baseline="0" dirty="0">
               <a:solidFill>
                 <a:schemeClr val="tx1"/>
               </a:solidFill>
@@ -3955,17 +3900,6 @@
             </a:endParaRPr>
           </a:p>
           <a:p>
-            <a:r>
-              <a:rPr lang="he-IL" sz="1200" b="0" i="0" u="none" strike="noStrike" kern="1200" baseline="0" dirty="0" smtClean="0">
-                <a:solidFill>
-                  <a:schemeClr val="tx1"/>
-                </a:solidFill>
-                <a:latin typeface="+mn-lt"/>
-                <a:ea typeface="+mn-ea"/>
-                <a:cs typeface="+mn-cs"/>
-              </a:rPr>
-              <a:t>תמצית </a:t>
-            </a:r>
             <a:r>
               <a:rPr lang="he-IL" sz="1200" b="0" i="0" u="none" strike="noStrike" kern="1200" baseline="0" dirty="0">
                 <a:solidFill>
@@ -3975,7 +3909,7 @@
                 <a:ea typeface="+mn-ea"/>
                 <a:cs typeface="+mn-cs"/>
               </a:rPr>
-              <a:t>עבודות דומות המתארת בצורה מדויקת את מה נעשה העבודות קודמות, מה הן</a:t>
+              <a:t>תמצית עבודות דומות המתארת בצורה מדויקת את מה נעשה העבודות קודמות, מה הן</a:t>
             </a:r>
           </a:p>
           <a:p>
@@ -4098,10 +4032,10 @@
               <a:defRPr/>
             </a:pPr>
             <a:r>
-              <a:rPr lang="en-US" dirty="0" err="1" smtClean="0"/>
+              <a:rPr lang="en-US" dirty="0" err="1"/>
               <a:t>oran</a:t>
             </a:r>
-            <a:endParaRPr lang="he-IL" dirty="0" smtClean="0"/>
+            <a:endParaRPr lang="he-IL" dirty="0"/>
           </a:p>
           <a:p>
             <a:endParaRPr lang="he-IL" dirty="0"/>
@@ -4206,10 +4140,10 @@
               <a:defRPr/>
             </a:pPr>
             <a:r>
-              <a:rPr lang="en-US" dirty="0" err="1" smtClean="0"/>
+              <a:rPr lang="en-US" dirty="0" err="1"/>
               <a:t>oran</a:t>
             </a:r>
-            <a:endParaRPr lang="he-IL" dirty="0" smtClean="0"/>
+            <a:endParaRPr lang="he-IL" dirty="0"/>
           </a:p>
           <a:p>
             <a:endParaRPr lang="he-IL" dirty="0"/>
@@ -4314,10 +4248,10 @@
               <a:defRPr/>
             </a:pPr>
             <a:r>
-              <a:rPr lang="en-US" dirty="0" err="1" smtClean="0"/>
+              <a:rPr lang="en-US" dirty="0" err="1"/>
               <a:t>oran</a:t>
             </a:r>
-            <a:endParaRPr lang="he-IL" dirty="0" smtClean="0"/>
+            <a:endParaRPr lang="he-IL" dirty="0"/>
           </a:p>
           <a:p>
             <a:endParaRPr lang="he-IL" dirty="0"/>
@@ -4422,13 +4356,13 @@
               <a:defRPr/>
             </a:pPr>
             <a:r>
-              <a:rPr lang="en-US" dirty="0" err="1" smtClean="0"/>
+              <a:rPr lang="en-US" dirty="0" err="1"/>
               <a:t>oran</a:t>
             </a:r>
-            <a:endParaRPr lang="he-IL" dirty="0" smtClean="0"/>
-          </a:p>
-          <a:p>
-            <a:endParaRPr lang="en-US" sz="1200" b="0" i="0" u="none" strike="noStrike" kern="1200" baseline="0" dirty="0" smtClean="0">
+            <a:endParaRPr lang="he-IL" dirty="0"/>
+          </a:p>
+          <a:p>
+            <a:endParaRPr lang="en-US" sz="1200" b="0" i="0" u="none" strike="noStrike" kern="1200" baseline="0" dirty="0">
               <a:solidFill>
                 <a:schemeClr val="tx1"/>
               </a:solidFill>
@@ -4438,17 +4372,6 @@
             </a:endParaRPr>
           </a:p>
           <a:p>
-            <a:r>
-              <a:rPr lang="he-IL" sz="1200" b="0" i="0" u="none" strike="noStrike" kern="1200" baseline="0" dirty="0" smtClean="0">
-                <a:solidFill>
-                  <a:schemeClr val="tx1"/>
-                </a:solidFill>
-                <a:latin typeface="+mn-lt"/>
-                <a:ea typeface="+mn-ea"/>
-                <a:cs typeface="+mn-cs"/>
-              </a:rPr>
-              <a:t>יתרונות </a:t>
-            </a:r>
             <a:r>
               <a:rPr lang="he-IL" sz="1200" b="0" i="0" u="none" strike="noStrike" kern="1200" baseline="0" dirty="0">
                 <a:solidFill>
@@ -4458,7 +4381,7 @@
                 <a:ea typeface="+mn-ea"/>
                 <a:cs typeface="+mn-cs"/>
               </a:rPr>
-              <a:t>הפתרון על פני פתרונות אחרים, או הבדלים עיקריים.</a:t>
+              <a:t>יתרונות הפתרון על פני פתרונות אחרים, או הבדלים עיקריים.</a:t>
             </a:r>
             <a:endParaRPr lang="en-US" sz="1200" b="0" i="0" u="none" strike="noStrike" kern="1200" baseline="0" dirty="0">
               <a:solidFill>
@@ -4586,10 +4509,10 @@
               <a:defRPr/>
             </a:pPr>
             <a:r>
-              <a:rPr lang="en-US" dirty="0" err="1" smtClean="0"/>
+              <a:rPr lang="en-US" dirty="0" err="1"/>
               <a:t>oran</a:t>
             </a:r>
-            <a:endParaRPr lang="he-IL" dirty="0" smtClean="0"/>
+            <a:endParaRPr lang="he-IL" dirty="0"/>
           </a:p>
           <a:p>
             <a:endParaRPr lang="he-IL" dirty="0"/>
@@ -4694,10 +4617,10 @@
               <a:defRPr/>
             </a:pPr>
             <a:r>
-              <a:rPr lang="en-US" dirty="0" err="1" smtClean="0"/>
+              <a:rPr lang="en-US" dirty="0" err="1"/>
               <a:t>oran</a:t>
             </a:r>
-            <a:endParaRPr lang="he-IL" dirty="0" smtClean="0"/>
+            <a:endParaRPr lang="he-IL" dirty="0"/>
           </a:p>
           <a:p>
             <a:endParaRPr lang="he-IL" dirty="0"/>
@@ -4785,7 +4708,7 @@
           <a:lstStyle/>
           <a:p>
             <a:r>
-              <a:rPr lang="en-US" dirty="0" err="1" smtClean="0"/>
+              <a:rPr lang="en-US" dirty="0" err="1"/>
               <a:t>oran</a:t>
             </a:r>
             <a:endParaRPr lang="he-IL" dirty="0"/>
@@ -4890,10 +4813,10 @@
               <a:defRPr/>
             </a:pPr>
             <a:r>
-              <a:rPr lang="en-US" dirty="0" err="1" smtClean="0"/>
+              <a:rPr lang="en-US" dirty="0" err="1"/>
               <a:t>oran</a:t>
             </a:r>
-            <a:endParaRPr lang="he-IL" dirty="0" smtClean="0"/>
+            <a:endParaRPr lang="he-IL" dirty="0"/>
           </a:p>
           <a:p>
             <a:endParaRPr lang="he-IL" dirty="0"/>
@@ -5418,10 +5341,10 @@
               <a:defRPr/>
             </a:pPr>
             <a:r>
-              <a:rPr lang="en-US" dirty="0" err="1" smtClean="0"/>
+              <a:rPr lang="en-US" dirty="0" err="1"/>
               <a:t>oran</a:t>
             </a:r>
-            <a:endParaRPr lang="he-IL" dirty="0" smtClean="0"/>
+            <a:endParaRPr lang="he-IL" dirty="0"/>
           </a:p>
           <a:p>
             <a:endParaRPr lang="he-IL" dirty="0"/>
@@ -5681,7 +5604,7 @@
               <a:buNone/>
             </a:pPr>
             <a:r>
-              <a:rPr lang="en-US" dirty="0" err="1" smtClean="0"/>
+              <a:rPr lang="en-US" dirty="0" err="1"/>
               <a:t>zehavit</a:t>
             </a:r>
             <a:endParaRPr lang="he-IL" dirty="0"/>
@@ -5786,57 +5709,53 @@
               <a:defRPr/>
             </a:pPr>
             <a:r>
-              <a:rPr lang="en-US" dirty="0" err="1" smtClean="0"/>
+              <a:rPr lang="en-US" dirty="0" err="1"/>
               <a:t>zehavit</a:t>
             </a:r>
-            <a:endParaRPr lang="he-IL" dirty="0" smtClean="0"/>
-          </a:p>
-          <a:p>
-            <a:endParaRPr lang="en-US" dirty="0" smtClean="0"/>
-          </a:p>
-          <a:p>
-            <a:r>
-              <a:rPr lang="he-IL" dirty="0" smtClean="0"/>
+            <a:endParaRPr lang="he-IL" dirty="0"/>
+          </a:p>
+          <a:p>
+            <a:endParaRPr lang="en-US" dirty="0"/>
+          </a:p>
+          <a:p>
+            <a:r>
+              <a:rPr lang="he-IL" dirty="0"/>
               <a:t>להוסיף</a:t>
             </a:r>
             <a:r>
-              <a:rPr lang="he-IL" baseline="0" dirty="0" smtClean="0"/>
-              <a:t> </a:t>
-            </a:r>
-            <a:r>
-              <a:rPr lang="he-IL" baseline="0" dirty="0" smtClean="0"/>
-              <a:t>בע"פ:</a:t>
-            </a:r>
-            <a:endParaRPr lang="en-US" baseline="0" dirty="0" smtClean="0"/>
-          </a:p>
-          <a:p>
-            <a:r>
-              <a:rPr lang="he-IL" baseline="0" dirty="0" smtClean="0"/>
+              <a:rPr lang="he-IL" baseline="0" dirty="0"/>
+              <a:t> בע"פ:</a:t>
+            </a:r>
+            <a:endParaRPr lang="en-US" baseline="0" dirty="0"/>
+          </a:p>
+          <a:p>
+            <a:r>
+              <a:rPr lang="he-IL" baseline="0" dirty="0"/>
               <a:t>*אומן יכול "לראות" את המוזיקה שהוא יוצר</a:t>
             </a:r>
           </a:p>
           <a:p>
             <a:r>
-              <a:rPr lang="he-IL" baseline="0" dirty="0" smtClean="0"/>
+              <a:rPr lang="he-IL" baseline="0" dirty="0"/>
               <a:t>קהל יכול גם לראות את המוזיקה שהאומן מנגן</a:t>
             </a:r>
             <a:r>
-              <a:rPr lang="en-US" baseline="0" dirty="0" smtClean="0"/>
+              <a:rPr lang="en-US" baseline="0" dirty="0"/>
               <a:t>*</a:t>
             </a:r>
-            <a:endParaRPr lang="he-IL" baseline="0" dirty="0" smtClean="0"/>
-          </a:p>
-          <a:p>
-            <a:r>
-              <a:rPr lang="he-IL" dirty="0" smtClean="0"/>
+            <a:endParaRPr lang="he-IL" baseline="0" dirty="0"/>
+          </a:p>
+          <a:p>
+            <a:r>
+              <a:rPr lang="he-IL" dirty="0"/>
               <a:t>הנגשה</a:t>
             </a:r>
             <a:r>
-              <a:rPr lang="he-IL" baseline="0" dirty="0" smtClean="0"/>
+              <a:rPr lang="he-IL" baseline="0" dirty="0"/>
               <a:t> של יצירה והבנה של מוסיקה</a:t>
             </a:r>
             <a:r>
-              <a:rPr lang="en-US" baseline="0" dirty="0" smtClean="0"/>
+              <a:rPr lang="en-US" baseline="0" dirty="0"/>
               <a:t>*</a:t>
             </a:r>
           </a:p>
@@ -5943,17 +5862,17 @@
               <a:defRPr/>
             </a:pPr>
             <a:r>
-              <a:rPr lang="en-US" dirty="0" err="1" smtClean="0"/>
+              <a:rPr lang="en-US" dirty="0" err="1"/>
               <a:t>zehavit</a:t>
             </a:r>
-            <a:endParaRPr lang="he-IL" dirty="0" smtClean="0"/>
+            <a:endParaRPr lang="he-IL" dirty="0"/>
           </a:p>
           <a:p>
             <a:pPr marL="171450" indent="-171450">
               <a:buFont typeface="Arial" panose="020B0604020202020204" pitchFamily="34" charset="0"/>
               <a:buChar char="•"/>
             </a:pPr>
-            <a:endParaRPr lang="en-US" dirty="0" smtClean="0"/>
+            <a:endParaRPr lang="en-US" dirty="0"/>
           </a:p>
           <a:p>
             <a:pPr marL="171450" indent="-171450">
@@ -5961,22 +5880,18 @@
               <a:buChar char="•"/>
             </a:pPr>
             <a:r>
-              <a:rPr lang="he-IL" dirty="0" smtClean="0"/>
+              <a:rPr lang="he-IL" dirty="0"/>
               <a:t>לתת</a:t>
             </a:r>
             <a:r>
-              <a:rPr lang="he-IL" baseline="0" dirty="0" smtClean="0"/>
-              <a:t> </a:t>
-            </a:r>
-            <a:r>
-              <a:rPr lang="he-IL" baseline="0" dirty="0" smtClean="0"/>
-              <a:t>דוגמה לגבי אורך הניגון – שנקבע רק עפ"י אורך הציור על ציר </a:t>
-            </a:r>
-            <a:r>
-              <a:rPr lang="en-US" baseline="0" dirty="0" smtClean="0"/>
+              <a:rPr lang="he-IL" baseline="0" dirty="0"/>
+              <a:t> דוגמה לגבי אורך הניגון – שנקבע רק עפ"י אורך הציור על ציר </a:t>
+            </a:r>
+            <a:r>
+              <a:rPr lang="en-US" baseline="0" dirty="0"/>
               <a:t>X</a:t>
             </a:r>
-            <a:endParaRPr lang="he-IL" baseline="0" dirty="0" smtClean="0"/>
+            <a:endParaRPr lang="he-IL" baseline="0" dirty="0"/>
           </a:p>
           <a:p>
             <a:pPr marL="0" indent="0">
@@ -5984,7 +5899,7 @@
               <a:buNone/>
             </a:pPr>
             <a:r>
-              <a:rPr lang="he-IL" baseline="0" dirty="0" smtClean="0"/>
+              <a:rPr lang="he-IL" baseline="0" dirty="0"/>
               <a:t>למשל – מעגל </a:t>
             </a:r>
           </a:p>
@@ -6095,17 +6010,17 @@
               <a:defRPr/>
             </a:pPr>
             <a:r>
-              <a:rPr lang="en-US" dirty="0" err="1" smtClean="0"/>
+              <a:rPr lang="en-US" dirty="0" err="1"/>
               <a:t>zehavit</a:t>
             </a:r>
-            <a:endParaRPr lang="he-IL" dirty="0" smtClean="0"/>
+            <a:endParaRPr lang="he-IL" dirty="0"/>
           </a:p>
           <a:p>
             <a:pPr marL="0" indent="0">
               <a:buFont typeface="Arial" panose="020B0604020202020204" pitchFamily="34" charset="0"/>
               <a:buNone/>
             </a:pPr>
-            <a:endParaRPr lang="en-US" dirty="0" smtClean="0"/>
+            <a:endParaRPr lang="en-US" dirty="0"/>
           </a:p>
           <a:p>
             <a:pPr marL="171450" indent="-171450">
@@ -6113,15 +6028,11 @@
               <a:buChar char="•"/>
             </a:pPr>
             <a:r>
-              <a:rPr lang="en-US" dirty="0" smtClean="0"/>
-              <a:t>Hear </a:t>
-            </a:r>
-            <a:r>
-              <a:rPr lang="en-US" dirty="0" smtClean="0"/>
-              <a:t>the entire</a:t>
-            </a:r>
-            <a:r>
-              <a:rPr lang="en-US" baseline="0" dirty="0" smtClean="0"/>
+              <a:rPr lang="en-US" dirty="0"/>
+              <a:t>Hear the entire</a:t>
+            </a:r>
+            <a:r>
+              <a:rPr lang="en-US" baseline="0" dirty="0"/>
               <a:t> canvas – from left to right  + marks the currently played stroke </a:t>
             </a:r>
           </a:p>
@@ -6131,7 +6042,7 @@
               <a:buChar char="•"/>
             </a:pPr>
             <a:r>
-              <a:rPr lang="he-IL" baseline="0" dirty="0" smtClean="0"/>
+              <a:rPr lang="he-IL" baseline="0" dirty="0"/>
               <a:t>להסביר מתי כל שלב שימושי:</a:t>
             </a:r>
           </a:p>
@@ -6141,7 +6052,7 @@
               <a:buNone/>
             </a:pPr>
             <a:r>
-              <a:rPr lang="he-IL" baseline="0" dirty="0" smtClean="0"/>
+              <a:rPr lang="he-IL" baseline="0" dirty="0"/>
               <a:t>הראשון כדי לייצר מוזיקה ולהבין אותה</a:t>
             </a:r>
           </a:p>
@@ -6151,7 +6062,7 @@
               <a:buNone/>
             </a:pPr>
             <a:r>
-              <a:rPr lang="he-IL" baseline="0" dirty="0" smtClean="0"/>
+              <a:rPr lang="he-IL" baseline="0" dirty="0"/>
               <a:t>השני בהופעות בזמן אמת:</a:t>
             </a:r>
           </a:p>
@@ -6161,7 +6072,7 @@
               <a:buNone/>
             </a:pPr>
             <a:r>
-              <a:rPr lang="he-IL" baseline="0" dirty="0" smtClean="0"/>
+              <a:rPr lang="he-IL" baseline="0" dirty="0"/>
               <a:t>או כדי להראות את המוסיקה שמתנגנת</a:t>
             </a:r>
           </a:p>
@@ -6171,10 +6082,10 @@
               <a:buNone/>
             </a:pPr>
             <a:r>
-              <a:rPr lang="he-IL" baseline="0" dirty="0" smtClean="0"/>
+              <a:rPr lang="he-IL" baseline="0" dirty="0"/>
               <a:t>או במקום תווים, כהוראות לנגנים </a:t>
             </a:r>
-            <a:endParaRPr lang="en-US" baseline="0" dirty="0" smtClean="0"/>
+            <a:endParaRPr lang="en-US" baseline="0" dirty="0"/>
           </a:p>
           <a:p>
             <a:pPr marL="171450" indent="-171450">
@@ -6283,17 +6194,17 @@
               <a:defRPr/>
             </a:pPr>
             <a:r>
-              <a:rPr lang="en-US" dirty="0" err="1" smtClean="0"/>
+              <a:rPr lang="en-US" dirty="0" err="1"/>
               <a:t>zehavit</a:t>
             </a:r>
-            <a:endParaRPr lang="he-IL" dirty="0" smtClean="0"/>
+            <a:endParaRPr lang="he-IL" dirty="0"/>
           </a:p>
           <a:p>
             <a:pPr marL="0" indent="0">
               <a:buFont typeface="Arial" panose="020B0604020202020204" pitchFamily="34" charset="0"/>
               <a:buNone/>
             </a:pPr>
-            <a:endParaRPr lang="en-US" dirty="0" smtClean="0"/>
+            <a:endParaRPr lang="en-US" dirty="0"/>
           </a:p>
           <a:p>
             <a:pPr marL="171450" indent="-171450">
@@ -6301,15 +6212,11 @@
               <a:buChar char="•"/>
             </a:pPr>
             <a:r>
-              <a:rPr lang="en-US" dirty="0" smtClean="0"/>
-              <a:t>Hear </a:t>
-            </a:r>
-            <a:r>
-              <a:rPr lang="en-US" dirty="0" smtClean="0"/>
-              <a:t>the entire</a:t>
-            </a:r>
-            <a:r>
-              <a:rPr lang="en-US" baseline="0" dirty="0" smtClean="0"/>
+              <a:rPr lang="en-US" dirty="0"/>
+              <a:t>Hear the entire</a:t>
+            </a:r>
+            <a:r>
+              <a:rPr lang="en-US" baseline="0" dirty="0"/>
               <a:t> canvas – from left to right  + marks the currently played stroke </a:t>
             </a:r>
           </a:p>
@@ -6319,7 +6226,7 @@
               <a:buChar char="•"/>
             </a:pPr>
             <a:r>
-              <a:rPr lang="he-IL" baseline="0" dirty="0" smtClean="0"/>
+              <a:rPr lang="he-IL" baseline="0" dirty="0"/>
               <a:t>להסביר מתי כל שלב שימושי:</a:t>
             </a:r>
           </a:p>
@@ -6329,7 +6236,7 @@
               <a:buNone/>
             </a:pPr>
             <a:r>
-              <a:rPr lang="he-IL" baseline="0" dirty="0" smtClean="0"/>
+              <a:rPr lang="he-IL" baseline="0" dirty="0"/>
               <a:t>הראשון כדי לייצר מוזיקה ולהבין אותה</a:t>
             </a:r>
           </a:p>
@@ -6339,7 +6246,7 @@
               <a:buNone/>
             </a:pPr>
             <a:r>
-              <a:rPr lang="he-IL" baseline="0" dirty="0" smtClean="0"/>
+              <a:rPr lang="he-IL" baseline="0" dirty="0"/>
               <a:t>השני בהופעות בזמן אמת:</a:t>
             </a:r>
           </a:p>
@@ -6349,7 +6256,7 @@
               <a:buNone/>
             </a:pPr>
             <a:r>
-              <a:rPr lang="he-IL" baseline="0" dirty="0" smtClean="0"/>
+              <a:rPr lang="he-IL" baseline="0" dirty="0"/>
               <a:t>או כדי להראות את המוסיקה שמתנגנת</a:t>
             </a:r>
           </a:p>
@@ -6359,10 +6266,10 @@
               <a:buNone/>
             </a:pPr>
             <a:r>
-              <a:rPr lang="he-IL" baseline="0" dirty="0" smtClean="0"/>
+              <a:rPr lang="he-IL" baseline="0" dirty="0"/>
               <a:t>או במקום תווים, כהוראות לנגנים </a:t>
             </a:r>
-            <a:endParaRPr lang="en-US" baseline="0" dirty="0" smtClean="0"/>
+            <a:endParaRPr lang="en-US" baseline="0" dirty="0"/>
           </a:p>
           <a:p>
             <a:pPr marL="171450" indent="-171450">
@@ -6471,13 +6378,13 @@
               <a:defRPr/>
             </a:pPr>
             <a:r>
-              <a:rPr lang="en-US" dirty="0" err="1" smtClean="0"/>
+              <a:rPr lang="en-US" dirty="0" err="1"/>
               <a:t>zehavit</a:t>
             </a:r>
-            <a:endParaRPr lang="he-IL" dirty="0" smtClean="0"/>
-          </a:p>
-          <a:p>
-            <a:endParaRPr lang="en-US" sz="1200" b="0" i="0" u="none" strike="noStrike" kern="1200" dirty="0" smtClean="0">
+            <a:endParaRPr lang="he-IL" dirty="0"/>
+          </a:p>
+          <a:p>
+            <a:endParaRPr lang="en-US" sz="1200" b="0" i="0" u="none" strike="noStrike" kern="1200" dirty="0">
               <a:solidFill>
                 <a:schemeClr val="tx1"/>
               </a:solidFill>
@@ -6489,7 +6396,7 @@
           </a:p>
           <a:p>
             <a:r>
-              <a:rPr lang="he-IL" sz="1200" b="0" i="0" u="none" strike="noStrike" kern="1200" dirty="0" smtClean="0">
+              <a:rPr lang="he-IL" sz="1200" b="0" i="0" u="none" strike="noStrike" kern="1200" dirty="0">
                 <a:solidFill>
                   <a:schemeClr val="tx1"/>
                 </a:solidFill>
@@ -6501,7 +6408,7 @@
               <a:t>הסבר</a:t>
             </a:r>
             <a:r>
-              <a:rPr lang="he-IL" sz="1200" b="0" i="0" u="none" strike="noStrike" kern="1200" baseline="0" dirty="0" smtClean="0">
+              <a:rPr lang="he-IL" sz="1200" b="0" i="0" u="none" strike="noStrike" kern="1200" baseline="0" dirty="0">
                 <a:solidFill>
                   <a:schemeClr val="tx1"/>
                 </a:solidFill>
@@ -6510,21 +6417,9 @@
                 <a:ea typeface="+mn-ea"/>
                 <a:cs typeface="+mn-cs"/>
               </a:rPr>
-              <a:t> </a:t>
-            </a:r>
-            <a:r>
-              <a:rPr lang="he-IL" sz="1200" b="0" i="0" u="none" strike="noStrike" kern="1200" baseline="0" dirty="0" smtClean="0">
-                <a:solidFill>
-                  <a:schemeClr val="tx1"/>
-                </a:solidFill>
-                <a:effectLst/>
-                <a:latin typeface="+mn-lt"/>
-                <a:ea typeface="+mn-ea"/>
-                <a:cs typeface="+mn-cs"/>
-              </a:rPr>
-              <a:t>על הוידיאו:</a:t>
-            </a:r>
-            <a:endParaRPr lang="en-US" sz="1200" b="0" i="0" u="none" strike="noStrike" kern="1200" dirty="0" smtClean="0">
+              <a:t> על הוידיאו:</a:t>
+            </a:r>
+            <a:endParaRPr lang="en-US" sz="1200" b="0" i="0" u="none" strike="noStrike" kern="1200" dirty="0">
               <a:solidFill>
                 <a:schemeClr val="tx1"/>
               </a:solidFill>
@@ -6536,7 +6431,7 @@
           </a:p>
           <a:p>
             <a:r>
-              <a:rPr lang="en-US" sz="1200" b="0" i="0" u="none" strike="noStrike" kern="1200" dirty="0" smtClean="0">
+              <a:rPr lang="en-US" sz="1200" b="0" i="0" u="none" strike="noStrike" kern="1200" dirty="0">
                 <a:solidFill>
                   <a:schemeClr val="tx1"/>
                 </a:solidFill>
@@ -6548,7 +6443,7 @@
               <a:t>Intertwine is a three-movement piece entirely written using the Vuzik composing interface, specifically for an ensemble of </a:t>
             </a:r>
             <a:r>
-              <a:rPr lang="en-US" sz="1200" b="0" i="0" u="none" strike="noStrike" kern="1200" dirty="0" err="1" smtClean="0">
+              <a:rPr lang="en-US" sz="1200" b="0" i="0" u="none" strike="noStrike" kern="1200" dirty="0" err="1">
                 <a:solidFill>
                   <a:schemeClr val="tx1"/>
                 </a:solidFill>
@@ -6560,7 +6455,7 @@
               <a:t>ChoirMob</a:t>
             </a:r>
             <a:r>
-              <a:rPr lang="en-US" sz="1200" b="0" i="0" u="none" strike="noStrike" kern="1200" dirty="0" smtClean="0">
+              <a:rPr lang="en-US" sz="1200" b="0" i="0" u="none" strike="noStrike" kern="1200" dirty="0">
                 <a:solidFill>
                   <a:schemeClr val="tx1"/>
                 </a:solidFill>
@@ -6574,7 +6469,7 @@
           </a:p>
           <a:p>
             <a:r>
-              <a:rPr lang="en-US" sz="1200" b="0" i="0" kern="1200" dirty="0" smtClean="0">
+              <a:rPr lang="en-US" sz="1200" b="0" i="0" kern="1200" dirty="0">
                 <a:solidFill>
                   <a:schemeClr val="tx1"/>
                 </a:solidFill>
@@ -6586,7 +6481,7 @@
               <a:t>Choir Mob – </a:t>
             </a:r>
             <a:r>
-              <a:rPr lang="he-IL" sz="1200" b="0" i="0" kern="1200" dirty="0" smtClean="0">
+              <a:rPr lang="he-IL" sz="1200" b="0" i="0" kern="1200" dirty="0">
                 <a:solidFill>
                   <a:schemeClr val="tx1"/>
                 </a:solidFill>
@@ -6598,7 +6493,7 @@
               <a:t>אפליקציה לניגון</a:t>
             </a:r>
             <a:r>
-              <a:rPr lang="he-IL" sz="1200" b="0" i="0" kern="1200" baseline="0" dirty="0" smtClean="0">
+              <a:rPr lang="he-IL" sz="1200" b="0" i="0" kern="1200" baseline="0" dirty="0">
                 <a:solidFill>
                   <a:schemeClr val="tx1"/>
                 </a:solidFill>
@@ -6711,26 +6606,22 @@
               <a:defRPr/>
             </a:pPr>
             <a:r>
-              <a:rPr lang="en-US" dirty="0" err="1" smtClean="0"/>
+              <a:rPr lang="en-US" dirty="0" err="1"/>
               <a:t>zehavit</a:t>
             </a:r>
-            <a:endParaRPr lang="he-IL" dirty="0" smtClean="0"/>
-          </a:p>
-          <a:p>
-            <a:endParaRPr lang="en-US" dirty="0" smtClean="0"/>
-          </a:p>
-          <a:p>
-            <a:r>
-              <a:rPr lang="he-IL" dirty="0" smtClean="0"/>
+            <a:endParaRPr lang="he-IL" dirty="0"/>
+          </a:p>
+          <a:p>
+            <a:endParaRPr lang="en-US" dirty="0"/>
+          </a:p>
+          <a:p>
+            <a:r>
+              <a:rPr lang="he-IL" dirty="0"/>
               <a:t>להרחיב</a:t>
             </a:r>
             <a:r>
-              <a:rPr lang="he-IL" baseline="0" dirty="0" smtClean="0"/>
-              <a:t> </a:t>
-            </a:r>
-            <a:r>
-              <a:rPr lang="he-IL" baseline="0" dirty="0" smtClean="0"/>
-              <a:t>בע"פ:</a:t>
+              <a:rPr lang="he-IL" baseline="0" dirty="0"/>
+              <a:t> בע"פ:</a:t>
             </a:r>
           </a:p>
           <a:p>
@@ -6739,7 +6630,7 @@
               <a:buChar char="•"/>
             </a:pPr>
             <a:r>
-              <a:rPr lang="he-IL" baseline="0" dirty="0" smtClean="0"/>
+              <a:rPr lang="he-IL" baseline="0" dirty="0"/>
               <a:t>ככלי ללימוד ילדים:</a:t>
             </a:r>
           </a:p>
@@ -6749,7 +6640,7 @@
               <a:buNone/>
             </a:pPr>
             <a:r>
-              <a:rPr lang="he-IL" baseline="0" dirty="0" smtClean="0"/>
+              <a:rPr lang="he-IL" baseline="0" dirty="0"/>
               <a:t>ממשיכים במחקר ומתייעצים עם מורים למוזיקה מה האתגרים של ילדים בתחום ואיך לפתור</a:t>
             </a:r>
           </a:p>
@@ -7201,7 +7092,7 @@
           <a:p>
             <a:fld id="{318D53EE-AD22-4BCC-B47B-45E9D925B68F}" type="datetimeFigureOut">
               <a:rPr lang="en-US" smtClean="0"/>
-              <a:t>12/17/2018</a:t>
+              <a:t>12/18/2018</a:t>
             </a:fld>
             <a:endParaRPr lang="en-US"/>
           </a:p>
@@ -7380,7 +7271,7 @@
           <a:p>
             <a:fld id="{318D53EE-AD22-4BCC-B47B-45E9D925B68F}" type="datetimeFigureOut">
               <a:rPr lang="en-US" smtClean="0"/>
-              <a:t>12/17/2018</a:t>
+              <a:t>12/18/2018</a:t>
             </a:fld>
             <a:endParaRPr lang="en-US"/>
           </a:p>
@@ -7560,7 +7451,7 @@
           <a:p>
             <a:fld id="{318D53EE-AD22-4BCC-B47B-45E9D925B68F}" type="datetimeFigureOut">
               <a:rPr lang="en-US" smtClean="0"/>
-              <a:t>12/17/2018</a:t>
+              <a:t>12/18/2018</a:t>
             </a:fld>
             <a:endParaRPr lang="en-US"/>
           </a:p>
@@ -7730,7 +7621,7 @@
           <a:p>
             <a:fld id="{318D53EE-AD22-4BCC-B47B-45E9D925B68F}" type="datetimeFigureOut">
               <a:rPr lang="en-US" smtClean="0"/>
-              <a:t>12/17/2018</a:t>
+              <a:t>12/18/2018</a:t>
             </a:fld>
             <a:endParaRPr lang="en-US"/>
           </a:p>
@@ -8043,7 +7934,7 @@
           <a:p>
             <a:fld id="{318D53EE-AD22-4BCC-B47B-45E9D925B68F}" type="datetimeFigureOut">
               <a:rPr lang="en-US" smtClean="0"/>
-              <a:t>12/17/2018</a:t>
+              <a:t>12/18/2018</a:t>
             </a:fld>
             <a:endParaRPr lang="en-US"/>
           </a:p>
@@ -8429,7 +8320,7 @@
           <a:p>
             <a:fld id="{318D53EE-AD22-4BCC-B47B-45E9D925B68F}" type="datetimeFigureOut">
               <a:rPr lang="en-US" smtClean="0"/>
-              <a:t>12/17/2018</a:t>
+              <a:t>12/18/2018</a:t>
             </a:fld>
             <a:endParaRPr lang="en-US"/>
           </a:p>
@@ -8863,7 +8754,7 @@
           <a:p>
             <a:fld id="{318D53EE-AD22-4BCC-B47B-45E9D925B68F}" type="datetimeFigureOut">
               <a:rPr lang="en-US" smtClean="0"/>
-              <a:t>12/17/2018</a:t>
+              <a:t>12/18/2018</a:t>
             </a:fld>
             <a:endParaRPr lang="en-US"/>
           </a:p>
@@ -8981,7 +8872,7 @@
           <a:p>
             <a:fld id="{318D53EE-AD22-4BCC-B47B-45E9D925B68F}" type="datetimeFigureOut">
               <a:rPr lang="en-US" smtClean="0"/>
-              <a:t>12/17/2018</a:t>
+              <a:t>12/18/2018</a:t>
             </a:fld>
             <a:endParaRPr lang="en-US"/>
           </a:p>
@@ -9076,7 +8967,7 @@
           <a:p>
             <a:fld id="{318D53EE-AD22-4BCC-B47B-45E9D925B68F}" type="datetimeFigureOut">
               <a:rPr lang="en-US" smtClean="0"/>
-              <a:t>12/17/2018</a:t>
+              <a:t>12/18/2018</a:t>
             </a:fld>
             <a:endParaRPr lang="en-US"/>
           </a:p>
@@ -9426,7 +9317,7 @@
           <a:p>
             <a:fld id="{318D53EE-AD22-4BCC-B47B-45E9D925B68F}" type="datetimeFigureOut">
               <a:rPr lang="en-US" smtClean="0"/>
-              <a:t>12/17/2018</a:t>
+              <a:t>12/18/2018</a:t>
             </a:fld>
             <a:endParaRPr lang="en-US"/>
           </a:p>
@@ -9851,7 +9742,7 @@
           <a:p>
             <a:fld id="{318D53EE-AD22-4BCC-B47B-45E9D925B68F}" type="datetimeFigureOut">
               <a:rPr lang="en-US" smtClean="0"/>
-              <a:t>12/17/2018</a:t>
+              <a:t>12/18/2018</a:t>
             </a:fld>
             <a:endParaRPr lang="en-US"/>
           </a:p>
@@ -10132,7 +10023,7 @@
           <a:p>
             <a:fld id="{318D53EE-AD22-4BCC-B47B-45E9D925B68F}" type="datetimeFigureOut">
               <a:rPr lang="en-US" smtClean="0"/>
-              <a:t>12/17/2018</a:t>
+              <a:t>12/18/2018</a:t>
             </a:fld>
             <a:endParaRPr lang="en-US"/>
           </a:p>
@@ -11022,7 +10913,7 @@
           <a:p>
             <a:pPr algn="ctr"/>
             <a:r>
-              <a:rPr lang="en-US" sz="7200" cap="all" dirty="0" smtClean="0">
+              <a:rPr lang="en-US" sz="7200" cap="all" dirty="0">
                 <a:blipFill>
                   <a:blip r:embed="rId3">
                     <a:extLst>
@@ -11039,21 +10930,6 @@
               </a:rPr>
               <a:t>Back to RGB music </a:t>
             </a:r>
-            <a:endParaRPr lang="en-US" sz="7200" cap="all" dirty="0">
-              <a:blipFill>
-                <a:blip r:embed="rId3">
-                  <a:extLst>
-                    <a:ext uri="{28A0092B-C50C-407E-A947-70E740481C1C}">
-                      <a14:useLocalDpi xmlns:a14="http://schemas.microsoft.com/office/drawing/2010/main" val="0"/>
-                    </a:ext>
-                  </a:extLst>
-                </a:blip>
-                <a:tile tx="6350" ty="-127000" sx="65000" sy="64000" flip="none" algn="tl"/>
-              </a:blipFill>
-              <a:latin typeface="+mj-lt"/>
-              <a:ea typeface="+mj-ea"/>
-              <a:cs typeface="+mj-cs"/>
-            </a:endParaRPr>
           </a:p>
         </p:txBody>
       </p:sp>
@@ -11150,7 +11026,7 @@
           <a:lstStyle/>
           <a:p>
             <a:r>
-              <a:rPr lang="en-US" dirty="0" smtClean="0"/>
+              <a:rPr lang="en-US" dirty="0"/>
               <a:t>The project </a:t>
             </a:r>
             <a:endParaRPr lang="he-IL" dirty="0"/>
@@ -11176,7 +11052,7 @@
               <a:buNone/>
             </a:pPr>
             <a:r>
-              <a:rPr lang="en-US" dirty="0" smtClean="0"/>
+              <a:rPr lang="en-US" dirty="0"/>
               <a:t>RGB Music is a software interface for creating music from an image through clicking on the image. </a:t>
             </a:r>
           </a:p>
@@ -11185,42 +11061,33 @@
               <a:buNone/>
             </a:pPr>
             <a:r>
-              <a:rPr lang="en-US" dirty="0" smtClean="0"/>
+              <a:rPr lang="en-US" dirty="0"/>
               <a:t>In this project we aim to map between visual elements to sound elements. For example:</a:t>
             </a:r>
           </a:p>
           <a:p>
             <a:r>
-              <a:rPr lang="en-US" dirty="0" smtClean="0"/>
-              <a:t>Map from the RGB value of a chosen pixel to </a:t>
-            </a:r>
-            <a:r>
               <a:rPr lang="en-US" dirty="0"/>
-              <a:t>unique instrument </a:t>
-            </a:r>
-            <a:r>
-              <a:rPr lang="en-US" dirty="0" smtClean="0"/>
-              <a:t>tone</a:t>
-            </a:r>
-          </a:p>
-          <a:p>
-            <a:r>
-              <a:rPr lang="en-US" dirty="0" smtClean="0"/>
+              <a:t>Map from the RGB value of a chosen pixel to unique instrument tone</a:t>
+            </a:r>
+          </a:p>
+          <a:p>
+            <a:r>
+              <a:rPr lang="en-US" dirty="0"/>
               <a:t>Can be configured to average the RGB value using neighbors pixels   </a:t>
             </a:r>
-            <a:endParaRPr lang="en-US" dirty="0" smtClean="0"/>
           </a:p>
           <a:p>
             <a:pPr marL="0" indent="0">
               <a:buNone/>
             </a:pPr>
-            <a:endParaRPr lang="en-US" dirty="0" smtClean="0"/>
+            <a:endParaRPr lang="en-US" dirty="0"/>
           </a:p>
           <a:p>
             <a:pPr marL="0" indent="0">
               <a:buNone/>
             </a:pPr>
-            <a:endParaRPr lang="en-US" dirty="0" smtClean="0"/>
+            <a:endParaRPr lang="en-US" dirty="0"/>
           </a:p>
         </p:txBody>
       </p:sp>
@@ -11277,13 +11144,8 @@
           <a:p>
             <a:r>
               <a:rPr lang="en-US" dirty="0"/>
-              <a:t>Related Work - </a:t>
-            </a:r>
-            <a:r>
-              <a:rPr lang="en-US" dirty="0" smtClean="0"/>
-              <a:t>VUZIK</a:t>
-            </a:r>
-            <a:endParaRPr lang="en-US" dirty="0"/>
+              <a:t>Related Work - VUZIK</a:t>
+            </a:r>
           </a:p>
         </p:txBody>
       </p:sp>
@@ -11309,53 +11171,43 @@
           <a:lstStyle/>
           <a:p>
             <a:r>
-              <a:rPr lang="en-US" dirty="0" smtClean="0"/>
-              <a:t>Pros</a:t>
-            </a:r>
-            <a:r>
               <a:rPr lang="en-US" dirty="0"/>
-              <a:t>:</a:t>
+              <a:t>Pros:</a:t>
             </a:r>
           </a:p>
           <a:p>
             <a:pPr lvl="1"/>
             <a:r>
-              <a:rPr lang="en-US" dirty="0" smtClean="0"/>
+              <a:rPr lang="en-US" dirty="0"/>
               <a:t>Very interactive</a:t>
             </a:r>
           </a:p>
           <a:p>
             <a:pPr lvl="1"/>
             <a:r>
-              <a:rPr lang="en-US" dirty="0" smtClean="0"/>
+              <a:rPr lang="en-US" dirty="0"/>
               <a:t>Suitable even for children that can’t read</a:t>
             </a:r>
-            <a:endParaRPr lang="en-US" dirty="0"/>
-          </a:p>
-          <a:p>
-            <a:r>
-              <a:rPr lang="en-US" dirty="0" smtClean="0"/>
-              <a:t>Cons</a:t>
-            </a:r>
+          </a:p>
+          <a:p>
             <a:r>
               <a:rPr lang="en-US" dirty="0"/>
-              <a:t>:</a:t>
+              <a:t>Cons:</a:t>
             </a:r>
           </a:p>
           <a:p>
             <a:pPr lvl="1"/>
             <a:r>
-              <a:rPr lang="en-US" dirty="0" smtClean="0"/>
+              <a:rPr lang="en-US" dirty="0"/>
               <a:t>Not public</a:t>
             </a:r>
           </a:p>
           <a:p>
             <a:pPr lvl="1"/>
             <a:r>
-              <a:rPr lang="en-US" dirty="0" smtClean="0"/>
+              <a:rPr lang="en-US" dirty="0"/>
               <a:t>User needs to be very creative in order to produce fare music  </a:t>
             </a:r>
-            <a:endParaRPr lang="en-US" dirty="0"/>
           </a:p>
           <a:p>
             <a:endParaRPr lang="en-US" dirty="0"/>
@@ -11810,7 +11662,7 @@
           <a:lstStyle/>
           <a:p>
             <a:r>
-              <a:rPr lang="en-US" dirty="0" smtClean="0"/>
+              <a:rPr lang="en-US" dirty="0"/>
               <a:t>Implementation</a:t>
             </a:r>
             <a:endParaRPr lang="he-IL" dirty="0"/>
@@ -11836,54 +11688,40 @@
               <a:buNone/>
             </a:pPr>
             <a:r>
-              <a:rPr lang="en-US" dirty="0" smtClean="0"/>
+              <a:rPr lang="en-US" dirty="0"/>
               <a:t>The project will be implemented in Python using the following libraries:</a:t>
             </a:r>
           </a:p>
           <a:p>
             <a:r>
-              <a:rPr lang="en-US" dirty="0" err="1" smtClean="0"/>
+              <a:rPr lang="en-US" dirty="0" err="1"/>
               <a:t>Tkinter</a:t>
             </a:r>
             <a:r>
-              <a:rPr lang="en-US" dirty="0" smtClean="0"/>
+              <a:rPr lang="en-US" dirty="0"/>
               <a:t> – UI </a:t>
             </a:r>
-            <a:endParaRPr lang="en-US" dirty="0" smtClean="0"/>
-          </a:p>
-          <a:p>
-            <a:r>
-              <a:rPr lang="en-US" dirty="0" err="1" smtClean="0"/>
+          </a:p>
+          <a:p>
+            <a:r>
+              <a:rPr lang="en-US" dirty="0" err="1"/>
               <a:t>SuperCollider</a:t>
             </a:r>
             <a:r>
-              <a:rPr lang="en-US" dirty="0" smtClean="0"/>
+              <a:rPr lang="en-US" dirty="0"/>
               <a:t> - as server</a:t>
             </a:r>
-            <a:endParaRPr lang="en-US" dirty="0" smtClean="0"/>
-          </a:p>
-          <a:p>
-            <a:r>
-              <a:rPr lang="en-US" dirty="0" smtClean="0"/>
-              <a:t>OSC – </a:t>
-            </a:r>
-            <a:r>
-              <a:rPr lang="en-US" dirty="0" smtClean="0"/>
-              <a:t>as client to </a:t>
-            </a:r>
-            <a:r>
-              <a:rPr lang="en-US" dirty="0" smtClean="0"/>
-              <a:t>interact with SC for creating music </a:t>
-            </a:r>
-          </a:p>
-          <a:p>
-            <a:r>
-              <a:rPr lang="en-US" dirty="0" err="1" smtClean="0"/>
-              <a:t>Pil</a:t>
-            </a:r>
-            <a:r>
-              <a:rPr lang="en-US" dirty="0" smtClean="0"/>
-              <a:t> - Image processing</a:t>
+          </a:p>
+          <a:p>
+            <a:r>
+              <a:rPr lang="en-US" dirty="0"/>
+              <a:t>OSC – as client to interact with SC for creating music </a:t>
+            </a:r>
+          </a:p>
+          <a:p>
+            <a:r>
+              <a:rPr lang="en-US" dirty="0"/>
+              <a:t>PIL – Python library for image processing</a:t>
             </a:r>
           </a:p>
         </p:txBody>
@@ -11967,7 +11805,7 @@
           <a:lstStyle/>
           <a:p>
             <a:r>
-              <a:rPr lang="en-US" dirty="0" smtClean="0"/>
+              <a:rPr lang="en-US" dirty="0"/>
               <a:t>Main use case </a:t>
             </a:r>
             <a:endParaRPr lang="he-IL" dirty="0"/>
@@ -12104,30 +11942,14 @@
           <a:p>
             <a:r>
               <a:rPr lang="en-US" sz="2800" dirty="0"/>
-              <a:t>Our program let the user control which parts from the image will affect the final </a:t>
-            </a:r>
-            <a:r>
-              <a:rPr lang="en-US" sz="2800" dirty="0" smtClean="0"/>
-              <a:t>work</a:t>
-            </a:r>
-            <a:endParaRPr lang="en-US" sz="2800" dirty="0"/>
+              <a:t>Our program let the user control which parts from the image will affect the final work</a:t>
+            </a:r>
           </a:p>
           <a:p>
             <a:r>
               <a:rPr lang="en-US" sz="2800" dirty="0"/>
-              <a:t> The user can use multiple images for creating one </a:t>
-            </a:r>
-            <a:r>
-              <a:rPr lang="en-US" sz="2800" dirty="0" smtClean="0"/>
-              <a:t>work</a:t>
-            </a:r>
-          </a:p>
-          <a:p>
-            <a:r>
-              <a:rPr lang="en-US" sz="2800" dirty="0" smtClean="0"/>
-              <a:t> The user can use the visual elements of the picture as an auxiliary (not all the music is made up) </a:t>
-            </a:r>
-            <a:endParaRPr lang="en-US" sz="2800" dirty="0"/>
+              <a:t> The user can use multiple images for creating one work</a:t>
+            </a:r>
           </a:p>
           <a:p>
             <a:r>
@@ -12199,7 +12021,7 @@
 </file>
 
 <file path=ppt/slides/slide18.xml><?xml version="1.0" encoding="utf-8"?>
-<p:sld xmlns:a="http://schemas.openxmlformats.org/drawingml/2006/main" xmlns:r="http://schemas.openxmlformats.org/officeDocument/2006/relationships" xmlns:p="http://schemas.openxmlformats.org/presentationml/2006/main">
+<p:sld xmlns:a="http://schemas.openxmlformats.org/drawingml/2006/main" xmlns:r="http://schemas.openxmlformats.org/officeDocument/2006/relationships" xmlns:p="http://schemas.openxmlformats.org/presentationml/2006/main" show="0">
   <p:cSld>
     <p:spTree>
       <p:nvGrpSpPr>
@@ -12231,7 +12053,7 @@
           <a:lstStyle/>
           <a:p>
             <a:r>
-              <a:rPr lang="en-US" dirty="0" smtClean="0"/>
+              <a:rPr lang="en-US" dirty="0"/>
               <a:t>Technical and musical summary #1 </a:t>
             </a:r>
             <a:endParaRPr lang="he-IL" dirty="0"/>
@@ -12254,7 +12076,7 @@
           <a:lstStyle/>
           <a:p>
             <a:r>
-              <a:rPr lang="en-US" dirty="0" smtClean="0"/>
+              <a:rPr lang="en-US" dirty="0"/>
               <a:t>System description</a:t>
             </a:r>
           </a:p>
@@ -12282,7 +12104,7 @@
         </p:blipFill>
         <p:spPr>
           <a:xfrm>
-            <a:off x="1753849" y="2362199"/>
+            <a:off x="1835736" y="2471381"/>
             <a:ext cx="7450189" cy="4110449"/>
           </a:xfrm>
           <a:prstGeom prst="rect">
@@ -12336,7 +12158,7 @@
           <a:lstStyle/>
           <a:p>
             <a:r>
-              <a:rPr lang="en-US" dirty="0" smtClean="0"/>
+              <a:rPr lang="en-US" dirty="0"/>
               <a:t>Technical and musical summary #2 </a:t>
             </a:r>
             <a:endParaRPr lang="he-IL" dirty="0"/>
@@ -12359,58 +12181,34 @@
           <a:lstStyle/>
           <a:p>
             <a:r>
-              <a:rPr lang="en-US" dirty="0" smtClean="0"/>
-              <a:t>The technical and musical details of the engine are to be defined : basically we want to </a:t>
-            </a:r>
-            <a:r>
               <a:rPr lang="en-US" dirty="0"/>
-              <a:t>have a unique instrument </a:t>
-            </a:r>
-            <a:r>
-              <a:rPr lang="en-US" dirty="0" smtClean="0"/>
-              <a:t>timbre for each RGB value and a mapping from </a:t>
-            </a:r>
+              <a:t>The technical and musical details of the engine are to be defined : basically we want to have a unique instrument timbre for each RGB value and a mapping from a set of pixels (i.e. the surrounding pixels of the chosen pixel) to pitch or time duration </a:t>
+            </a:r>
+          </a:p>
+          <a:p>
             <a:r>
               <a:rPr lang="en-US" dirty="0"/>
-              <a:t>a set of pixels </a:t>
-            </a:r>
-            <a:r>
-              <a:rPr lang="en-US" dirty="0" smtClean="0"/>
-              <a:t>(i.e. </a:t>
-            </a:r>
+              <a:t>In the advanced phases of the project we would like to give the user the ability to:  </a:t>
+            </a:r>
+          </a:p>
+          <a:p>
+            <a:pPr lvl="1"/>
             <a:r>
               <a:rPr lang="en-US" dirty="0"/>
-              <a:t>the surrounding pixels of the chosen pixel) to pitch or time </a:t>
-            </a:r>
-            <a:r>
-              <a:rPr lang="en-US" dirty="0" smtClean="0"/>
-              <a:t>duration </a:t>
-            </a:r>
-          </a:p>
-          <a:p>
-            <a:r>
-              <a:rPr lang="en-US" dirty="0" smtClean="0"/>
-              <a:t>In the advanced phases of the project we would like to give the user the ability to:  </a:t>
+              <a:t>Change the engine settings (mapping from visual elements to sound elements)</a:t>
             </a:r>
           </a:p>
           <a:p>
             <a:pPr lvl="1"/>
             <a:r>
-              <a:rPr lang="en-US" dirty="0" smtClean="0"/>
-              <a:t>Change the engine settings (mapping from visual elements to sound elements)</a:t>
+              <a:rPr lang="en-US" dirty="0"/>
+              <a:t>Record its created music</a:t>
             </a:r>
           </a:p>
           <a:p>
             <a:pPr lvl="1"/>
             <a:r>
-              <a:rPr lang="en-US" dirty="0" smtClean="0"/>
-              <a:t>Record its created music</a:t>
-            </a:r>
-          </a:p>
-          <a:p>
-            <a:pPr lvl="1"/>
-            <a:r>
-              <a:rPr lang="en-US" dirty="0" smtClean="0"/>
+              <a:rPr lang="en-US" dirty="0"/>
               <a:t>Create music based on multiple images </a:t>
             </a:r>
           </a:p>
@@ -12432,14 +12230,6 @@
   <p:clrMapOvr>
     <a:masterClrMapping/>
   </p:clrMapOvr>
-  <mc:AlternateContent xmlns:mc="http://schemas.openxmlformats.org/markup-compatibility/2006">
-    <mc:Choice xmlns:p14="http://schemas.microsoft.com/office/powerpoint/2010/main" Requires="p14">
-      <p:transition spd="slow" p14:dur="2000"/>
-    </mc:Choice>
-    <mc:Fallback>
-      <p:transition spd="slow"/>
-    </mc:Fallback>
-  </mc:AlternateContent>
 </p:sld>
 </file>
 
@@ -12667,7 +12457,7 @@
           <a:p>
             <a:pPr algn="ctr"/>
             <a:r>
-              <a:rPr lang="en-US" sz="7200" cap="all" dirty="0" smtClean="0">
+              <a:rPr lang="en-US" sz="7200" cap="all" dirty="0">
                 <a:blipFill>
                   <a:blip r:embed="rId3">
                     <a:extLst>
@@ -12684,21 +12474,6 @@
               </a:rPr>
               <a:t>Phase 1 – Demo </a:t>
             </a:r>
-            <a:endParaRPr lang="en-US" sz="7200" cap="all" dirty="0">
-              <a:blipFill>
-                <a:blip r:embed="rId3">
-                  <a:extLst>
-                    <a:ext uri="{28A0092B-C50C-407E-A947-70E740481C1C}">
-                      <a14:useLocalDpi xmlns:a14="http://schemas.microsoft.com/office/drawing/2010/main" val="0"/>
-                    </a:ext>
-                  </a:extLst>
-                </a:blip>
-                <a:tile tx="6350" ty="-127000" sx="65000" sy="64000" flip="none" algn="tl"/>
-              </a:blipFill>
-              <a:latin typeface="+mj-lt"/>
-              <a:ea typeface="+mj-ea"/>
-              <a:cs typeface="+mj-cs"/>
-            </a:endParaRPr>
           </a:p>
         </p:txBody>
       </p:sp>
@@ -13845,14 +13620,6 @@
   <p:clrMapOvr>
     <a:masterClrMapping/>
   </p:clrMapOvr>
-  <mc:AlternateContent xmlns:mc="http://schemas.openxmlformats.org/markup-compatibility/2006">
-    <mc:Choice xmlns:p14="http://schemas.microsoft.com/office/powerpoint/2010/main" Requires="p14">
-      <p:transition spd="slow" p14:dur="2000"/>
-    </mc:Choice>
-    <mc:Fallback>
-      <p:transition spd="slow"/>
-    </mc:Fallback>
-  </mc:AlternateContent>
 </p:sld>
 </file>
 
@@ -14939,14 +14706,6 @@
   <p:clrMapOvr>
     <a:masterClrMapping/>
   </p:clrMapOvr>
-  <mc:AlternateContent xmlns:mc="http://schemas.openxmlformats.org/markup-compatibility/2006">
-    <mc:Choice xmlns:p14="http://schemas.microsoft.com/office/powerpoint/2010/main" Requires="p14">
-      <p:transition spd="slow" p14:dur="2000"/>
-    </mc:Choice>
-    <mc:Fallback>
-      <p:transition spd="slow"/>
-    </mc:Fallback>
-  </mc:AlternateContent>
 </p:sld>
 </file>
 
@@ -16246,14 +16005,6 @@
   <p:clrMapOvr>
     <a:masterClrMapping/>
   </p:clrMapOvr>
-  <mc:AlternateContent xmlns:mc="http://schemas.openxmlformats.org/markup-compatibility/2006">
-    <mc:Choice xmlns:p14="http://schemas.microsoft.com/office/powerpoint/2010/main" Requires="p14">
-      <p:transition spd="slow" p14:dur="2000"/>
-    </mc:Choice>
-    <mc:Fallback>
-      <p:transition spd="slow"/>
-    </mc:Fallback>
-  </mc:AlternateContent>
 </p:sld>
 </file>
 
@@ -17617,14 +17368,6 @@
   <p:clrMapOvr>
     <a:masterClrMapping/>
   </p:clrMapOvr>
-  <mc:AlternateContent xmlns:mc="http://schemas.openxmlformats.org/markup-compatibility/2006">
-    <mc:Choice xmlns:p14="http://schemas.microsoft.com/office/powerpoint/2010/main" Requires="p14">
-      <p:transition spd="slow" p14:dur="2000"/>
-    </mc:Choice>
-    <mc:Fallback>
-      <p:transition spd="slow"/>
-    </mc:Fallback>
-  </mc:AlternateContent>
 </p:sld>
 </file>
 
@@ -20980,14 +20723,6 @@
   <p:clrMapOvr>
     <a:masterClrMapping/>
   </p:clrMapOvr>
-  <mc:AlternateContent xmlns:mc="http://schemas.openxmlformats.org/markup-compatibility/2006">
-    <mc:Choice xmlns:p14="http://schemas.microsoft.com/office/powerpoint/2010/main" Requires="p14">
-      <p:transition spd="slow" p14:dur="2000"/>
-    </mc:Choice>
-    <mc:Fallback>
-      <p:transition spd="slow"/>
-    </mc:Fallback>
-  </mc:AlternateContent>
 </p:sld>
 </file>
 
@@ -21024,7 +20759,7 @@
           <a:lstStyle/>
           <a:p>
             <a:r>
-              <a:rPr lang="en-US" smtClean="0"/>
+              <a:rPr lang="en-US"/>
               <a:t>Project timeline</a:t>
             </a:r>
             <a:endParaRPr lang="he-IL" dirty="0"/>
@@ -21047,60 +20782,54 @@
           <a:lstStyle/>
           <a:p>
             <a:r>
-              <a:rPr lang="en-US" dirty="0" smtClean="0"/>
+              <a:rPr lang="en-US" dirty="0"/>
               <a:t>Phase 1:</a:t>
             </a:r>
           </a:p>
           <a:p>
             <a:pPr lvl="1"/>
             <a:r>
-              <a:rPr lang="en-US" dirty="0" smtClean="0"/>
+              <a:rPr lang="en-US" dirty="0"/>
               <a:t>Implement an engine that creates a sound based on the RGB of the current pixel (according to mouse location)</a:t>
             </a:r>
           </a:p>
           <a:p>
             <a:r>
-              <a:rPr lang="en-US" dirty="0" smtClean="0"/>
+              <a:rPr lang="en-US" dirty="0"/>
               <a:t>Phase 2:</a:t>
             </a:r>
           </a:p>
           <a:p>
             <a:pPr lvl="1"/>
             <a:r>
-              <a:rPr lang="en-US" dirty="0" smtClean="0"/>
+              <a:rPr lang="en-US" dirty="0"/>
               <a:t>Add UI and logic for user input: Sliders, selection of instrument, etc. </a:t>
             </a:r>
-            <a:endParaRPr lang="en-US" dirty="0" smtClean="0"/>
           </a:p>
           <a:p>
             <a:pPr lvl="1"/>
             <a:r>
-              <a:rPr lang="en-US" dirty="0" smtClean="0"/>
+              <a:rPr lang="en-US" dirty="0"/>
               <a:t>Support configuration of using neighbors pixels </a:t>
             </a:r>
-            <a:endParaRPr lang="en-US" dirty="0" smtClean="0"/>
           </a:p>
           <a:p>
             <a:pPr lvl="1"/>
             <a:r>
-              <a:rPr lang="en-US" dirty="0" smtClean="0"/>
+              <a:rPr lang="en-US" dirty="0"/>
               <a:t>Record the music created </a:t>
             </a:r>
           </a:p>
           <a:p>
             <a:r>
-              <a:rPr lang="en-US" dirty="0" smtClean="0"/>
-              <a:t>Phase </a:t>
-            </a:r>
-            <a:r>
-              <a:rPr lang="en-US" dirty="0" smtClean="0"/>
-              <a:t>3:</a:t>
+              <a:rPr lang="en-US" dirty="0"/>
+              <a:t>Phase 3:</a:t>
             </a:r>
           </a:p>
           <a:p>
             <a:pPr lvl="1"/>
             <a:r>
-              <a:rPr lang="en-US" dirty="0" smtClean="0"/>
+              <a:rPr lang="en-US" dirty="0"/>
               <a:t>Add support for creating a music using multiple pictures</a:t>
             </a:r>
           </a:p>
@@ -21156,7 +20885,7 @@
           <a:lstStyle/>
           <a:p>
             <a:r>
-              <a:rPr lang="en-US" dirty="0" smtClean="0"/>
+              <a:rPr lang="en-US" dirty="0"/>
               <a:t>Bibliography #1 </a:t>
             </a:r>
             <a:endParaRPr lang="he-IL" dirty="0"/>
@@ -21180,16 +20909,12 @@
           </a:bodyPr>
           <a:lstStyle/>
           <a:p>
-            <a:endParaRPr lang="en-US" dirty="0" smtClean="0"/>
-          </a:p>
-          <a:p>
-            <a:r>
-              <a:rPr lang="en-US" dirty="0" smtClean="0"/>
-              <a:t>We </a:t>
-            </a:r>
+            <a:endParaRPr lang="en-US" dirty="0"/>
+          </a:p>
+          <a:p>
             <a:r>
               <a:rPr lang="en-US" dirty="0"/>
-              <a:t>were inspired by the video presented in class of “Geo shred preview”</a:t>
+              <a:t>We were inspired by the video presented in class of “Geo shred preview”</a:t>
             </a:r>
           </a:p>
           <a:p>
@@ -21213,29 +20938,13 @@
             </a:pPr>
             <a:r>
               <a:rPr lang="en-US" dirty="0"/>
-              <a:t>Were you can see a musician play using a touch </a:t>
-            </a:r>
-            <a:r>
-              <a:rPr lang="en-US" dirty="0" smtClean="0"/>
-              <a:t>screen</a:t>
-            </a:r>
-          </a:p>
-          <a:p>
-            <a:r>
-              <a:rPr lang="en-US" dirty="0" smtClean="0"/>
-              <a:t>Vuzik</a:t>
-            </a:r>
+              <a:t>Were you can see a musician play using a touch screen</a:t>
+            </a:r>
+          </a:p>
+          <a:p>
             <a:r>
               <a:rPr lang="en-US" dirty="0"/>
-              <a:t> </a:t>
-            </a:r>
-            <a:r>
-              <a:rPr lang="en-US" dirty="0" smtClean="0"/>
-              <a:t>–A </a:t>
-            </a:r>
-            <a:r>
-              <a:rPr lang="en-US" dirty="0"/>
-              <a:t>PAINTING GRAPHIC SCORE INTERFACE FOR</a:t>
+              <a:t>Vuzik –A PAINTING GRAPHIC SCORE INTERFACE FOR</a:t>
             </a:r>
           </a:p>
           <a:p>
@@ -21246,30 +20955,23 @@
               <a:rPr lang="en-US" dirty="0"/>
               <a:t>COMPOSING AND CONTROL OF SOUND GENERATION</a:t>
             </a:r>
-            <a:endParaRPr lang="en-US" dirty="0" smtClean="0"/>
           </a:p>
           <a:p>
             <a:pPr marL="0" indent="0">
               <a:buNone/>
             </a:pPr>
             <a:r>
-              <a:rPr lang="en-US" dirty="0" smtClean="0"/>
+              <a:rPr lang="en-US" dirty="0"/>
               <a:t>Video: </a:t>
             </a:r>
             <a:r>
               <a:rPr lang="en-US" dirty="0">
                 <a:hlinkClick r:id="rId4"/>
               </a:rPr>
-              <a:t>https://</a:t>
-            </a:r>
-            <a:r>
-              <a:rPr lang="en-US" dirty="0" smtClean="0">
-                <a:hlinkClick r:id="rId4"/>
-              </a:rPr>
-              <a:t>www.youtube.com/watch?v=Oq7c43mZYdY</a:t>
-            </a:r>
-            <a:r>
-              <a:rPr lang="en-US" dirty="0" smtClean="0"/>
+              <a:t>https://www.youtube.com/watch?v=Oq7c43mZYdY</a:t>
+            </a:r>
+            <a:r>
+              <a:rPr lang="en-US" dirty="0"/>
               <a:t> </a:t>
             </a:r>
           </a:p>
@@ -21278,11 +20980,11 @@
               <a:buNone/>
             </a:pPr>
             <a:r>
-              <a:rPr lang="en-US" dirty="0" err="1" smtClean="0"/>
+              <a:rPr lang="en-US" dirty="0" err="1"/>
               <a:t>Paper:</a:t>
             </a:r>
             <a:r>
-              <a:rPr lang="en-US" dirty="0" err="1" smtClean="0">
+              <a:rPr lang="en-US" dirty="0" err="1">
                 <a:hlinkClick r:id="rId5"/>
               </a:rPr>
               <a:t>https</a:t>
@@ -21291,15 +20993,9 @@
               <a:rPr lang="en-US" dirty="0">
                 <a:hlinkClick r:id="rId5"/>
               </a:rPr>
-              <a:t>://quod.lib.umich.edu/cache//</a:t>
-            </a:r>
-            <a:r>
-              <a:rPr lang="en-US" dirty="0" smtClean="0">
-                <a:hlinkClick r:id="rId5"/>
-              </a:rPr>
-              <a:t>b/b/p/bbp2372.2012.108/bbp2372.2012.108.pdf#page=4;zoom=75</a:t>
-            </a:r>
-            <a:endParaRPr lang="he-IL" dirty="0" smtClean="0"/>
+              <a:t>://quod.lib.umich.edu/cache//b/b/p/bbp2372.2012.108/bbp2372.2012.108.pdf#page=4;zoom=75</a:t>
+            </a:r>
+            <a:endParaRPr lang="he-IL" dirty="0"/>
           </a:p>
           <a:p>
             <a:pPr marL="0" indent="0">
@@ -21319,14 +21015,6 @@
   <p:clrMapOvr>
     <a:masterClrMapping/>
   </p:clrMapOvr>
-  <mc:AlternateContent xmlns:mc="http://schemas.openxmlformats.org/markup-compatibility/2006">
-    <mc:Choice xmlns:p14="http://schemas.microsoft.com/office/powerpoint/2010/main" Requires="p14">
-      <p:transition spd="slow" p14:dur="2000"/>
-    </mc:Choice>
-    <mc:Fallback>
-      <p:transition spd="slow"/>
-    </mc:Fallback>
-  </mc:AlternateContent>
 </p:sld>
 </file>
 
@@ -21363,7 +21051,7 @@
           <a:lstStyle/>
           <a:p>
             <a:r>
-              <a:rPr lang="en-US" dirty="0" smtClean="0"/>
+              <a:rPr lang="en-US" dirty="0"/>
               <a:t>Bibliography #2 </a:t>
             </a:r>
             <a:endParaRPr lang="he-IL" dirty="0"/>
@@ -21387,20 +21075,12 @@
           </a:bodyPr>
           <a:lstStyle/>
           <a:p>
-            <a:endParaRPr lang="en-US" dirty="0" smtClean="0"/>
-          </a:p>
-          <a:p>
-            <a:r>
-              <a:rPr lang="en-US" dirty="0" smtClean="0"/>
-              <a:t>Musical Sonification of Super High Frequency </a:t>
-            </a:r>
+            <a:endParaRPr lang="en-US" dirty="0"/>
+          </a:p>
+          <a:p>
             <a:r>
               <a:rPr lang="en-US" dirty="0"/>
-              <a:t>Lighting </a:t>
-            </a:r>
-            <a:r>
-              <a:rPr lang="en-US" dirty="0" smtClean="0"/>
-              <a:t>–  Paper:</a:t>
+              <a:t>Musical Sonification of Super High Frequency Lighting –  Paper:</a:t>
             </a:r>
           </a:p>
           <a:p>
@@ -21408,28 +21088,16 @@
               <a:buNone/>
             </a:pPr>
             <a:r>
-              <a:rPr lang="en-US" dirty="0" smtClean="0">
-                <a:hlinkClick r:id="rId3"/>
-              </a:rPr>
-              <a:t>https</a:t>
-            </a:r>
-            <a:r>
               <a:rPr lang="en-US" dirty="0">
                 <a:hlinkClick r:id="rId3"/>
               </a:rPr>
-              <a:t>://quod.lib.umich.edu/cache//</a:t>
-            </a:r>
-            <a:r>
-              <a:rPr lang="en-US" dirty="0" smtClean="0">
-                <a:hlinkClick r:id="rId3"/>
-              </a:rPr>
-              <a:t>b/b/p/bbp2372.2017.039/bbp2372.2017.039.pdf#page=1;zoom=75</a:t>
-            </a:r>
-            <a:endParaRPr lang="en-US" dirty="0" smtClean="0"/>
-          </a:p>
-          <a:p>
-            <a:r>
-              <a:rPr lang="en-US" dirty="0" smtClean="0"/>
+              <a:t>https://quod.lib.umich.edu/cache//b/b/p/bbp2372.2017.039/bbp2372.2017.039.pdf#page=1;zoom=75</a:t>
+            </a:r>
+            <a:endParaRPr lang="en-US" dirty="0"/>
+          </a:p>
+          <a:p>
+            <a:r>
+              <a:rPr lang="en-US" dirty="0"/>
               <a:t>See music: A tool for music visualization – Paper: </a:t>
             </a:r>
           </a:p>
@@ -21441,16 +21109,10 @@
               <a:buNone/>
             </a:pPr>
             <a:r>
-              <a:rPr lang="en-US" sz="2000" dirty="0" smtClean="0">
-                <a:hlinkClick r:id="rId4"/>
-              </a:rPr>
-              <a:t>https</a:t>
-            </a:r>
-            <a:r>
               <a:rPr lang="en-US" sz="2000" dirty="0">
                 <a:hlinkClick r:id="rId4"/>
               </a:rPr>
-              <a:t>://quod.lib.umich.edu/cache//b/b/p/bbp2372.1993.114/bbp2372.1993.114.pdf#page=1;zoom=75</a:t>
+              <a:t>https://quod.lib.umich.edu/cache//b/b/p/bbp2372.1993.114/bbp2372.1993.114.pdf#page=1;zoom=75</a:t>
             </a:r>
             <a:endParaRPr lang="en-US" sz="2000" dirty="0"/>
           </a:p>
@@ -21466,21 +21128,15 @@
               <a:rPr lang="en-US" dirty="0">
                 <a:hlinkClick r:id="rId5"/>
               </a:rPr>
-              <a:t>https://</a:t>
-            </a:r>
-            <a:r>
-              <a:rPr lang="en-US" dirty="0" smtClean="0">
-                <a:hlinkClick r:id="rId5"/>
-              </a:rPr>
-              <a:t>www.youtube.com/watch?v=qNhwDzInBjo</a:t>
-            </a:r>
-            <a:endParaRPr lang="en-US" dirty="0" smtClean="0"/>
+              <a:t>https://www.youtube.com/watch?v=qNhwDzInBjo</a:t>
+            </a:r>
+            <a:endParaRPr lang="en-US" dirty="0"/>
           </a:p>
           <a:p>
             <a:pPr marL="0" indent="0">
               <a:buNone/>
             </a:pPr>
-            <a:endParaRPr lang="en-US" dirty="0" smtClean="0"/>
+            <a:endParaRPr lang="en-US" dirty="0"/>
           </a:p>
         </p:txBody>
       </p:sp>
@@ -21494,14 +21150,6 @@
   <p:clrMapOvr>
     <a:masterClrMapping/>
   </p:clrMapOvr>
-  <mc:AlternateContent xmlns:mc="http://schemas.openxmlformats.org/markup-compatibility/2006">
-    <mc:Choice xmlns:p14="http://schemas.microsoft.com/office/powerpoint/2010/main" Requires="p14">
-      <p:transition spd="slow" p14:dur="2000"/>
-    </mc:Choice>
-    <mc:Fallback>
-      <p:transition spd="slow"/>
-    </mc:Fallback>
-  </mc:AlternateContent>
 </p:sld>
 </file>
 
@@ -21544,10 +21192,9 @@
           <a:lstStyle/>
           <a:p>
             <a:r>
-              <a:rPr lang="en-US" dirty="0" smtClean="0"/>
+              <a:rPr lang="en-US" dirty="0"/>
               <a:t>Related Paper - vuzik </a:t>
             </a:r>
-            <a:endParaRPr lang="en-US" dirty="0"/>
           </a:p>
         </p:txBody>
       </p:sp>
@@ -21573,26 +21220,18 @@
           <a:lstStyle/>
           <a:p>
             <a:r>
-              <a:rPr lang="en-US" b="1" dirty="0" smtClean="0"/>
-              <a:t>A </a:t>
-            </a:r>
-            <a:r>
               <a:rPr lang="en-US" b="1" dirty="0"/>
-              <a:t>painting graphic score interface for composing and control of sound </a:t>
-            </a:r>
-            <a:r>
-              <a:rPr lang="en-US" b="1" dirty="0" smtClean="0"/>
-              <a:t>generation</a:t>
-            </a:r>
-          </a:p>
-          <a:p>
-            <a:r>
-              <a:rPr lang="en-US" b="1" dirty="0" smtClean="0"/>
+              <a:t>A painting graphic score interface for composing and control of sound generation</a:t>
+            </a:r>
+          </a:p>
+          <a:p>
+            <a:r>
+              <a:rPr lang="en-US" b="1" dirty="0"/>
               <a:t>Authors:</a:t>
             </a:r>
           </a:p>
           <a:p>
-            <a:endParaRPr lang="en-US" b="1" dirty="0" smtClean="0"/>
+            <a:endParaRPr lang="en-US" b="1" dirty="0"/>
           </a:p>
           <a:p>
             <a:endParaRPr lang="en-US" b="1" dirty="0"/>
@@ -21716,7 +21355,7 @@
           <a:lstStyle/>
           <a:p>
             <a:r>
-              <a:rPr lang="en-US" dirty="0" smtClean="0"/>
+              <a:rPr lang="en-US" dirty="0"/>
               <a:t>What is Vuzik?</a:t>
             </a:r>
             <a:endParaRPr lang="he-IL" dirty="0"/>
@@ -21752,54 +21391,30 @@
             </a:r>
             <a:r>
               <a:rPr lang="en-US" dirty="0"/>
-              <a:t>is an interface for creating and visualizing </a:t>
-            </a:r>
-            <a:r>
-              <a:rPr lang="en-US" dirty="0" smtClean="0"/>
-              <a:t>music through </a:t>
-            </a:r>
-            <a:r>
-              <a:rPr lang="en-US" dirty="0"/>
-              <a:t>painting gestures on a large interactive </a:t>
-            </a:r>
-            <a:r>
-              <a:rPr lang="en-US" dirty="0" smtClean="0"/>
-              <a:t>surface</a:t>
-            </a:r>
-            <a:endParaRPr lang="en-US" u="sng" dirty="0" smtClean="0"/>
+              <a:t>is an interface for creating and visualizing music through painting gestures on a large interactive surface</a:t>
+            </a:r>
+            <a:endParaRPr lang="en-US" u="sng" dirty="0"/>
           </a:p>
           <a:p>
             <a:pPr marL="0" indent="0">
               <a:buNone/>
             </a:pPr>
             <a:r>
-              <a:rPr lang="en-US" u="sng" dirty="0" smtClean="0"/>
+              <a:rPr lang="en-US" u="sng" dirty="0"/>
               <a:t>Motivation: </a:t>
             </a:r>
             <a:r>
               <a:rPr lang="en-US" dirty="0"/>
-              <a:t>open up new ways to create </a:t>
-            </a:r>
-            <a:r>
-              <a:rPr lang="en-US" dirty="0" smtClean="0"/>
-              <a:t>and realize </a:t>
-            </a:r>
-            <a:r>
-              <a:rPr lang="en-US" dirty="0"/>
-              <a:t>musical </a:t>
-            </a:r>
-            <a:r>
-              <a:rPr lang="en-US" dirty="0" smtClean="0"/>
-              <a:t>ideas</a:t>
-            </a:r>
-            <a:endParaRPr lang="en-US" u="sng" dirty="0" smtClean="0"/>
+              <a:t>open up new ways to create and realize musical ideas</a:t>
+            </a:r>
+            <a:endParaRPr lang="en-US" u="sng" dirty="0"/>
           </a:p>
           <a:p>
             <a:pPr marL="0" indent="0">
               <a:buNone/>
             </a:pPr>
             <a:r>
-              <a:rPr lang="en-US" u="sng" dirty="0" smtClean="0"/>
+              <a:rPr lang="en-US" u="sng" dirty="0"/>
               <a:t>How?</a:t>
             </a:r>
           </a:p>
@@ -21808,48 +21423,8 @@
               <a:buNone/>
             </a:pPr>
             <a:r>
-              <a:rPr lang="en-US" dirty="0" smtClean="0"/>
-              <a:t>Using the understanding of basic </a:t>
-            </a:r>
-            <a:r>
               <a:rPr lang="en-US" dirty="0"/>
-              <a:t>concepts about </a:t>
-            </a:r>
-            <a:r>
-              <a:rPr lang="en-US" dirty="0" smtClean="0"/>
-              <a:t>the physical world to build </a:t>
-            </a:r>
-            <a:r>
-              <a:rPr lang="en-US" dirty="0"/>
-              <a:t>a usable </a:t>
-            </a:r>
-            <a:r>
-              <a:rPr lang="en-US" dirty="0" smtClean="0"/>
-              <a:t>understanding of </a:t>
-            </a:r>
-            <a:r>
-              <a:rPr lang="en-US" dirty="0"/>
-              <a:t>music’s structure and </a:t>
-            </a:r>
-            <a:r>
-              <a:rPr lang="en-US" dirty="0" smtClean="0"/>
-              <a:t>encourage </a:t>
-            </a:r>
-            <a:r>
-              <a:rPr lang="en-US" dirty="0"/>
-              <a:t>more </a:t>
-            </a:r>
-            <a:r>
-              <a:rPr lang="en-US" dirty="0" smtClean="0"/>
-              <a:t>intuitive music </a:t>
-            </a:r>
-            <a:r>
-              <a:rPr lang="en-US" dirty="0"/>
-              <a:t>exploration and </a:t>
-            </a:r>
-            <a:r>
-              <a:rPr lang="en-US" dirty="0" smtClean="0"/>
-              <a:t>creation</a:t>
+              <a:t>Using the understanding of basic concepts about the physical world to build a usable understanding of music’s structure and encourage more intuitive music exploration and creation</a:t>
             </a:r>
           </a:p>
           <a:p>
@@ -21931,7 +21506,7 @@
           <a:lstStyle/>
           <a:p>
             <a:r>
-              <a:rPr lang="en-US" dirty="0" smtClean="0"/>
+              <a:rPr lang="en-US" dirty="0"/>
               <a:t>First step- sound visual mapping</a:t>
             </a:r>
             <a:endParaRPr lang="he-IL" dirty="0"/>
@@ -22027,7 +21602,7 @@
           <a:lstStyle/>
           <a:p>
             <a:r>
-              <a:rPr lang="en-US" dirty="0" smtClean="0"/>
+              <a:rPr lang="en-US" dirty="0"/>
               <a:t>y</a:t>
             </a:r>
             <a:endParaRPr lang="he-IL" dirty="0"/>
@@ -22057,7 +21632,7 @@
           <a:lstStyle/>
           <a:p>
             <a:r>
-              <a:rPr lang="en-US" dirty="0" smtClean="0"/>
+              <a:rPr lang="en-US" dirty="0"/>
               <a:t>x</a:t>
             </a:r>
             <a:endParaRPr lang="he-IL" dirty="0"/>
@@ -22087,7 +21662,7 @@
           <a:lstStyle/>
           <a:p>
             <a:r>
-              <a:rPr lang="en-US" dirty="0" smtClean="0"/>
+              <a:rPr lang="en-US" dirty="0"/>
               <a:t>pitch</a:t>
             </a:r>
             <a:endParaRPr lang="he-IL" dirty="0"/>
@@ -22117,7 +21692,7 @@
           <a:lstStyle/>
           <a:p>
             <a:r>
-              <a:rPr lang="en-US" dirty="0" smtClean="0"/>
+              <a:rPr lang="en-US" dirty="0"/>
               <a:t>Time duration</a:t>
             </a:r>
             <a:endParaRPr lang="he-IL" dirty="0"/>
@@ -22268,7 +21843,7 @@
               <a:buChar char="•"/>
             </a:pPr>
             <a:r>
-              <a:rPr lang="en-US" sz="2000" dirty="0" smtClean="0"/>
+              <a:rPr lang="en-US" sz="2000" dirty="0"/>
               <a:t>Each color is paired to a unique instrument tone </a:t>
             </a:r>
           </a:p>
@@ -22278,7 +21853,7 @@
               <a:buChar char="•"/>
             </a:pPr>
             <a:r>
-              <a:rPr lang="en-US" sz="2000" dirty="0" smtClean="0"/>
+              <a:rPr lang="en-US" sz="2000" dirty="0"/>
               <a:t>Thickness of the line reflects the loudness </a:t>
             </a:r>
             <a:endParaRPr lang="he-IL" sz="2000" dirty="0"/>
@@ -22331,7 +21906,7 @@
           <a:lstStyle/>
           <a:p>
             <a:r>
-              <a:rPr lang="en-US" dirty="0" smtClean="0"/>
+              <a:rPr lang="en-US" dirty="0"/>
               <a:t>Second step – hear the painting</a:t>
             </a:r>
             <a:endParaRPr lang="he-IL" dirty="0"/>
@@ -22357,7 +21932,7 @@
               <a:buNone/>
             </a:pPr>
             <a:r>
-              <a:rPr lang="en-US" dirty="0" smtClean="0"/>
+              <a:rPr lang="en-US" dirty="0"/>
               <a:t>Two modes of operation :</a:t>
             </a:r>
           </a:p>
@@ -22366,7 +21941,7 @@
               <a:buAutoNum type="arabicPeriod"/>
             </a:pPr>
             <a:r>
-              <a:rPr lang="en-US" dirty="0" smtClean="0"/>
+              <a:rPr lang="en-US" dirty="0"/>
               <a:t>Creation – “paint” music in real-time</a:t>
             </a:r>
           </a:p>
@@ -22375,7 +21950,7 @@
               <a:buAutoNum type="arabicPeriod"/>
             </a:pPr>
             <a:r>
-              <a:rPr lang="en-US" dirty="0" smtClean="0"/>
+              <a:rPr lang="en-US" dirty="0"/>
               <a:t>Playback – hear the entire canvas or a selected stroke</a:t>
             </a:r>
           </a:p>
@@ -22427,7 +22002,7 @@
           <a:lstStyle/>
           <a:p>
             <a:r>
-              <a:rPr lang="en-US" dirty="0" smtClean="0"/>
+              <a:rPr lang="en-US" dirty="0"/>
               <a:t>Implementation and use case</a:t>
             </a:r>
             <a:endParaRPr lang="he-IL" dirty="0"/>
@@ -22450,12 +22025,12 @@
           <a:lstStyle/>
           <a:p>
             <a:r>
-              <a:rPr lang="en-US" dirty="0" smtClean="0"/>
+              <a:rPr lang="en-US" dirty="0"/>
               <a:t>GUI is implemented in C# (WPF) and utilizes the open sound control protocol for messaging </a:t>
             </a:r>
           </a:p>
           <a:p>
-            <a:endParaRPr lang="en-US" dirty="0" smtClean="0"/>
+            <a:endParaRPr lang="en-US" dirty="0"/>
           </a:p>
         </p:txBody>
       </p:sp>
@@ -22493,13 +22068,6 @@
   <p:clrMapOvr>
     <a:masterClrMapping/>
   </p:clrMapOvr>
-  <p:timing>
-    <p:tnLst>
-      <p:par>
-        <p:cTn id="1" dur="indefinite" restart="never" nodeType="tmRoot"/>
-      </p:par>
-    </p:tnLst>
-  </p:timing>
 </p:sld>
 </file>
 
@@ -22536,7 +22104,7 @@
           <a:lstStyle/>
           <a:p>
             <a:r>
-              <a:rPr lang="en-US" dirty="0" smtClean="0"/>
+              <a:rPr lang="en-US" dirty="0"/>
               <a:t>Applications </a:t>
             </a:r>
             <a:endParaRPr lang="he-IL" dirty="0"/>
@@ -22559,13 +22127,13 @@
           <a:lstStyle/>
           <a:p>
             <a:r>
-              <a:rPr lang="en-US" dirty="0" smtClean="0"/>
+              <a:rPr lang="en-US" dirty="0"/>
               <a:t>Originally envisioned as a tool for children to explore music and sound</a:t>
             </a:r>
           </a:p>
           <a:p>
             <a:r>
-              <a:rPr lang="en-US" dirty="0" smtClean="0"/>
+              <a:rPr lang="en-US" dirty="0"/>
               <a:t>Offering the capability for more advanced music composition </a:t>
             </a:r>
           </a:p>
@@ -22577,16 +22145,10 @@
               <a:rPr lang="en-US" dirty="0">
                 <a:hlinkClick r:id="rId3"/>
               </a:rPr>
-              <a:t>https://</a:t>
-            </a:r>
-            <a:r>
-              <a:rPr lang="en-US" dirty="0" smtClean="0">
-                <a:hlinkClick r:id="rId3"/>
-              </a:rPr>
-              <a:t>www.youtube.com/watch?v=BNzV7lvgJjI</a:t>
-            </a:r>
-            <a:r>
-              <a:rPr lang="en-US" dirty="0" smtClean="0"/>
+              <a:t>https://www.youtube.com/watch?v=BNzV7lvgJjI</a:t>
+            </a:r>
+            <a:r>
+              <a:rPr lang="en-US" dirty="0"/>
               <a:t> 0:57</a:t>
             </a:r>
             <a:endParaRPr lang="he-IL" dirty="0"/>
@@ -22639,7 +22201,7 @@
           <a:lstStyle/>
           <a:p>
             <a:r>
-              <a:rPr lang="en-US" dirty="0" smtClean="0"/>
+              <a:rPr lang="en-US" dirty="0"/>
               <a:t>Future work </a:t>
             </a:r>
             <a:endParaRPr lang="he-IL" dirty="0"/>
@@ -22662,14 +22224,13 @@
           <a:lstStyle/>
           <a:p>
             <a:r>
-              <a:rPr lang="en-US" dirty="0" smtClean="0"/>
+              <a:rPr lang="en-US" dirty="0"/>
               <a:t>Continue developing vuzik as an educational tool for elementary schools </a:t>
             </a:r>
-            <a:endParaRPr lang="en-US" dirty="0"/>
-          </a:p>
-          <a:p>
-            <a:r>
-              <a:rPr lang="en-US" dirty="0" smtClean="0"/>
+          </a:p>
+          <a:p>
+            <a:r>
+              <a:rPr lang="en-US" dirty="0"/>
               <a:t>Further validate it as composition tool by creating more music works </a:t>
             </a:r>
             <a:endParaRPr lang="he-IL" dirty="0"/>
@@ -23215,19 +22776,19 @@
 
 <file path=customXml/item1.xml><?xml version="1.0" encoding="utf-8"?>
 <Control xmlns="http://schemas.microsoft.com/VisualStudio/2011/storyboarding/control">
-  <Id Name="System.Storyboarding.Common.TextInput" Revision="1" Stencil="System.Storyboarding.Common" StencilVersion="0.1"/>
+  <Id Name="System.Storyboarding.WindowsDesktop.MenuBar" Revision="1" Stencil="System.Storyboarding.WindowsDesktop" StencilVersion="0.1"/>
 </Control>
 </file>
 
 <file path=customXml/item10.xml><?xml version="1.0" encoding="utf-8"?>
 <Control xmlns="http://schemas.microsoft.com/VisualStudio/2011/storyboarding/control">
-  <Id Name="System.Storyboarding.WindowsApps.WindowsAppsListBox" Revision="1" Stencil="System.Storyboarding.WindowsApps" StencilVersion="0.1"/>
+  <Id Name="System.Storyboarding.Backgrounds.Window" Revision="1" Stencil="System.Storyboarding.Backgrounds" StencilVersion="0.1"/>
 </Control>
 </file>
 
 <file path=customXml/item11.xml><?xml version="1.0" encoding="utf-8"?>
 <Control xmlns="http://schemas.microsoft.com/VisualStudio/2011/storyboarding/control">
-  <Id Name="System.Storyboarding.Common.Text" Revision="1" Stencil="System.Storyboarding.Common" StencilVersion="0.1"/>
+  <Id Name="System.Storyboarding.Common.MousePointer" Revision="1" Stencil="System.Storyboarding.Common" StencilVersion="0.1"/>
 </Control>
 </file>
 
@@ -23239,19 +22800,19 @@
 
 <file path=customXml/item13.xml><?xml version="1.0" encoding="utf-8"?>
 <Control xmlns="http://schemas.microsoft.com/VisualStudio/2011/storyboarding/control">
-  <Id Name="System.Storyboarding.WindowsDesktop.MenuBar" Revision="1" Stencil="System.Storyboarding.WindowsDesktop" StencilVersion="0.1"/>
+  <Id Name="System.Storyboarding.Common.CheckBoxUnchecked" Revision="1" Stencil="System.Storyboarding.Common" StencilVersion="0.1"/>
 </Control>
 </file>
 
 <file path=customXml/item14.xml><?xml version="1.0" encoding="utf-8"?>
 <Control xmlns="http://schemas.microsoft.com/VisualStudio/2011/storyboarding/control">
-  <Id Name="5e505f8e-b0aa-429a-bb4c-92ab0e8a8ee6" RevisionId="d2083f08-ba4f-4330-87aa-e4d23a4443d7" Stencil="172d6d98-e5c9-42e9-a209-79f7a94bbd38" StencilRevisionId="00000000-0000-0000-0000-000000000000" StencilVersion="0.0"/>
+  <Id Name="System.Storyboarding.Common.CheckBoxUnchecked" Revision="1" Stencil="System.Storyboarding.Common" StencilVersion="0.1"/>
 </Control>
 </file>
 
 <file path=customXml/item15.xml><?xml version="1.0" encoding="utf-8"?>
 <Control xmlns="http://schemas.microsoft.com/VisualStudio/2011/storyboarding/control">
-  <Id Name="System.Storyboarding.WindowsDesktop.FileMenu" Revision="1" Stencil="System.Storyboarding.WindowsDesktop" StencilVersion="0.1"/>
+  <Id Name="System.Storyboarding.Common.CheckBoxChecked" Revision="1" Stencil="System.Storyboarding.Common" StencilVersion="0.1"/>
 </Control>
 </file>
 
@@ -23263,19 +22824,19 @@
 
 <file path=customXml/item17.xml><?xml version="1.0" encoding="utf-8"?>
 <Control xmlns="http://schemas.microsoft.com/VisualStudio/2011/storyboarding/control">
-  <Id Name="System.Storyboarding.Common.CheckBoxUnchecked" Revision="1" Stencil="System.Storyboarding.Common" StencilVersion="0.1"/>
+  <Id Name="System.Storyboarding.Common.TextInput" Revision="1" Stencil="System.Storyboarding.Common" StencilVersion="0.1"/>
 </Control>
 </file>
 
 <file path=customXml/item18.xml><?xml version="1.0" encoding="utf-8"?>
 <Control xmlns="http://schemas.microsoft.com/VisualStudio/2011/storyboarding/control">
-  <Id Name="System.Storyboarding.WindowsDesktop.MenuBar" Revision="1" Stencil="System.Storyboarding.WindowsDesktop" StencilVersion="0.1"/>
+  <Id Name="System.Storyboarding.Common.CheckBoxChecked" Revision="1" Stencil="System.Storyboarding.Common" StencilVersion="0.1"/>
 </Control>
 </file>
 
 <file path=customXml/item19.xml><?xml version="1.0" encoding="utf-8"?>
 <Control xmlns="http://schemas.microsoft.com/VisualStudio/2011/storyboarding/control">
-  <Id Name="System.Storyboarding.Common.TextInput" Revision="1" Stencil="System.Storyboarding.Common" StencilVersion="0.1"/>
+  <Id Name="System.Storyboarding.WindowsDesktop.FileMenu" Revision="1" Stencil="System.Storyboarding.WindowsDesktop" StencilVersion="0.1"/>
 </Control>
 </file>
 
@@ -23286,24 +22847,6 @@
 </file>
 
 <file path=customXml/item20.xml><?xml version="1.0" encoding="utf-8"?>
-<Control xmlns="http://schemas.microsoft.com/VisualStudio/2011/storyboarding/control">
-  <Id Name="System.Storyboarding.Backgrounds.Window" Revision="1" Stencil="System.Storyboarding.Backgrounds" StencilVersion="0.1"/>
-</Control>
-</file>
-
-<file path=customXml/item21.xml><?xml version="1.0" encoding="utf-8"?>
-<Control xmlns="http://schemas.microsoft.com/VisualStudio/2011/storyboarding/control">
-  <Id Name="System.Storyboarding.Common.Slider" Revision="1" Stencil="System.Storyboarding.Common" StencilVersion="0.1"/>
-</Control>
-</file>
-
-<file path=customXml/item22.xml><?xml version="1.0" encoding="utf-8"?>
-<Control xmlns="http://schemas.microsoft.com/VisualStudio/2011/storyboarding/control">
-  <Id Name="System.Storyboarding.WindowsDesktop.MenuBar" Revision="1" Stencil="System.Storyboarding.WindowsDesktop" StencilVersion="0.1"/>
-</Control>
-</file>
-
-<file path=customXml/item23.xml><?xml version="1.0" encoding="utf-8"?>
 <p:properties xmlns:p="http://schemas.microsoft.com/office/2006/metadata/properties" xmlns:xsi="http://www.w3.org/2001/XMLSchema-instance" xmlns:pc="http://schemas.microsoft.com/office/infopath/2007/PartnerControls">
   <documentManagement>
     <_dlc_DocId xmlns="b4ebf394-daf6-497a-96c5-a2f8c10b38cf">TT6HZDVJM2HV-178-321</_dlc_DocId>
@@ -23315,15 +22858,33 @@
 </p:properties>
 </file>
 
+<file path=customXml/item21.xml><?xml version="1.0" encoding="utf-8"?>
+<Control xmlns="http://schemas.microsoft.com/VisualStudio/2011/storyboarding/control">
+  <Id Name="System.Storyboarding.WindowsApps.WindowsAppsListBox" Revision="1" Stencil="System.Storyboarding.WindowsApps" StencilVersion="0.1"/>
+</Control>
+</file>
+
+<file path=customXml/item22.xml><?xml version="1.0" encoding="utf-8"?>
+<Control xmlns="http://schemas.microsoft.com/VisualStudio/2011/storyboarding/control">
+  <Id Name="System.Storyboarding.Common.DragSelection" Revision="1" Stencil="System.Storyboarding.Common" StencilVersion="0.1"/>
+</Control>
+</file>
+
+<file path=customXml/item23.xml><?xml version="1.0" encoding="utf-8"?>
+<Control xmlns="http://schemas.microsoft.com/VisualStudio/2011/storyboarding/control">
+  <Id Name="System.Storyboarding.WindowsDesktop.FileMenu" Revision="1" Stencil="System.Storyboarding.WindowsDesktop" StencilVersion="0.1"/>
+</Control>
+</file>
+
 <file path=customXml/item24.xml><?xml version="1.0" encoding="utf-8"?>
 <Control xmlns="http://schemas.microsoft.com/VisualStudio/2011/storyboarding/control">
-  <Id Name="System.Storyboarding.Backgrounds.Window" Revision="1" Stencil="System.Storyboarding.Backgrounds" StencilVersion="0.1"/>
+  <Id Name="System.Storyboarding.WindowsDesktop.MenuBar" Revision="1" Stencil="System.Storyboarding.WindowsDesktop" StencilVersion="0.1"/>
 </Control>
 </file>
 
 <file path=customXml/item25.xml><?xml version="1.0" encoding="utf-8"?>
 <Control xmlns="http://schemas.microsoft.com/VisualStudio/2011/storyboarding/control">
-  <Id Name="System.Storyboarding.Common.CheckBoxChecked" Revision="1" Stencil="System.Storyboarding.Common" StencilVersion="0.1"/>
+  <Id Name="System.Storyboarding.WindowsDesktop.MenuBar" Revision="1" Stencil="System.Storyboarding.WindowsDesktop" StencilVersion="0.1"/>
 </Control>
 </file>
 
@@ -23335,53 +22896,117 @@
 
 <file path=customXml/item27.xml><?xml version="1.0" encoding="utf-8"?>
 <Control xmlns="http://schemas.microsoft.com/VisualStudio/2011/storyboarding/control">
-  <Id Name="System.Storyboarding.Backgrounds.Window" Revision="1" Stencil="System.Storyboarding.Backgrounds" StencilVersion="0.1"/>
+  <Id Name="System.Storyboarding.Common.Slider" Revision="1" Stencil="System.Storyboarding.Common" StencilVersion="0.1"/>
 </Control>
 </file>
 
 <file path=customXml/item3.xml><?xml version="1.0" encoding="utf-8"?>
 <Control xmlns="http://schemas.microsoft.com/VisualStudio/2011/storyboarding/control">
-  <Id Name="System.Storyboarding.Common.CheckBoxUnchecked" Revision="1" Stencil="System.Storyboarding.Common" StencilVersion="0.1"/>
+  <Id Name="System.Storyboarding.Backgrounds.Window" Revision="1" Stencil="System.Storyboarding.Backgrounds" StencilVersion="0.1"/>
 </Control>
 </file>
 
 <file path=customXml/item4.xml><?xml version="1.0" encoding="utf-8"?>
 <Control xmlns="http://schemas.microsoft.com/VisualStudio/2011/storyboarding/control">
-  <Id Name="System.Storyboarding.Common.DragSelection" Revision="1" Stencil="System.Storyboarding.Common" StencilVersion="0.1"/>
+  <Id Name="System.Storyboarding.Common.Text" Revision="1" Stencil="System.Storyboarding.Common" StencilVersion="0.1"/>
 </Control>
 </file>
 
 <file path=customXml/item5.xml><?xml version="1.0" encoding="utf-8"?>
 <Control xmlns="http://schemas.microsoft.com/VisualStudio/2011/storyboarding/control">
-  <Id Name="System.Storyboarding.WindowsDesktop.DialogBox" Revision="1" Stencil="System.Storyboarding.WindowsDesktop" StencilVersion="0.1"/>
+  <Id Name="System.Storyboarding.Backgrounds.Window" Revision="1" Stencil="System.Storyboarding.Backgrounds" StencilVersion="0.1"/>
 </Control>
 </file>
 
 <file path=customXml/item6.xml><?xml version="1.0" encoding="utf-8"?>
 <Control xmlns="http://schemas.microsoft.com/VisualStudio/2011/storyboarding/control">
-  <Id Name="System.Storyboarding.Common.CheckBoxChecked" Revision="1" Stencil="System.Storyboarding.Common" StencilVersion="0.1"/>
+  <Id Name="System.Storyboarding.WindowsDesktop.DialogBox" Revision="1" Stencil="System.Storyboarding.WindowsDesktop" StencilVersion="0.1"/>
 </Control>
 </file>
 
 <file path=customXml/item7.xml><?xml version="1.0" encoding="utf-8"?>
 <Control xmlns="http://schemas.microsoft.com/VisualStudio/2011/storyboarding/control">
-  <Id Name="System.Storyboarding.WindowsDesktop.MenuBar" Revision="1" Stencil="System.Storyboarding.WindowsDesktop" StencilVersion="0.1"/>
+  <Id Name="System.Storyboarding.Common.TextInput" Revision="1" Stencil="System.Storyboarding.Common" StencilVersion="0.1"/>
 </Control>
 </file>
 
 <file path=customXml/item8.xml><?xml version="1.0" encoding="utf-8"?>
 <Control xmlns="http://schemas.microsoft.com/VisualStudio/2011/storyboarding/control">
-  <Id Name="System.Storyboarding.Common.MousePointer" Revision="1" Stencil="System.Storyboarding.Common" StencilVersion="0.1"/>
+  <Id Name="5e505f8e-b0aa-429a-bb4c-92ab0e8a8ee6" RevisionId="d2083f08-ba4f-4330-87aa-e4d23a4443d7" Stencil="172d6d98-e5c9-42e9-a209-79f7a94bbd38" StencilRevisionId="00000000-0000-0000-0000-000000000000" StencilVersion="0.0"/>
 </Control>
 </file>
 
 <file path=customXml/item9.xml><?xml version="1.0" encoding="utf-8"?>
 <Control xmlns="http://schemas.microsoft.com/VisualStudio/2011/storyboarding/control">
-  <Id Name="System.Storyboarding.WindowsDesktop.FileMenu" Revision="1" Stencil="System.Storyboarding.WindowsDesktop" StencilVersion="0.1"/>
+  <Id Name="System.Storyboarding.WindowsDesktop.MenuBar" Revision="1" Stencil="System.Storyboarding.WindowsDesktop" StencilVersion="0.1"/>
 </Control>
 </file>
 
 <file path=customXml/itemProps1.xml><?xml version="1.0" encoding="utf-8"?>
+<ds:datastoreItem xmlns:ds="http://schemas.openxmlformats.org/officeDocument/2006/customXml" ds:itemID="{AADB52BB-F608-4EDE-9EE9-9CF85A7F98CA}">
+  <ds:schemaRefs>
+    <ds:schemaRef ds:uri="http://schemas.microsoft.com/VisualStudio/2011/storyboarding/control"/>
+  </ds:schemaRefs>
+</ds:datastoreItem>
+</file>
+
+<file path=customXml/itemProps10.xml><?xml version="1.0" encoding="utf-8"?>
+<ds:datastoreItem xmlns:ds="http://schemas.openxmlformats.org/officeDocument/2006/customXml" ds:itemID="{D038A533-7D3D-486B-A97F-3F7D2D473704}">
+  <ds:schemaRefs>
+    <ds:schemaRef ds:uri="http://schemas.microsoft.com/VisualStudio/2011/storyboarding/control"/>
+  </ds:schemaRefs>
+</ds:datastoreItem>
+</file>
+
+<file path=customXml/itemProps11.xml><?xml version="1.0" encoding="utf-8"?>
+<ds:datastoreItem xmlns:ds="http://schemas.openxmlformats.org/officeDocument/2006/customXml" ds:itemID="{6392601F-1C60-40B3-8481-32D2B50E6B0F}">
+  <ds:schemaRefs>
+    <ds:schemaRef ds:uri="http://schemas.microsoft.com/VisualStudio/2011/storyboarding/control"/>
+  </ds:schemaRefs>
+</ds:datastoreItem>
+</file>
+
+<file path=customXml/itemProps12.xml><?xml version="1.0" encoding="utf-8"?>
+<ds:datastoreItem xmlns:ds="http://schemas.openxmlformats.org/officeDocument/2006/customXml" ds:itemID="{6B61DC19-A233-4A2E-9FD7-A5620DB62F2D}">
+  <ds:schemaRefs>
+    <ds:schemaRef ds:uri="http://schemas.microsoft.com/VisualStudio/2011/storyboarding/control"/>
+  </ds:schemaRefs>
+</ds:datastoreItem>
+</file>
+
+<file path=customXml/itemProps13.xml><?xml version="1.0" encoding="utf-8"?>
+<ds:datastoreItem xmlns:ds="http://schemas.openxmlformats.org/officeDocument/2006/customXml" ds:itemID="{135B7A6F-E387-4B16-9C6E-5C72ACF9A87B}">
+  <ds:schemaRefs>
+    <ds:schemaRef ds:uri="http://schemas.microsoft.com/VisualStudio/2011/storyboarding/control"/>
+  </ds:schemaRefs>
+</ds:datastoreItem>
+</file>
+
+<file path=customXml/itemProps14.xml><?xml version="1.0" encoding="utf-8"?>
+<ds:datastoreItem xmlns:ds="http://schemas.openxmlformats.org/officeDocument/2006/customXml" ds:itemID="{B08AF36E-067A-4DBE-A512-235742A49236}">
+  <ds:schemaRefs>
+    <ds:schemaRef ds:uri="http://schemas.microsoft.com/VisualStudio/2011/storyboarding/control"/>
+  </ds:schemaRefs>
+</ds:datastoreItem>
+</file>
+
+<file path=customXml/itemProps15.xml><?xml version="1.0" encoding="utf-8"?>
+<ds:datastoreItem xmlns:ds="http://schemas.openxmlformats.org/officeDocument/2006/customXml" ds:itemID="{2CC5C6A2-55D6-45C9-B025-9707686F78B4}">
+  <ds:schemaRefs>
+    <ds:schemaRef ds:uri="http://schemas.microsoft.com/VisualStudio/2011/storyboarding/control"/>
+  </ds:schemaRefs>
+</ds:datastoreItem>
+</file>
+
+<file path=customXml/itemProps16.xml><?xml version="1.0" encoding="utf-8"?>
+<ds:datastoreItem xmlns:ds="http://schemas.openxmlformats.org/officeDocument/2006/customXml" ds:itemID="{0C8D0A77-4BE1-44D5-AB76-099BA878F4AC}">
+  <ds:schemaRefs>
+    <ds:schemaRef ds:uri="http://schemas.microsoft.com/VisualStudio/2011/storyboarding/control"/>
+  </ds:schemaRefs>
+</ds:datastoreItem>
+</file>
+
+<file path=customXml/itemProps17.xml><?xml version="1.0" encoding="utf-8"?>
 <ds:datastoreItem xmlns:ds="http://schemas.openxmlformats.org/officeDocument/2006/customXml" ds:itemID="{EB93A196-B759-4593-A93F-A43A64E07BBB}">
   <ds:schemaRefs>
     <ds:schemaRef ds:uri="http://schemas.microsoft.com/VisualStudio/2011/storyboarding/control"/>
@@ -23389,72 +23014,8 @@
 </ds:datastoreItem>
 </file>
 
-<file path=customXml/itemProps10.xml><?xml version="1.0" encoding="utf-8"?>
-<ds:datastoreItem xmlns:ds="http://schemas.openxmlformats.org/officeDocument/2006/customXml" ds:itemID="{6AD7DCC7-FD22-482F-BE87-3EB39C4561D8}">
-  <ds:schemaRefs>
-    <ds:schemaRef ds:uri="http://schemas.microsoft.com/VisualStudio/2011/storyboarding/control"/>
-  </ds:schemaRefs>
-</ds:datastoreItem>
-</file>
-
-<file path=customXml/itemProps11.xml><?xml version="1.0" encoding="utf-8"?>
-<ds:datastoreItem xmlns:ds="http://schemas.openxmlformats.org/officeDocument/2006/customXml" ds:itemID="{C18EE418-8756-4166-9AFE-76D237F2A576}">
-  <ds:schemaRefs>
-    <ds:schemaRef ds:uri="http://schemas.microsoft.com/VisualStudio/2011/storyboarding/control"/>
-  </ds:schemaRefs>
-</ds:datastoreItem>
-</file>
-
-<file path=customXml/itemProps12.xml><?xml version="1.0" encoding="utf-8"?>
-<ds:datastoreItem xmlns:ds="http://schemas.openxmlformats.org/officeDocument/2006/customXml" ds:itemID="{135B7A6F-E387-4B16-9C6E-5C72ACF9A87B}">
-  <ds:schemaRefs>
-    <ds:schemaRef ds:uri="http://schemas.microsoft.com/VisualStudio/2011/storyboarding/control"/>
-  </ds:schemaRefs>
-</ds:datastoreItem>
-</file>
-
-<file path=customXml/itemProps13.xml><?xml version="1.0" encoding="utf-8"?>
-<ds:datastoreItem xmlns:ds="http://schemas.openxmlformats.org/officeDocument/2006/customXml" ds:itemID="{084C318E-C929-4C3E-B33D-A8A9042A119A}">
-  <ds:schemaRefs>
-    <ds:schemaRef ds:uri="http://schemas.microsoft.com/VisualStudio/2011/storyboarding/control"/>
-  </ds:schemaRefs>
-</ds:datastoreItem>
-</file>
-
-<file path=customXml/itemProps14.xml><?xml version="1.0" encoding="utf-8"?>
-<ds:datastoreItem xmlns:ds="http://schemas.openxmlformats.org/officeDocument/2006/customXml" ds:itemID="{A41DB21A-AE9E-4B14-B182-EA560F7D74DA}">
-  <ds:schemaRefs>
-    <ds:schemaRef ds:uri="http://schemas.microsoft.com/VisualStudio/2011/storyboarding/control"/>
-  </ds:schemaRefs>
-</ds:datastoreItem>
-</file>
-
-<file path=customXml/itemProps15.xml><?xml version="1.0" encoding="utf-8"?>
-<ds:datastoreItem xmlns:ds="http://schemas.openxmlformats.org/officeDocument/2006/customXml" ds:itemID="{5BF3A0E7-D0DC-4EC6-A56C-9FBFB70B3E8F}">
-  <ds:schemaRefs>
-    <ds:schemaRef ds:uri="http://schemas.microsoft.com/VisualStudio/2011/storyboarding/control"/>
-  </ds:schemaRefs>
-</ds:datastoreItem>
-</file>
-
-<file path=customXml/itemProps16.xml><?xml version="1.0" encoding="utf-8"?>
-<ds:datastoreItem xmlns:ds="http://schemas.openxmlformats.org/officeDocument/2006/customXml" ds:itemID="{A24D505E-F763-4187-B170-B0C455E3180F}">
-  <ds:schemaRefs>
-    <ds:schemaRef ds:uri="http://schemas.microsoft.com/VisualStudio/2011/storyboarding/control"/>
-  </ds:schemaRefs>
-</ds:datastoreItem>
-</file>
-
-<file path=customXml/itemProps17.xml><?xml version="1.0" encoding="utf-8"?>
-<ds:datastoreItem xmlns:ds="http://schemas.openxmlformats.org/officeDocument/2006/customXml" ds:itemID="{B08AF36E-067A-4DBE-A512-235742A49236}">
-  <ds:schemaRefs>
-    <ds:schemaRef ds:uri="http://schemas.microsoft.com/VisualStudio/2011/storyboarding/control"/>
-  </ds:schemaRefs>
-</ds:datastoreItem>
-</file>
-
 <file path=customXml/itemProps18.xml><?xml version="1.0" encoding="utf-8"?>
-<ds:datastoreItem xmlns:ds="http://schemas.openxmlformats.org/officeDocument/2006/customXml" ds:itemID="{D2F8A09A-65EA-406E-ACCF-200333A101C8}">
+<ds:datastoreItem xmlns:ds="http://schemas.openxmlformats.org/officeDocument/2006/customXml" ds:itemID="{92ABB21B-66F7-4314-B129-A4AE8845ED65}">
   <ds:schemaRefs>
     <ds:schemaRef ds:uri="http://schemas.microsoft.com/VisualStudio/2011/storyboarding/control"/>
   </ds:schemaRefs>
@@ -23462,7 +23023,7 @@
 </file>
 
 <file path=customXml/itemProps19.xml><?xml version="1.0" encoding="utf-8"?>
-<ds:datastoreItem xmlns:ds="http://schemas.openxmlformats.org/officeDocument/2006/customXml" ds:itemID="{35128DAE-002C-4C6E-936F-3A4A0FD00A4D}">
+<ds:datastoreItem xmlns:ds="http://schemas.openxmlformats.org/officeDocument/2006/customXml" ds:itemID="{5BF3A0E7-D0DC-4EC6-A56C-9FBFB70B3E8F}">
   <ds:schemaRefs>
     <ds:schemaRef ds:uri="http://schemas.microsoft.com/VisualStudio/2011/storyboarding/control"/>
   </ds:schemaRefs>
@@ -23478,30 +23039,6 @@
 </file>
 
 <file path=customXml/itemProps20.xml><?xml version="1.0" encoding="utf-8"?>
-<ds:datastoreItem xmlns:ds="http://schemas.openxmlformats.org/officeDocument/2006/customXml" ds:itemID="{0C8D0A77-4BE1-44D5-AB76-099BA878F4AC}">
-  <ds:schemaRefs>
-    <ds:schemaRef ds:uri="http://schemas.microsoft.com/VisualStudio/2011/storyboarding/control"/>
-  </ds:schemaRefs>
-</ds:datastoreItem>
-</file>
-
-<file path=customXml/itemProps21.xml><?xml version="1.0" encoding="utf-8"?>
-<ds:datastoreItem xmlns:ds="http://schemas.openxmlformats.org/officeDocument/2006/customXml" ds:itemID="{01B050F6-999B-4666-861C-EA1AC91B6246}">
-  <ds:schemaRefs>
-    <ds:schemaRef ds:uri="http://schemas.microsoft.com/VisualStudio/2011/storyboarding/control"/>
-  </ds:schemaRefs>
-</ds:datastoreItem>
-</file>
-
-<file path=customXml/itemProps22.xml><?xml version="1.0" encoding="utf-8"?>
-<ds:datastoreItem xmlns:ds="http://schemas.openxmlformats.org/officeDocument/2006/customXml" ds:itemID="{F17BCBC9-D052-4DCC-B880-C7D71C65394C}">
-  <ds:schemaRefs>
-    <ds:schemaRef ds:uri="http://schemas.microsoft.com/VisualStudio/2011/storyboarding/control"/>
-  </ds:schemaRefs>
-</ds:datastoreItem>
-</file>
-
-<file path=customXml/itemProps23.xml><?xml version="1.0" encoding="utf-8"?>
 <ds:datastoreItem xmlns:ds="http://schemas.openxmlformats.org/officeDocument/2006/customXml" ds:itemID="{49DAEECD-CB3A-4D8D-8233-CD4F0C808F6C}">
   <ds:schemaRefs>
     <ds:schemaRef ds:uri="http://schemas.microsoft.com/office/2006/metadata/properties"/>
@@ -23511,8 +23048,32 @@
 </ds:datastoreItem>
 </file>
 
+<file path=customXml/itemProps21.xml><?xml version="1.0" encoding="utf-8"?>
+<ds:datastoreItem xmlns:ds="http://schemas.openxmlformats.org/officeDocument/2006/customXml" ds:itemID="{6AD7DCC7-FD22-482F-BE87-3EB39C4561D8}">
+  <ds:schemaRefs>
+    <ds:schemaRef ds:uri="http://schemas.microsoft.com/VisualStudio/2011/storyboarding/control"/>
+  </ds:schemaRefs>
+</ds:datastoreItem>
+</file>
+
+<file path=customXml/itemProps22.xml><?xml version="1.0" encoding="utf-8"?>
+<ds:datastoreItem xmlns:ds="http://schemas.openxmlformats.org/officeDocument/2006/customXml" ds:itemID="{A0C0B854-DCE0-4777-A6A2-6AA42FCBDEF9}">
+  <ds:schemaRefs>
+    <ds:schemaRef ds:uri="http://schemas.microsoft.com/VisualStudio/2011/storyboarding/control"/>
+  </ds:schemaRefs>
+</ds:datastoreItem>
+</file>
+
+<file path=customXml/itemProps23.xml><?xml version="1.0" encoding="utf-8"?>
+<ds:datastoreItem xmlns:ds="http://schemas.openxmlformats.org/officeDocument/2006/customXml" ds:itemID="{271DBD6E-E2A5-48DB-9773-ABBFC6987ED4}">
+  <ds:schemaRefs>
+    <ds:schemaRef ds:uri="http://schemas.microsoft.com/VisualStudio/2011/storyboarding/control"/>
+  </ds:schemaRefs>
+</ds:datastoreItem>
+</file>
+
 <file path=customXml/itemProps24.xml><?xml version="1.0" encoding="utf-8"?>
-<ds:datastoreItem xmlns:ds="http://schemas.openxmlformats.org/officeDocument/2006/customXml" ds:itemID="{08117E05-8279-40B2-8C98-17BD47CF047C}">
+<ds:datastoreItem xmlns:ds="http://schemas.openxmlformats.org/officeDocument/2006/customXml" ds:itemID="{084C318E-C929-4C3E-B33D-A8A9042A119A}">
   <ds:schemaRefs>
     <ds:schemaRef ds:uri="http://schemas.microsoft.com/VisualStudio/2011/storyboarding/control"/>
   </ds:schemaRefs>
@@ -23520,7 +23081,7 @@
 </file>
 
 <file path=customXml/itemProps25.xml><?xml version="1.0" encoding="utf-8"?>
-<ds:datastoreItem xmlns:ds="http://schemas.openxmlformats.org/officeDocument/2006/customXml" ds:itemID="{2CC5C6A2-55D6-45C9-B025-9707686F78B4}">
+<ds:datastoreItem xmlns:ds="http://schemas.openxmlformats.org/officeDocument/2006/customXml" ds:itemID="{D2F8A09A-65EA-406E-ACCF-200333A101C8}">
   <ds:schemaRefs>
     <ds:schemaRef ds:uri="http://schemas.microsoft.com/VisualStudio/2011/storyboarding/control"/>
   </ds:schemaRefs>
@@ -23536,7 +23097,7 @@
 </file>
 
 <file path=customXml/itemProps27.xml><?xml version="1.0" encoding="utf-8"?>
-<ds:datastoreItem xmlns:ds="http://schemas.openxmlformats.org/officeDocument/2006/customXml" ds:itemID="{D038A533-7D3D-486B-A97F-3F7D2D473704}">
+<ds:datastoreItem xmlns:ds="http://schemas.openxmlformats.org/officeDocument/2006/customXml" ds:itemID="{01B050F6-999B-4666-861C-EA1AC91B6246}">
   <ds:schemaRefs>
     <ds:schemaRef ds:uri="http://schemas.microsoft.com/VisualStudio/2011/storyboarding/control"/>
   </ds:schemaRefs>
@@ -23544,7 +23105,7 @@
 </file>
 
 <file path=customXml/itemProps3.xml><?xml version="1.0" encoding="utf-8"?>
-<ds:datastoreItem xmlns:ds="http://schemas.openxmlformats.org/officeDocument/2006/customXml" ds:itemID="{6B61DC19-A233-4A2E-9FD7-A5620DB62F2D}">
+<ds:datastoreItem xmlns:ds="http://schemas.openxmlformats.org/officeDocument/2006/customXml" ds:itemID="{A24D505E-F763-4187-B170-B0C455E3180F}">
   <ds:schemaRefs>
     <ds:schemaRef ds:uri="http://schemas.microsoft.com/VisualStudio/2011/storyboarding/control"/>
   </ds:schemaRefs>
@@ -23552,7 +23113,7 @@
 </file>
 
 <file path=customXml/itemProps4.xml><?xml version="1.0" encoding="utf-8"?>
-<ds:datastoreItem xmlns:ds="http://schemas.openxmlformats.org/officeDocument/2006/customXml" ds:itemID="{A0C0B854-DCE0-4777-A6A2-6AA42FCBDEF9}">
+<ds:datastoreItem xmlns:ds="http://schemas.openxmlformats.org/officeDocument/2006/customXml" ds:itemID="{C18EE418-8756-4166-9AFE-76D237F2A576}">
   <ds:schemaRefs>
     <ds:schemaRef ds:uri="http://schemas.microsoft.com/VisualStudio/2011/storyboarding/control"/>
   </ds:schemaRefs>
@@ -23560,6 +23121,14 @@
 </file>
 
 <file path=customXml/itemProps5.xml><?xml version="1.0" encoding="utf-8"?>
+<ds:datastoreItem xmlns:ds="http://schemas.openxmlformats.org/officeDocument/2006/customXml" ds:itemID="{08117E05-8279-40B2-8C98-17BD47CF047C}">
+  <ds:schemaRefs>
+    <ds:schemaRef ds:uri="http://schemas.microsoft.com/VisualStudio/2011/storyboarding/control"/>
+  </ds:schemaRefs>
+</ds:datastoreItem>
+</file>
+
+<file path=customXml/itemProps6.xml><?xml version="1.0" encoding="utf-8"?>
 <ds:datastoreItem xmlns:ds="http://schemas.openxmlformats.org/officeDocument/2006/customXml" ds:itemID="{75AB1E6F-A2B5-45A3-9769-33069D11639B}">
   <ds:schemaRefs>
     <ds:schemaRef ds:uri="http://schemas.microsoft.com/VisualStudio/2011/storyboarding/control"/>
@@ -23567,16 +23136,8 @@
 </ds:datastoreItem>
 </file>
 
-<file path=customXml/itemProps6.xml><?xml version="1.0" encoding="utf-8"?>
-<ds:datastoreItem xmlns:ds="http://schemas.openxmlformats.org/officeDocument/2006/customXml" ds:itemID="{92ABB21B-66F7-4314-B129-A4AE8845ED65}">
-  <ds:schemaRefs>
-    <ds:schemaRef ds:uri="http://schemas.microsoft.com/VisualStudio/2011/storyboarding/control"/>
-  </ds:schemaRefs>
-</ds:datastoreItem>
-</file>
-
 <file path=customXml/itemProps7.xml><?xml version="1.0" encoding="utf-8"?>
-<ds:datastoreItem xmlns:ds="http://schemas.openxmlformats.org/officeDocument/2006/customXml" ds:itemID="{AADB52BB-F608-4EDE-9EE9-9CF85A7F98CA}">
+<ds:datastoreItem xmlns:ds="http://schemas.openxmlformats.org/officeDocument/2006/customXml" ds:itemID="{35128DAE-002C-4C6E-936F-3A4A0FD00A4D}">
   <ds:schemaRefs>
     <ds:schemaRef ds:uri="http://schemas.microsoft.com/VisualStudio/2011/storyboarding/control"/>
   </ds:schemaRefs>
@@ -23584,7 +23145,7 @@
 </file>
 
 <file path=customXml/itemProps8.xml><?xml version="1.0" encoding="utf-8"?>
-<ds:datastoreItem xmlns:ds="http://schemas.openxmlformats.org/officeDocument/2006/customXml" ds:itemID="{6392601F-1C60-40B3-8481-32D2B50E6B0F}">
+<ds:datastoreItem xmlns:ds="http://schemas.openxmlformats.org/officeDocument/2006/customXml" ds:itemID="{A41DB21A-AE9E-4B14-B182-EA560F7D74DA}">
   <ds:schemaRefs>
     <ds:schemaRef ds:uri="http://schemas.microsoft.com/VisualStudio/2011/storyboarding/control"/>
   </ds:schemaRefs>
@@ -23592,7 +23153,7 @@
 </file>
 
 <file path=customXml/itemProps9.xml><?xml version="1.0" encoding="utf-8"?>
-<ds:datastoreItem xmlns:ds="http://schemas.openxmlformats.org/officeDocument/2006/customXml" ds:itemID="{271DBD6E-E2A5-48DB-9773-ABBFC6987ED4}">
+<ds:datastoreItem xmlns:ds="http://schemas.openxmlformats.org/officeDocument/2006/customXml" ds:itemID="{F17BCBC9-D052-4DCC-B880-C7D71C65394C}">
   <ds:schemaRefs>
     <ds:schemaRef ds:uri="http://schemas.microsoft.com/VisualStudio/2011/storyboarding/control"/>
   </ds:schemaRefs>

--- a/RGBMusicClassPresentation.pptx
+++ b/RGBMusicClassPresentation.pptx
@@ -21,19 +21,19 @@
     <p:sldId id="260" r:id="rId39"/>
     <p:sldId id="281" r:id="rId40"/>
     <p:sldId id="270" r:id="rId41"/>
-    <p:sldId id="271" r:id="rId42"/>
-    <p:sldId id="261" r:id="rId43"/>
-    <p:sldId id="275" r:id="rId44"/>
-    <p:sldId id="272" r:id="rId45"/>
-    <p:sldId id="263" r:id="rId46"/>
-    <p:sldId id="268" r:id="rId47"/>
-    <p:sldId id="292" r:id="rId48"/>
-    <p:sldId id="291" r:id="rId49"/>
-    <p:sldId id="277" r:id="rId50"/>
-    <p:sldId id="278" r:id="rId51"/>
-    <p:sldId id="279" r:id="rId52"/>
-    <p:sldId id="280" r:id="rId53"/>
-    <p:sldId id="265" r:id="rId54"/>
+    <p:sldId id="261" r:id="rId42"/>
+    <p:sldId id="275" r:id="rId43"/>
+    <p:sldId id="263" r:id="rId44"/>
+    <p:sldId id="268" r:id="rId45"/>
+    <p:sldId id="292" r:id="rId46"/>
+    <p:sldId id="272" r:id="rId47"/>
+    <p:sldId id="291" r:id="rId48"/>
+    <p:sldId id="277" r:id="rId49"/>
+    <p:sldId id="278" r:id="rId50"/>
+    <p:sldId id="279" r:id="rId51"/>
+    <p:sldId id="280" r:id="rId52"/>
+    <p:sldId id="265" r:id="rId53"/>
+    <p:sldId id="293" r:id="rId54"/>
     <p:sldId id="259" r:id="rId55"/>
     <p:sldId id="267" r:id="rId56"/>
   </p:sldIdLst>
@@ -3134,7 +3134,7 @@
           <a:p>
             <a:fld id="{E915A3F3-128A-4D96-B02F-ECDB675C7CC8}" type="datetimeFigureOut">
               <a:rPr lang="en-US" smtClean="0"/>
-              <a:t>12/18/2018</a:t>
+              <a:t>12/22/2018</a:t>
             </a:fld>
             <a:endParaRPr lang="en-US"/>
           </a:p>
@@ -4068,7 +4068,7 @@
     </p:spTree>
     <p:extLst>
       <p:ext uri="{BB962C8B-B14F-4D97-AF65-F5344CB8AC3E}">
-        <p14:creationId xmlns:p14="http://schemas.microsoft.com/office/powerpoint/2010/main" val="4041795246"/>
+        <p14:creationId xmlns:p14="http://schemas.microsoft.com/office/powerpoint/2010/main" val="2325970450"/>
       </p:ext>
     </p:extLst>
   </p:cSld>
@@ -4176,7 +4176,7 @@
     </p:spTree>
     <p:extLst>
       <p:ext uri="{BB962C8B-B14F-4D97-AF65-F5344CB8AC3E}">
-        <p14:creationId xmlns:p14="http://schemas.microsoft.com/office/powerpoint/2010/main" val="2325970450"/>
+        <p14:creationId xmlns:p14="http://schemas.microsoft.com/office/powerpoint/2010/main" val="2928336136"/>
       </p:ext>
     </p:extLst>
   </p:cSld>
@@ -4284,7 +4284,7 @@
     </p:spTree>
     <p:extLst>
       <p:ext uri="{BB962C8B-B14F-4D97-AF65-F5344CB8AC3E}">
-        <p14:creationId xmlns:p14="http://schemas.microsoft.com/office/powerpoint/2010/main" val="2928336136"/>
+        <p14:creationId xmlns:p14="http://schemas.microsoft.com/office/powerpoint/2010/main" val="2359959504"/>
       </p:ext>
     </p:extLst>
   </p:cSld>
@@ -4362,52 +4362,7 @@
             <a:endParaRPr lang="he-IL" dirty="0"/>
           </a:p>
           <a:p>
-            <a:endParaRPr lang="en-US" sz="1200" b="0" i="0" u="none" strike="noStrike" kern="1200" baseline="0" dirty="0">
-              <a:solidFill>
-                <a:schemeClr val="tx1"/>
-              </a:solidFill>
-              <a:latin typeface="+mn-lt"/>
-              <a:ea typeface="+mn-ea"/>
-              <a:cs typeface="+mn-cs"/>
-            </a:endParaRPr>
-          </a:p>
-          <a:p>
-            <a:r>
-              <a:rPr lang="he-IL" sz="1200" b="0" i="0" u="none" strike="noStrike" kern="1200" baseline="0" dirty="0">
-                <a:solidFill>
-                  <a:schemeClr val="tx1"/>
-                </a:solidFill>
-                <a:latin typeface="+mn-lt"/>
-                <a:ea typeface="+mn-ea"/>
-                <a:cs typeface="+mn-cs"/>
-              </a:rPr>
-              <a:t>יתרונות הפתרון על פני פתרונות אחרים, או הבדלים עיקריים.</a:t>
-            </a:r>
-            <a:endParaRPr lang="en-US" sz="1200" b="0" i="0" u="none" strike="noStrike" kern="1200" baseline="0" dirty="0">
-              <a:solidFill>
-                <a:schemeClr val="tx1"/>
-              </a:solidFill>
-              <a:latin typeface="+mn-lt"/>
-              <a:ea typeface="+mn-ea"/>
-              <a:cs typeface="+mn-cs"/>
-            </a:endParaRPr>
-          </a:p>
-          <a:p>
-            <a:endParaRPr lang="en-US" sz="1200" b="0" i="0" u="none" strike="noStrike" kern="1200" baseline="0" dirty="0">
-              <a:solidFill>
-                <a:schemeClr val="tx1"/>
-              </a:solidFill>
-              <a:latin typeface="+mn-lt"/>
-              <a:ea typeface="+mn-ea"/>
-              <a:cs typeface="+mn-cs"/>
-            </a:endParaRPr>
-          </a:p>
-          <a:p>
-            <a:r>
-              <a:rPr lang="he-IL" dirty="0"/>
-              <a:t>היתרון האחרון שהתוכנה שלנו באמת שונה מהקודמת, כלומר היא כן מחדשת מבחינת מה אפשר ליצור איתה ואילו אפשרויות היא מספקת למשתמש</a:t>
-            </a:r>
-            <a:endParaRPr lang="en-US" dirty="0"/>
+            <a:endParaRPr lang="he-IL" dirty="0"/>
           </a:p>
         </p:txBody>
       </p:sp>
@@ -4437,7 +4392,7 @@
     </p:spTree>
     <p:extLst>
       <p:ext uri="{BB962C8B-B14F-4D97-AF65-F5344CB8AC3E}">
-        <p14:creationId xmlns:p14="http://schemas.microsoft.com/office/powerpoint/2010/main" val="724550080"/>
+        <p14:creationId xmlns:p14="http://schemas.microsoft.com/office/powerpoint/2010/main" val="2099752890"/>
       </p:ext>
     </p:extLst>
   </p:cSld>
@@ -4545,7 +4500,7 @@
     </p:spTree>
     <p:extLst>
       <p:ext uri="{BB962C8B-B14F-4D97-AF65-F5344CB8AC3E}">
-        <p14:creationId xmlns:p14="http://schemas.microsoft.com/office/powerpoint/2010/main" val="2359959504"/>
+        <p14:creationId xmlns:p14="http://schemas.microsoft.com/office/powerpoint/2010/main" val="2324916791"/>
       </p:ext>
     </p:extLst>
   </p:cSld>
@@ -4623,7 +4578,52 @@
             <a:endParaRPr lang="he-IL" dirty="0"/>
           </a:p>
           <a:p>
-            <a:endParaRPr lang="he-IL" dirty="0"/>
+            <a:endParaRPr lang="en-US" sz="1200" b="0" i="0" u="none" strike="noStrike" kern="1200" baseline="0" dirty="0">
+              <a:solidFill>
+                <a:schemeClr val="tx1"/>
+              </a:solidFill>
+              <a:latin typeface="+mn-lt"/>
+              <a:ea typeface="+mn-ea"/>
+              <a:cs typeface="+mn-cs"/>
+            </a:endParaRPr>
+          </a:p>
+          <a:p>
+            <a:r>
+              <a:rPr lang="he-IL" sz="1200" b="0" i="0" u="none" strike="noStrike" kern="1200" baseline="0" dirty="0">
+                <a:solidFill>
+                  <a:schemeClr val="tx1"/>
+                </a:solidFill>
+                <a:latin typeface="+mn-lt"/>
+                <a:ea typeface="+mn-ea"/>
+                <a:cs typeface="+mn-cs"/>
+              </a:rPr>
+              <a:t>יתרונות הפתרון על פני פתרונות אחרים, או הבדלים עיקריים.</a:t>
+            </a:r>
+            <a:endParaRPr lang="en-US" sz="1200" b="0" i="0" u="none" strike="noStrike" kern="1200" baseline="0" dirty="0">
+              <a:solidFill>
+                <a:schemeClr val="tx1"/>
+              </a:solidFill>
+              <a:latin typeface="+mn-lt"/>
+              <a:ea typeface="+mn-ea"/>
+              <a:cs typeface="+mn-cs"/>
+            </a:endParaRPr>
+          </a:p>
+          <a:p>
+            <a:endParaRPr lang="en-US" sz="1200" b="0" i="0" u="none" strike="noStrike" kern="1200" baseline="0" dirty="0">
+              <a:solidFill>
+                <a:schemeClr val="tx1"/>
+              </a:solidFill>
+              <a:latin typeface="+mn-lt"/>
+              <a:ea typeface="+mn-ea"/>
+              <a:cs typeface="+mn-cs"/>
+            </a:endParaRPr>
+          </a:p>
+          <a:p>
+            <a:r>
+              <a:rPr lang="he-IL" dirty="0"/>
+              <a:t>היתרון האחרון שהתוכנה שלנו באמת שונה מהקודמת, כלומר היא כן מחדשת מבחינת מה אפשר ליצור איתה ואילו אפשרויות היא מספקת למשתמש</a:t>
+            </a:r>
+            <a:endParaRPr lang="en-US" dirty="0"/>
           </a:p>
         </p:txBody>
       </p:sp>
@@ -4653,7 +4653,7 @@
     </p:spTree>
     <p:extLst>
       <p:ext uri="{BB962C8B-B14F-4D97-AF65-F5344CB8AC3E}">
-        <p14:creationId xmlns:p14="http://schemas.microsoft.com/office/powerpoint/2010/main" val="2099752890"/>
+        <p14:creationId xmlns:p14="http://schemas.microsoft.com/office/powerpoint/2010/main" val="2103204275"/>
       </p:ext>
     </p:extLst>
   </p:cSld>
@@ -4795,30 +4795,6 @@
           <a:bodyPr/>
           <a:lstStyle/>
           <a:p>
-            <a:pPr marL="0" marR="0" lvl="0" indent="0" algn="l" defTabSz="914400" rtl="0" eaLnBrk="1" fontAlgn="auto" latinLnBrk="0" hangingPunct="1">
-              <a:lnSpc>
-                <a:spcPct val="100000"/>
-              </a:lnSpc>
-              <a:spcBef>
-                <a:spcPts val="0"/>
-              </a:spcBef>
-              <a:spcAft>
-                <a:spcPts val="0"/>
-              </a:spcAft>
-              <a:buClrTx/>
-              <a:buSzTx/>
-              <a:buFontTx/>
-              <a:buNone/>
-              <a:tabLst/>
-              <a:defRPr/>
-            </a:pPr>
-            <a:r>
-              <a:rPr lang="en-US" dirty="0" err="1"/>
-              <a:t>oran</a:t>
-            </a:r>
-            <a:endParaRPr lang="he-IL" dirty="0"/>
-          </a:p>
-          <a:p>
             <a:endParaRPr lang="he-IL" dirty="0"/>
           </a:p>
         </p:txBody>
@@ -4849,7 +4825,7 @@
     </p:spTree>
     <p:extLst>
       <p:ext uri="{BB962C8B-B14F-4D97-AF65-F5344CB8AC3E}">
-        <p14:creationId xmlns:p14="http://schemas.microsoft.com/office/powerpoint/2010/main" val="2324916791"/>
+        <p14:creationId xmlns:p14="http://schemas.microsoft.com/office/powerpoint/2010/main" val="1283643233"/>
       </p:ext>
     </p:extLst>
   </p:cSld>
@@ -4933,7 +4909,7 @@
     </p:spTree>
     <p:extLst>
       <p:ext uri="{BB962C8B-B14F-4D97-AF65-F5344CB8AC3E}">
-        <p14:creationId xmlns:p14="http://schemas.microsoft.com/office/powerpoint/2010/main" val="1283643233"/>
+        <p14:creationId xmlns:p14="http://schemas.microsoft.com/office/powerpoint/2010/main" val="293015316"/>
       </p:ext>
     </p:extLst>
   </p:cSld>
@@ -5017,7 +4993,7 @@
     </p:spTree>
     <p:extLst>
       <p:ext uri="{BB962C8B-B14F-4D97-AF65-F5344CB8AC3E}">
-        <p14:creationId xmlns:p14="http://schemas.microsoft.com/office/powerpoint/2010/main" val="293015316"/>
+        <p14:creationId xmlns:p14="http://schemas.microsoft.com/office/powerpoint/2010/main" val="1995724405"/>
       </p:ext>
     </p:extLst>
   </p:cSld>
@@ -5101,7 +5077,7 @@
     </p:spTree>
     <p:extLst>
       <p:ext uri="{BB962C8B-B14F-4D97-AF65-F5344CB8AC3E}">
-        <p14:creationId xmlns:p14="http://schemas.microsoft.com/office/powerpoint/2010/main" val="1995724405"/>
+        <p14:creationId xmlns:p14="http://schemas.microsoft.com/office/powerpoint/2010/main" val="3282002113"/>
       </p:ext>
     </p:extLst>
   </p:cSld>
@@ -5185,7 +5161,7 @@
     </p:spTree>
     <p:extLst>
       <p:ext uri="{BB962C8B-B14F-4D97-AF65-F5344CB8AC3E}">
-        <p14:creationId xmlns:p14="http://schemas.microsoft.com/office/powerpoint/2010/main" val="3282002113"/>
+        <p14:creationId xmlns:p14="http://schemas.microsoft.com/office/powerpoint/2010/main" val="1656783475"/>
       </p:ext>
     </p:extLst>
   </p:cSld>
@@ -5239,6 +5215,30 @@
           <a:bodyPr/>
           <a:lstStyle/>
           <a:p>
+            <a:pPr marL="0" marR="0" lvl="0" indent="0" algn="l" defTabSz="914400" rtl="0" eaLnBrk="1" fontAlgn="auto" latinLnBrk="0" hangingPunct="1">
+              <a:lnSpc>
+                <a:spcPct val="100000"/>
+              </a:lnSpc>
+              <a:spcBef>
+                <a:spcPts val="0"/>
+              </a:spcBef>
+              <a:spcAft>
+                <a:spcPts val="0"/>
+              </a:spcAft>
+              <a:buClrTx/>
+              <a:buSzTx/>
+              <a:buFontTx/>
+              <a:buNone/>
+              <a:tabLst/>
+              <a:defRPr/>
+            </a:pPr>
+            <a:r>
+              <a:rPr lang="en-US" dirty="0" err="1"/>
+              <a:t>oran</a:t>
+            </a:r>
+            <a:endParaRPr lang="he-IL" dirty="0"/>
+          </a:p>
+          <a:p>
             <a:endParaRPr lang="he-IL" dirty="0"/>
           </a:p>
         </p:txBody>
@@ -5269,7 +5269,7 @@
     </p:spTree>
     <p:extLst>
       <p:ext uri="{BB962C8B-B14F-4D97-AF65-F5344CB8AC3E}">
-        <p14:creationId xmlns:p14="http://schemas.microsoft.com/office/powerpoint/2010/main" val="1656783475"/>
+        <p14:creationId xmlns:p14="http://schemas.microsoft.com/office/powerpoint/2010/main" val="2953944922"/>
       </p:ext>
     </p:extLst>
   </p:cSld>
@@ -5377,7 +5377,7 @@
     </p:spTree>
     <p:extLst>
       <p:ext uri="{BB962C8B-B14F-4D97-AF65-F5344CB8AC3E}">
-        <p14:creationId xmlns:p14="http://schemas.microsoft.com/office/powerpoint/2010/main" val="2953944922"/>
+        <p14:creationId xmlns:p14="http://schemas.microsoft.com/office/powerpoint/2010/main" val="667279268"/>
       </p:ext>
     </p:extLst>
   </p:cSld>
@@ -7092,7 +7092,7 @@
           <a:p>
             <a:fld id="{318D53EE-AD22-4BCC-B47B-45E9D925B68F}" type="datetimeFigureOut">
               <a:rPr lang="en-US" smtClean="0"/>
-              <a:t>12/18/2018</a:t>
+              <a:t>12/22/2018</a:t>
             </a:fld>
             <a:endParaRPr lang="en-US"/>
           </a:p>
@@ -7271,7 +7271,7 @@
           <a:p>
             <a:fld id="{318D53EE-AD22-4BCC-B47B-45E9D925B68F}" type="datetimeFigureOut">
               <a:rPr lang="en-US" smtClean="0"/>
-              <a:t>12/18/2018</a:t>
+              <a:t>12/22/2018</a:t>
             </a:fld>
             <a:endParaRPr lang="en-US"/>
           </a:p>
@@ -7451,7 +7451,7 @@
           <a:p>
             <a:fld id="{318D53EE-AD22-4BCC-B47B-45E9D925B68F}" type="datetimeFigureOut">
               <a:rPr lang="en-US" smtClean="0"/>
-              <a:t>12/18/2018</a:t>
+              <a:t>12/22/2018</a:t>
             </a:fld>
             <a:endParaRPr lang="en-US"/>
           </a:p>
@@ -7621,7 +7621,7 @@
           <a:p>
             <a:fld id="{318D53EE-AD22-4BCC-B47B-45E9D925B68F}" type="datetimeFigureOut">
               <a:rPr lang="en-US" smtClean="0"/>
-              <a:t>12/18/2018</a:t>
+              <a:t>12/22/2018</a:t>
             </a:fld>
             <a:endParaRPr lang="en-US"/>
           </a:p>
@@ -7934,7 +7934,7 @@
           <a:p>
             <a:fld id="{318D53EE-AD22-4BCC-B47B-45E9D925B68F}" type="datetimeFigureOut">
               <a:rPr lang="en-US" smtClean="0"/>
-              <a:t>12/18/2018</a:t>
+              <a:t>12/22/2018</a:t>
             </a:fld>
             <a:endParaRPr lang="en-US"/>
           </a:p>
@@ -8320,7 +8320,7 @@
           <a:p>
             <a:fld id="{318D53EE-AD22-4BCC-B47B-45E9D925B68F}" type="datetimeFigureOut">
               <a:rPr lang="en-US" smtClean="0"/>
-              <a:t>12/18/2018</a:t>
+              <a:t>12/22/2018</a:t>
             </a:fld>
             <a:endParaRPr lang="en-US"/>
           </a:p>
@@ -8754,7 +8754,7 @@
           <a:p>
             <a:fld id="{318D53EE-AD22-4BCC-B47B-45E9D925B68F}" type="datetimeFigureOut">
               <a:rPr lang="en-US" smtClean="0"/>
-              <a:t>12/18/2018</a:t>
+              <a:t>12/22/2018</a:t>
             </a:fld>
             <a:endParaRPr lang="en-US"/>
           </a:p>
@@ -8872,7 +8872,7 @@
           <a:p>
             <a:fld id="{318D53EE-AD22-4BCC-B47B-45E9D925B68F}" type="datetimeFigureOut">
               <a:rPr lang="en-US" smtClean="0"/>
-              <a:t>12/18/2018</a:t>
+              <a:t>12/22/2018</a:t>
             </a:fld>
             <a:endParaRPr lang="en-US"/>
           </a:p>
@@ -8967,7 +8967,7 @@
           <a:p>
             <a:fld id="{318D53EE-AD22-4BCC-B47B-45E9D925B68F}" type="datetimeFigureOut">
               <a:rPr lang="en-US" smtClean="0"/>
-              <a:t>12/18/2018</a:t>
+              <a:t>12/22/2018</a:t>
             </a:fld>
             <a:endParaRPr lang="en-US"/>
           </a:p>
@@ -9317,7 +9317,7 @@
           <a:p>
             <a:fld id="{318D53EE-AD22-4BCC-B47B-45E9D925B68F}" type="datetimeFigureOut">
               <a:rPr lang="en-US" smtClean="0"/>
-              <a:t>12/18/2018</a:t>
+              <a:t>12/22/2018</a:t>
             </a:fld>
             <a:endParaRPr lang="en-US"/>
           </a:p>
@@ -9742,7 +9742,7 @@
           <a:p>
             <a:fld id="{318D53EE-AD22-4BCC-B47B-45E9D925B68F}" type="datetimeFigureOut">
               <a:rPr lang="en-US" smtClean="0"/>
-              <a:t>12/18/2018</a:t>
+              <a:t>12/22/2018</a:t>
             </a:fld>
             <a:endParaRPr lang="en-US"/>
           </a:p>
@@ -10023,7 +10023,7 @@
           <a:p>
             <a:fld id="{318D53EE-AD22-4BCC-B47B-45E9D925B68F}" type="datetimeFigureOut">
               <a:rPr lang="en-US" smtClean="0"/>
-              <a:t>12/18/2018</a:t>
+              <a:t>12/22/2018</a:t>
             </a:fld>
             <a:endParaRPr lang="en-US"/>
           </a:p>
@@ -11459,6 +11459,53 @@
           </a:extLst>
         </p:spPr>
       </p:pic>
+      <p:pic>
+        <p:nvPicPr>
+          <p:cNvPr id="5" name="Picture 4" descr="http://www.kenjikojima.com/rgbmusic/img/RGBMusicLab.jpg">
+            <a:extLst>
+              <a:ext uri="{FF2B5EF4-FFF2-40B4-BE49-F238E27FC236}">
+                <a16:creationId xmlns:a16="http://schemas.microsoft.com/office/drawing/2014/main" id="{9A0FB791-6EA3-47C2-82DA-4D4FECF32678}"/>
+              </a:ext>
+            </a:extLst>
+          </p:cNvPr>
+          <p:cNvPicPr>
+            <a:picLocks noChangeAspect="1" noChangeArrowheads="1"/>
+          </p:cNvPicPr>
+          <p:nvPr/>
+        </p:nvPicPr>
+        <p:blipFill>
+          <a:blip r:embed="rId5">
+            <a:extLst>
+              <a:ext uri="{28A0092B-C50C-407E-A947-70E740481C1C}">
+                <a14:useLocalDpi xmlns:a14="http://schemas.microsoft.com/office/drawing/2010/main" val="0"/>
+              </a:ext>
+            </a:extLst>
+          </a:blip>
+          <a:srcRect/>
+          <a:stretch>
+            <a:fillRect/>
+          </a:stretch>
+        </p:blipFill>
+        <p:spPr bwMode="auto">
+          <a:xfrm>
+            <a:off x="6096000" y="3609908"/>
+            <a:ext cx="4745590" cy="3248092"/>
+          </a:xfrm>
+          <a:prstGeom prst="rect">
+            <a:avLst/>
+          </a:prstGeom>
+          <a:noFill/>
+          <a:extLst>
+            <a:ext uri="{909E8E84-426E-40DD-AFC4-6F175D3DCCD1}">
+              <a14:hiddenFill xmlns:a14="http://schemas.microsoft.com/office/drawing/2010/main">
+                <a:solidFill>
+                  <a:srgbClr val="FFFFFF"/>
+                </a:solidFill>
+              </a14:hiddenFill>
+            </a:ext>
+          </a:extLst>
+        </p:spPr>
+      </p:pic>
     </p:spTree>
     <p:extLst>
       <p:ext uri="{BB962C8B-B14F-4D97-AF65-F5344CB8AC3E}">
@@ -11491,163 +11538,6 @@
       </p:grpSpPr>
       <p:sp>
         <p:nvSpPr>
-          <p:cNvPr id="5" name="Title 1">
-            <a:extLst>
-              <a:ext uri="{FF2B5EF4-FFF2-40B4-BE49-F238E27FC236}">
-                <a16:creationId xmlns:a16="http://schemas.microsoft.com/office/drawing/2014/main" id="{21CFD2F0-6B15-4A12-8AA1-B11FF81A7B46}"/>
-              </a:ext>
-            </a:extLst>
-          </p:cNvPr>
-          <p:cNvSpPr>
-            <a:spLocks noGrp="1"/>
-          </p:cNvSpPr>
-          <p:nvPr>
-            <p:ph type="title"/>
-          </p:nvPr>
-        </p:nvSpPr>
-        <p:spPr>
-          <a:xfrm>
-            <a:off x="1069848" y="484632"/>
-            <a:ext cx="10058400" cy="1609344"/>
-          </a:xfrm>
-        </p:spPr>
-        <p:txBody>
-          <a:bodyPr/>
-          <a:lstStyle/>
-          <a:p>
-            <a:r>
-              <a:rPr lang="en-US" dirty="0"/>
-              <a:t>Related Work - RGB Music Lab</a:t>
-            </a:r>
-          </a:p>
-        </p:txBody>
-      </p:sp>
-      <p:pic>
-        <p:nvPicPr>
-          <p:cNvPr id="1028" name="Picture 4" descr="http://www.kenjikojima.com/rgbmusic/img/RGBMusicLab.jpg">
-            <a:extLst>
-              <a:ext uri="{FF2B5EF4-FFF2-40B4-BE49-F238E27FC236}">
-                <a16:creationId xmlns:a16="http://schemas.microsoft.com/office/drawing/2014/main" id="{D889E65C-0EAE-4D84-A76C-9525DA8388B9}"/>
-              </a:ext>
-            </a:extLst>
-          </p:cNvPr>
-          <p:cNvPicPr>
-            <a:picLocks noChangeAspect="1" noChangeArrowheads="1"/>
-          </p:cNvPicPr>
-          <p:nvPr/>
-        </p:nvPicPr>
-        <p:blipFill>
-          <a:blip r:embed="rId3">
-            <a:extLst>
-              <a:ext uri="{28A0092B-C50C-407E-A947-70E740481C1C}">
-                <a14:useLocalDpi xmlns:a14="http://schemas.microsoft.com/office/drawing/2010/main" val="0"/>
-              </a:ext>
-            </a:extLst>
-          </a:blip>
-          <a:srcRect/>
-          <a:stretch>
-            <a:fillRect/>
-          </a:stretch>
-        </p:blipFill>
-        <p:spPr bwMode="auto">
-          <a:xfrm>
-            <a:off x="2075949" y="1849855"/>
-            <a:ext cx="6859504" cy="4694949"/>
-          </a:xfrm>
-          <a:prstGeom prst="rect">
-            <a:avLst/>
-          </a:prstGeom>
-          <a:noFill/>
-          <a:extLst>
-            <a:ext uri="{909E8E84-426E-40DD-AFC4-6F175D3DCCD1}">
-              <a14:hiddenFill xmlns:a14="http://schemas.microsoft.com/office/drawing/2010/main">
-                <a:solidFill>
-                  <a:srgbClr val="FFFFFF"/>
-                </a:solidFill>
-              </a14:hiddenFill>
-            </a:ext>
-          </a:extLst>
-        </p:spPr>
-      </p:pic>
-      <p:pic>
-        <p:nvPicPr>
-          <p:cNvPr id="6" name="Picture 2" descr="×ª××¦××ª ×ª××× × ×¢×××¨ âªmusic pixelâ¬â">
-            <a:extLst>
-              <a:ext uri="{FF2B5EF4-FFF2-40B4-BE49-F238E27FC236}">
-                <a16:creationId xmlns:a16="http://schemas.microsoft.com/office/drawing/2014/main" id="{EC7F31A7-E3C3-4E42-9B79-D554A8E64CBD}"/>
-              </a:ext>
-            </a:extLst>
-          </p:cNvPr>
-          <p:cNvPicPr>
-            <a:picLocks noChangeAspect="1" noChangeArrowheads="1"/>
-          </p:cNvPicPr>
-          <p:nvPr/>
-        </p:nvPicPr>
-        <p:blipFill>
-          <a:blip r:embed="rId4" cstate="hqprint">
-            <a:extLst>
-              <a:ext uri="{28A0092B-C50C-407E-A947-70E740481C1C}">
-                <a14:useLocalDpi xmlns:a14="http://schemas.microsoft.com/office/drawing/2010/main" val="0"/>
-              </a:ext>
-            </a:extLst>
-          </a:blip>
-          <a:srcRect/>
-          <a:stretch>
-            <a:fillRect/>
-          </a:stretch>
-        </p:blipFill>
-        <p:spPr bwMode="auto">
-          <a:xfrm>
-            <a:off x="11288324" y="5128341"/>
-            <a:ext cx="663044" cy="1043859"/>
-          </a:xfrm>
-          <a:prstGeom prst="rect">
-            <a:avLst/>
-          </a:prstGeom>
-          <a:noFill/>
-          <a:extLst>
-            <a:ext uri="{909E8E84-426E-40DD-AFC4-6F175D3DCCD1}">
-              <a14:hiddenFill xmlns:a14="http://schemas.microsoft.com/office/drawing/2010/main">
-                <a:solidFill>
-                  <a:srgbClr val="FFFFFF"/>
-                </a:solidFill>
-              </a14:hiddenFill>
-            </a:ext>
-          </a:extLst>
-        </p:spPr>
-      </p:pic>
-    </p:spTree>
-    <p:extLst>
-      <p:ext uri="{BB962C8B-B14F-4D97-AF65-F5344CB8AC3E}">
-        <p14:creationId xmlns:p14="http://schemas.microsoft.com/office/powerpoint/2010/main" val="1963932940"/>
-      </p:ext>
-    </p:extLst>
-  </p:cSld>
-  <p:clrMapOvr>
-    <a:masterClrMapping/>
-  </p:clrMapOvr>
-</p:sld>
-</file>
-
-<file path=ppt/slides/slide15.xml><?xml version="1.0" encoding="utf-8"?>
-<p:sld xmlns:a="http://schemas.openxmlformats.org/drawingml/2006/main" xmlns:r="http://schemas.openxmlformats.org/officeDocument/2006/relationships" xmlns:p="http://schemas.openxmlformats.org/presentationml/2006/main">
-  <p:cSld>
-    <p:spTree>
-      <p:nvGrpSpPr>
-        <p:cNvPr id="1" name=""/>
-        <p:cNvGrpSpPr/>
-        <p:nvPr/>
-      </p:nvGrpSpPr>
-      <p:grpSpPr>
-        <a:xfrm>
-          <a:off x="0" y="0"/>
-          <a:ext cx="0" cy="0"/>
-          <a:chOff x="0" y="0"/>
-          <a:chExt cx="0" cy="0"/>
-        </a:xfrm>
-      </p:grpSpPr>
-      <p:sp>
-        <p:nvSpPr>
           <p:cNvPr id="2" name="Title 1"/>
           <p:cNvSpPr>
             <a:spLocks noGrp="1"/>
@@ -11739,7 +11629,7 @@
 </p:sld>
 </file>
 
-<file path=ppt/slides/slide16.xml><?xml version="1.0" encoding="utf-8"?>
+<file path=ppt/slides/slide15.xml><?xml version="1.0" encoding="utf-8"?>
 <p:sld xmlns:a="http://schemas.openxmlformats.org/drawingml/2006/main" xmlns:r="http://schemas.openxmlformats.org/officeDocument/2006/relationships" xmlns:p="http://schemas.openxmlformats.org/presentationml/2006/main">
   <p:cSld>
     <p:spTree>
@@ -11878,7 +11768,347 @@
 </p:sld>
 </file>
 
+<file path=ppt/slides/slide16.xml><?xml version="1.0" encoding="utf-8"?>
+<p:sld xmlns:a="http://schemas.openxmlformats.org/drawingml/2006/main" xmlns:r="http://schemas.openxmlformats.org/officeDocument/2006/relationships" xmlns:p="http://schemas.openxmlformats.org/presentationml/2006/main" show="0">
+  <p:cSld>
+    <p:spTree>
+      <p:nvGrpSpPr>
+        <p:cNvPr id="1" name=""/>
+        <p:cNvGrpSpPr/>
+        <p:nvPr/>
+      </p:nvGrpSpPr>
+      <p:grpSpPr>
+        <a:xfrm>
+          <a:off x="0" y="0"/>
+          <a:ext cx="0" cy="0"/>
+          <a:chOff x="0" y="0"/>
+          <a:chExt cx="0" cy="0"/>
+        </a:xfrm>
+      </p:grpSpPr>
+      <p:sp>
+        <p:nvSpPr>
+          <p:cNvPr id="2" name="Title 1"/>
+          <p:cNvSpPr>
+            <a:spLocks noGrp="1"/>
+          </p:cNvSpPr>
+          <p:nvPr>
+            <p:ph type="title"/>
+          </p:nvPr>
+        </p:nvSpPr>
+        <p:spPr/>
+        <p:txBody>
+          <a:bodyPr/>
+          <a:lstStyle/>
+          <a:p>
+            <a:r>
+              <a:rPr lang="en-US" dirty="0"/>
+              <a:t>Technical and musical summary #1 </a:t>
+            </a:r>
+            <a:endParaRPr lang="he-IL" dirty="0"/>
+          </a:p>
+        </p:txBody>
+      </p:sp>
+      <p:sp>
+        <p:nvSpPr>
+          <p:cNvPr id="3" name="Content Placeholder 2"/>
+          <p:cNvSpPr>
+            <a:spLocks noGrp="1"/>
+          </p:cNvSpPr>
+          <p:nvPr>
+            <p:ph idx="1"/>
+          </p:nvPr>
+        </p:nvSpPr>
+        <p:spPr/>
+        <p:txBody>
+          <a:bodyPr/>
+          <a:lstStyle/>
+          <a:p>
+            <a:r>
+              <a:rPr lang="en-US" dirty="0"/>
+              <a:t>System description</a:t>
+            </a:r>
+          </a:p>
+          <a:p>
+            <a:pPr marL="0" indent="0">
+              <a:buNone/>
+            </a:pPr>
+            <a:endParaRPr lang="he-IL" dirty="0"/>
+          </a:p>
+        </p:txBody>
+      </p:sp>
+      <p:pic>
+        <p:nvPicPr>
+          <p:cNvPr id="4" name="Picture 3"/>
+          <p:cNvPicPr>
+            <a:picLocks noChangeAspect="1"/>
+          </p:cNvPicPr>
+          <p:nvPr/>
+        </p:nvPicPr>
+        <p:blipFill>
+          <a:blip r:embed="rId3"/>
+          <a:stretch>
+            <a:fillRect/>
+          </a:stretch>
+        </p:blipFill>
+        <p:spPr>
+          <a:xfrm>
+            <a:off x="1835736" y="2471381"/>
+            <a:ext cx="7450189" cy="4110449"/>
+          </a:xfrm>
+          <a:prstGeom prst="rect">
+            <a:avLst/>
+          </a:prstGeom>
+        </p:spPr>
+      </p:pic>
+    </p:spTree>
+    <p:extLst>
+      <p:ext uri="{BB962C8B-B14F-4D97-AF65-F5344CB8AC3E}">
+        <p14:creationId xmlns:p14="http://schemas.microsoft.com/office/powerpoint/2010/main" val="1173866477"/>
+      </p:ext>
+    </p:extLst>
+  </p:cSld>
+  <p:clrMapOvr>
+    <a:masterClrMapping/>
+  </p:clrMapOvr>
+</p:sld>
+</file>
+
 <file path=ppt/slides/slide17.xml><?xml version="1.0" encoding="utf-8"?>
+<p:sld xmlns:a="http://schemas.openxmlformats.org/drawingml/2006/main" xmlns:r="http://schemas.openxmlformats.org/officeDocument/2006/relationships" xmlns:p="http://schemas.openxmlformats.org/presentationml/2006/main" show="0">
+  <p:cSld>
+    <p:spTree>
+      <p:nvGrpSpPr>
+        <p:cNvPr id="1" name=""/>
+        <p:cNvGrpSpPr/>
+        <p:nvPr/>
+      </p:nvGrpSpPr>
+      <p:grpSpPr>
+        <a:xfrm>
+          <a:off x="0" y="0"/>
+          <a:ext cx="0" cy="0"/>
+          <a:chOff x="0" y="0"/>
+          <a:chExt cx="0" cy="0"/>
+        </a:xfrm>
+      </p:grpSpPr>
+      <p:sp>
+        <p:nvSpPr>
+          <p:cNvPr id="2" name="Title 1"/>
+          <p:cNvSpPr>
+            <a:spLocks noGrp="1"/>
+          </p:cNvSpPr>
+          <p:nvPr>
+            <p:ph type="title"/>
+          </p:nvPr>
+        </p:nvSpPr>
+        <p:spPr/>
+        <p:txBody>
+          <a:bodyPr/>
+          <a:lstStyle/>
+          <a:p>
+            <a:r>
+              <a:rPr lang="en-US" dirty="0"/>
+              <a:t>Technical and musical summary #2 </a:t>
+            </a:r>
+            <a:endParaRPr lang="he-IL" dirty="0"/>
+          </a:p>
+        </p:txBody>
+      </p:sp>
+      <p:sp>
+        <p:nvSpPr>
+          <p:cNvPr id="3" name="Content Placeholder 2"/>
+          <p:cNvSpPr>
+            <a:spLocks noGrp="1"/>
+          </p:cNvSpPr>
+          <p:nvPr>
+            <p:ph idx="1"/>
+          </p:nvPr>
+        </p:nvSpPr>
+        <p:spPr/>
+        <p:txBody>
+          <a:bodyPr/>
+          <a:lstStyle/>
+          <a:p>
+            <a:r>
+              <a:rPr lang="en-US" dirty="0"/>
+              <a:t>The technical and musical details of the engine are to be defined : basically we want to have a unique instrument timbre for each RGB value and a mapping from a set of pixels (i.e. the surrounding pixels of the chosen pixel) to pitch or time duration </a:t>
+            </a:r>
+          </a:p>
+          <a:p>
+            <a:r>
+              <a:rPr lang="en-US" dirty="0"/>
+              <a:t>In the advanced phases of the project we would like to give the user the ability to:  </a:t>
+            </a:r>
+          </a:p>
+          <a:p>
+            <a:pPr lvl="1"/>
+            <a:r>
+              <a:rPr lang="en-US" dirty="0"/>
+              <a:t>Change the engine settings (mapping from visual elements to sound elements)</a:t>
+            </a:r>
+          </a:p>
+          <a:p>
+            <a:pPr lvl="1"/>
+            <a:r>
+              <a:rPr lang="en-US" dirty="0"/>
+              <a:t>Record its created music</a:t>
+            </a:r>
+          </a:p>
+          <a:p>
+            <a:pPr lvl="1"/>
+            <a:r>
+              <a:rPr lang="en-US" dirty="0"/>
+              <a:t>Create music based on multiple images </a:t>
+            </a:r>
+          </a:p>
+          <a:p>
+            <a:pPr marL="0" indent="0">
+              <a:buNone/>
+            </a:pPr>
+            <a:endParaRPr lang="he-IL" dirty="0"/>
+          </a:p>
+        </p:txBody>
+      </p:sp>
+    </p:spTree>
+    <p:extLst>
+      <p:ext uri="{BB962C8B-B14F-4D97-AF65-F5344CB8AC3E}">
+        <p14:creationId xmlns:p14="http://schemas.microsoft.com/office/powerpoint/2010/main" val="2785115466"/>
+      </p:ext>
+    </p:extLst>
+  </p:cSld>
+  <p:clrMapOvr>
+    <a:masterClrMapping/>
+  </p:clrMapOvr>
+</p:sld>
+</file>
+
+<file path=ppt/slides/slide18.xml><?xml version="1.0" encoding="utf-8"?>
+<p:sld xmlns:a="http://schemas.openxmlformats.org/drawingml/2006/main" xmlns:r="http://schemas.openxmlformats.org/officeDocument/2006/relationships" xmlns:p="http://schemas.openxmlformats.org/presentationml/2006/main">
+  <p:cSld>
+    <p:spTree>
+      <p:nvGrpSpPr>
+        <p:cNvPr id="1" name=""/>
+        <p:cNvGrpSpPr/>
+        <p:nvPr/>
+      </p:nvGrpSpPr>
+      <p:grpSpPr>
+        <a:xfrm>
+          <a:off x="0" y="0"/>
+          <a:ext cx="0" cy="0"/>
+          <a:chOff x="0" y="0"/>
+          <a:chExt cx="0" cy="0"/>
+        </a:xfrm>
+      </p:grpSpPr>
+      <p:sp>
+        <p:nvSpPr>
+          <p:cNvPr id="4" name="TextBox 3">
+            <a:extLst>
+              <a:ext uri="{FF2B5EF4-FFF2-40B4-BE49-F238E27FC236}">
+                <a16:creationId xmlns:a16="http://schemas.microsoft.com/office/drawing/2014/main" id="{EA82BB0B-F4FE-4E3A-950F-688B5F349888}"/>
+              </a:ext>
+            </a:extLst>
+          </p:cNvPr>
+          <p:cNvSpPr txBox="1"/>
+          <p:nvPr/>
+        </p:nvSpPr>
+        <p:spPr>
+          <a:xfrm>
+            <a:off x="787234" y="2233944"/>
+            <a:ext cx="10105053" cy="1200329"/>
+          </a:xfrm>
+          <a:prstGeom prst="rect">
+            <a:avLst/>
+          </a:prstGeom>
+          <a:noFill/>
+        </p:spPr>
+        <p:txBody>
+          <a:bodyPr wrap="square" rtlCol="0">
+            <a:spAutoFit/>
+          </a:bodyPr>
+          <a:lstStyle/>
+          <a:p>
+            <a:pPr algn="ctr"/>
+            <a:r>
+              <a:rPr lang="en-US" sz="7200" cap="all" dirty="0">
+                <a:blipFill>
+                  <a:blip r:embed="rId3">
+                    <a:extLst>
+                      <a:ext uri="{28A0092B-C50C-407E-A947-70E740481C1C}">
+                        <a14:useLocalDpi xmlns:a14="http://schemas.microsoft.com/office/drawing/2010/main" val="0"/>
+                      </a:ext>
+                    </a:extLst>
+                  </a:blip>
+                  <a:tile tx="6350" ty="-127000" sx="65000" sy="64000" flip="none" algn="tl"/>
+                </a:blipFill>
+                <a:latin typeface="+mj-lt"/>
+                <a:ea typeface="+mj-ea"/>
+                <a:cs typeface="+mj-cs"/>
+              </a:rPr>
+              <a:t>Phase 1 – Demo </a:t>
+            </a:r>
+          </a:p>
+        </p:txBody>
+      </p:sp>
+      <p:pic>
+        <p:nvPicPr>
+          <p:cNvPr id="1026" name="Picture 2" descr="×ª××¦××ª ×ª××× × ×¢×××¨ âªmusic pixelâ¬â">
+            <a:extLst>
+              <a:ext uri="{FF2B5EF4-FFF2-40B4-BE49-F238E27FC236}">
+                <a16:creationId xmlns:a16="http://schemas.microsoft.com/office/drawing/2014/main" id="{6E043A9D-8C6E-412B-9610-EA3C9C02E538}"/>
+              </a:ext>
+            </a:extLst>
+          </p:cNvPr>
+          <p:cNvPicPr>
+            <a:picLocks noChangeAspect="1" noChangeArrowheads="1"/>
+          </p:cNvPicPr>
+          <p:nvPr/>
+        </p:nvPicPr>
+        <p:blipFill>
+          <a:blip r:embed="rId4" cstate="hqprint">
+            <a:extLst>
+              <a:ext uri="{28A0092B-C50C-407E-A947-70E740481C1C}">
+                <a14:useLocalDpi xmlns:a14="http://schemas.microsoft.com/office/drawing/2010/main" val="0"/>
+              </a:ext>
+            </a:extLst>
+          </a:blip>
+          <a:srcRect/>
+          <a:stretch>
+            <a:fillRect/>
+          </a:stretch>
+        </p:blipFill>
+        <p:spPr bwMode="auto">
+          <a:xfrm>
+            <a:off x="0" y="3938271"/>
+            <a:ext cx="1574469" cy="2478755"/>
+          </a:xfrm>
+          <a:prstGeom prst="rect">
+            <a:avLst/>
+          </a:prstGeom>
+          <a:noFill/>
+          <a:extLst>
+            <a:ext uri="{909E8E84-426E-40DD-AFC4-6F175D3DCCD1}">
+              <a14:hiddenFill xmlns:a14="http://schemas.microsoft.com/office/drawing/2010/main">
+                <a:solidFill>
+                  <a:srgbClr val="FFFFFF"/>
+                </a:solidFill>
+              </a14:hiddenFill>
+            </a:ext>
+          </a:extLst>
+        </p:spPr>
+      </p:pic>
+    </p:spTree>
+    <p:extLst>
+      <p:ext uri="{BB962C8B-B14F-4D97-AF65-F5344CB8AC3E}">
+        <p14:creationId xmlns:p14="http://schemas.microsoft.com/office/powerpoint/2010/main" val="2339164771"/>
+      </p:ext>
+    </p:extLst>
+  </p:cSld>
+  <p:clrMapOvr>
+    <a:masterClrMapping/>
+  </p:clrMapOvr>
+</p:sld>
+</file>
+
+<file path=ppt/slides/slide19.xml><?xml version="1.0" encoding="utf-8"?>
 <p:sld xmlns:a="http://schemas.openxmlformats.org/drawingml/2006/main" xmlns:r="http://schemas.openxmlformats.org/officeDocument/2006/relationships" xmlns:p="http://schemas.openxmlformats.org/presentationml/2006/main">
   <p:cSld>
     <p:spTree>
@@ -11949,12 +12179,6 @@
             <a:r>
               <a:rPr lang="en-US" sz="2800" dirty="0"/>
               <a:t> The user can use multiple images for creating one work</a:t>
-            </a:r>
-          </a:p>
-          <a:p>
-            <a:r>
-              <a:rPr lang="en-US" sz="2800" dirty="0"/>
-              <a:t> Different purpose</a:t>
             </a:r>
             <a:endParaRPr lang="he-IL" sz="2800" dirty="0"/>
           </a:p>
@@ -12010,220 +12234,7 @@
     </p:spTree>
     <p:extLst>
       <p:ext uri="{BB962C8B-B14F-4D97-AF65-F5344CB8AC3E}">
-        <p14:creationId xmlns:p14="http://schemas.microsoft.com/office/powerpoint/2010/main" val="2650767775"/>
-      </p:ext>
-    </p:extLst>
-  </p:cSld>
-  <p:clrMapOvr>
-    <a:masterClrMapping/>
-  </p:clrMapOvr>
-</p:sld>
-</file>
-
-<file path=ppt/slides/slide18.xml><?xml version="1.0" encoding="utf-8"?>
-<p:sld xmlns:a="http://schemas.openxmlformats.org/drawingml/2006/main" xmlns:r="http://schemas.openxmlformats.org/officeDocument/2006/relationships" xmlns:p="http://schemas.openxmlformats.org/presentationml/2006/main" show="0">
-  <p:cSld>
-    <p:spTree>
-      <p:nvGrpSpPr>
-        <p:cNvPr id="1" name=""/>
-        <p:cNvGrpSpPr/>
-        <p:nvPr/>
-      </p:nvGrpSpPr>
-      <p:grpSpPr>
-        <a:xfrm>
-          <a:off x="0" y="0"/>
-          <a:ext cx="0" cy="0"/>
-          <a:chOff x="0" y="0"/>
-          <a:chExt cx="0" cy="0"/>
-        </a:xfrm>
-      </p:grpSpPr>
-      <p:sp>
-        <p:nvSpPr>
-          <p:cNvPr id="2" name="Title 1"/>
-          <p:cNvSpPr>
-            <a:spLocks noGrp="1"/>
-          </p:cNvSpPr>
-          <p:nvPr>
-            <p:ph type="title"/>
-          </p:nvPr>
-        </p:nvSpPr>
-        <p:spPr/>
-        <p:txBody>
-          <a:bodyPr/>
-          <a:lstStyle/>
-          <a:p>
-            <a:r>
-              <a:rPr lang="en-US" dirty="0"/>
-              <a:t>Technical and musical summary #1 </a:t>
-            </a:r>
-            <a:endParaRPr lang="he-IL" dirty="0"/>
-          </a:p>
-        </p:txBody>
-      </p:sp>
-      <p:sp>
-        <p:nvSpPr>
-          <p:cNvPr id="3" name="Content Placeholder 2"/>
-          <p:cNvSpPr>
-            <a:spLocks noGrp="1"/>
-          </p:cNvSpPr>
-          <p:nvPr>
-            <p:ph idx="1"/>
-          </p:nvPr>
-        </p:nvSpPr>
-        <p:spPr/>
-        <p:txBody>
-          <a:bodyPr/>
-          <a:lstStyle/>
-          <a:p>
-            <a:r>
-              <a:rPr lang="en-US" dirty="0"/>
-              <a:t>System description</a:t>
-            </a:r>
-          </a:p>
-          <a:p>
-            <a:pPr marL="0" indent="0">
-              <a:buNone/>
-            </a:pPr>
-            <a:endParaRPr lang="he-IL" dirty="0"/>
-          </a:p>
-        </p:txBody>
-      </p:sp>
-      <p:pic>
-        <p:nvPicPr>
-          <p:cNvPr id="4" name="Picture 3"/>
-          <p:cNvPicPr>
-            <a:picLocks noChangeAspect="1"/>
-          </p:cNvPicPr>
-          <p:nvPr/>
-        </p:nvPicPr>
-        <p:blipFill>
-          <a:blip r:embed="rId3"/>
-          <a:stretch>
-            <a:fillRect/>
-          </a:stretch>
-        </p:blipFill>
-        <p:spPr>
-          <a:xfrm>
-            <a:off x="1835736" y="2471381"/>
-            <a:ext cx="7450189" cy="4110449"/>
-          </a:xfrm>
-          <a:prstGeom prst="rect">
-            <a:avLst/>
-          </a:prstGeom>
-        </p:spPr>
-      </p:pic>
-    </p:spTree>
-    <p:extLst>
-      <p:ext uri="{BB962C8B-B14F-4D97-AF65-F5344CB8AC3E}">
-        <p14:creationId xmlns:p14="http://schemas.microsoft.com/office/powerpoint/2010/main" val="1173866477"/>
-      </p:ext>
-    </p:extLst>
-  </p:cSld>
-  <p:clrMapOvr>
-    <a:masterClrMapping/>
-  </p:clrMapOvr>
-</p:sld>
-</file>
-
-<file path=ppt/slides/slide19.xml><?xml version="1.0" encoding="utf-8"?>
-<p:sld xmlns:a="http://schemas.openxmlformats.org/drawingml/2006/main" xmlns:r="http://schemas.openxmlformats.org/officeDocument/2006/relationships" xmlns:p="http://schemas.openxmlformats.org/presentationml/2006/main" show="0">
-  <p:cSld>
-    <p:spTree>
-      <p:nvGrpSpPr>
-        <p:cNvPr id="1" name=""/>
-        <p:cNvGrpSpPr/>
-        <p:nvPr/>
-      </p:nvGrpSpPr>
-      <p:grpSpPr>
-        <a:xfrm>
-          <a:off x="0" y="0"/>
-          <a:ext cx="0" cy="0"/>
-          <a:chOff x="0" y="0"/>
-          <a:chExt cx="0" cy="0"/>
-        </a:xfrm>
-      </p:grpSpPr>
-      <p:sp>
-        <p:nvSpPr>
-          <p:cNvPr id="2" name="Title 1"/>
-          <p:cNvSpPr>
-            <a:spLocks noGrp="1"/>
-          </p:cNvSpPr>
-          <p:nvPr>
-            <p:ph type="title"/>
-          </p:nvPr>
-        </p:nvSpPr>
-        <p:spPr/>
-        <p:txBody>
-          <a:bodyPr/>
-          <a:lstStyle/>
-          <a:p>
-            <a:r>
-              <a:rPr lang="en-US" dirty="0"/>
-              <a:t>Technical and musical summary #2 </a:t>
-            </a:r>
-            <a:endParaRPr lang="he-IL" dirty="0"/>
-          </a:p>
-        </p:txBody>
-      </p:sp>
-      <p:sp>
-        <p:nvSpPr>
-          <p:cNvPr id="3" name="Content Placeholder 2"/>
-          <p:cNvSpPr>
-            <a:spLocks noGrp="1"/>
-          </p:cNvSpPr>
-          <p:nvPr>
-            <p:ph idx="1"/>
-          </p:nvPr>
-        </p:nvSpPr>
-        <p:spPr/>
-        <p:txBody>
-          <a:bodyPr/>
-          <a:lstStyle/>
-          <a:p>
-            <a:r>
-              <a:rPr lang="en-US" dirty="0"/>
-              <a:t>The technical and musical details of the engine are to be defined : basically we want to have a unique instrument timbre for each RGB value and a mapping from a set of pixels (i.e. the surrounding pixels of the chosen pixel) to pitch or time duration </a:t>
-            </a:r>
-          </a:p>
-          <a:p>
-            <a:r>
-              <a:rPr lang="en-US" dirty="0"/>
-              <a:t>In the advanced phases of the project we would like to give the user the ability to:  </a:t>
-            </a:r>
-          </a:p>
-          <a:p>
-            <a:pPr lvl="1"/>
-            <a:r>
-              <a:rPr lang="en-US" dirty="0"/>
-              <a:t>Change the engine settings (mapping from visual elements to sound elements)</a:t>
-            </a:r>
-          </a:p>
-          <a:p>
-            <a:pPr lvl="1"/>
-            <a:r>
-              <a:rPr lang="en-US" dirty="0"/>
-              <a:t>Record its created music</a:t>
-            </a:r>
-          </a:p>
-          <a:p>
-            <a:pPr lvl="1"/>
-            <a:r>
-              <a:rPr lang="en-US" dirty="0"/>
-              <a:t>Create music based on multiple images </a:t>
-            </a:r>
-          </a:p>
-          <a:p>
-            <a:pPr marL="0" indent="0">
-              <a:buNone/>
-            </a:pPr>
-            <a:endParaRPr lang="he-IL" dirty="0"/>
-          </a:p>
-        </p:txBody>
-      </p:sp>
-    </p:spTree>
-    <p:extLst>
-      <p:ext uri="{BB962C8B-B14F-4D97-AF65-F5344CB8AC3E}">
-        <p14:creationId xmlns:p14="http://schemas.microsoft.com/office/powerpoint/2010/main" val="2785115466"/>
+        <p14:creationId xmlns:p14="http://schemas.microsoft.com/office/powerpoint/2010/main" val="2532705214"/>
       </p:ext>
     </p:extLst>
   </p:cSld>
@@ -12411,7 +12422,7 @@
 </file>
 
 <file path=ppt/slides/slide20.xml><?xml version="1.0" encoding="utf-8"?>
-<p:sld xmlns:a="http://schemas.openxmlformats.org/drawingml/2006/main" xmlns:r="http://schemas.openxmlformats.org/officeDocument/2006/relationships" xmlns:p="http://schemas.openxmlformats.org/presentationml/2006/main">
+<p:sld xmlns:a="http://schemas.openxmlformats.org/drawingml/2006/main" xmlns:r="http://schemas.openxmlformats.org/officeDocument/2006/relationships" xmlns:p="http://schemas.openxmlformats.org/presentationml/2006/main" show="0">
   <p:cSld>
     <p:spTree>
       <p:nvGrpSpPr>
@@ -12427,62 +12438,823 @@
           <a:chExt cx="0" cy="0"/>
         </a:xfrm>
       </p:grpSpPr>
-      <p:sp>
-        <p:nvSpPr>
-          <p:cNvPr id="4" name="TextBox 3">
+      <p:grpSp>
+        <p:nvGrpSpPr>
+          <p:cNvPr id="5" name="Window">
             <a:extLst>
               <a:ext uri="{FF2B5EF4-FFF2-40B4-BE49-F238E27FC236}">
-                <a16:creationId xmlns:a16="http://schemas.microsoft.com/office/drawing/2014/main" id="{EA82BB0B-F4FE-4E3A-950F-688B5F349888}"/>
+                <a16:creationId xmlns:a16="http://schemas.microsoft.com/office/drawing/2014/main" id="{1F40398A-D061-4993-8AA1-CE7E9D8FA328}"/>
               </a:ext>
             </a:extLst>
           </p:cNvPr>
-          <p:cNvSpPr txBox="1"/>
-          <p:nvPr/>
+          <p:cNvGrpSpPr/>
+          <p:nvPr>
+            <p:custDataLst>
+              <p:custData r:id="rId1"/>
+            </p:custDataLst>
+          </p:nvPr>
+        </p:nvGrpSpPr>
+        <p:grpSpPr>
+          <a:xfrm>
+            <a:off x="2842282" y="1769557"/>
+            <a:ext cx="4593574" cy="4518751"/>
+            <a:chOff x="0" y="-26498"/>
+            <a:chExt cx="9144000" cy="6884498"/>
+          </a:xfrm>
+        </p:grpSpPr>
+        <p:grpSp>
+          <p:nvGrpSpPr>
+            <p:cNvPr id="6" name="Group 5">
+              <a:extLst>
+                <a:ext uri="{FF2B5EF4-FFF2-40B4-BE49-F238E27FC236}">
+                  <a16:creationId xmlns:a16="http://schemas.microsoft.com/office/drawing/2014/main" id="{8C3EBD16-0F07-45FA-B018-C4F177B218A0}"/>
+                </a:ext>
+              </a:extLst>
+            </p:cNvPr>
+            <p:cNvGrpSpPr/>
+            <p:nvPr/>
+          </p:nvGrpSpPr>
+          <p:grpSpPr>
+            <a:xfrm>
+              <a:off x="0" y="-26498"/>
+              <a:ext cx="9144000" cy="6884498"/>
+              <a:chOff x="0" y="-26498"/>
+              <a:chExt cx="9144000" cy="6884498"/>
+            </a:xfrm>
+          </p:grpSpPr>
+          <p:sp>
+            <p:nvSpPr>
+              <p:cNvPr id="14" name="Rectangle 13">
+                <a:extLst>
+                  <a:ext uri="{FF2B5EF4-FFF2-40B4-BE49-F238E27FC236}">
+                    <a16:creationId xmlns:a16="http://schemas.microsoft.com/office/drawing/2014/main" id="{99770E91-D522-411A-9F10-F93457AE6E7A}"/>
+                  </a:ext>
+                </a:extLst>
+              </p:cNvPr>
+              <p:cNvSpPr/>
+              <p:nvPr/>
+            </p:nvSpPr>
+            <p:spPr>
+              <a:xfrm>
+                <a:off x="0" y="0"/>
+                <a:ext cx="9144000" cy="6858000"/>
+              </a:xfrm>
+              <a:prstGeom prst="rect">
+                <a:avLst/>
+              </a:prstGeom>
+              <a:solidFill>
+                <a:srgbClr val="FFFFFF">
+                  <a:lumMod val="65000"/>
+                </a:srgbClr>
+              </a:solidFill>
+              <a:ln w="3175" cap="flat" cmpd="sng" algn="ctr">
+                <a:solidFill>
+                  <a:srgbClr val="000000">
+                    <a:lumMod val="50000"/>
+                    <a:lumOff val="50000"/>
+                  </a:srgbClr>
+                </a:solidFill>
+                <a:prstDash val="solid"/>
+              </a:ln>
+              <a:effectLst/>
+            </p:spPr>
+            <p:txBody>
+              <a:bodyPr rtlCol="0" anchor="ctr"/>
+              <a:lstStyle/>
+              <a:p>
+                <a:pPr algn="ctr"/>
+                <a:endParaRPr lang="en-US" sz="800" kern="0">
+                  <a:solidFill>
+                    <a:prstClr val="white"/>
+                  </a:solidFill>
+                  <a:latin typeface="Segoe UI"/>
+                </a:endParaRPr>
+              </a:p>
+            </p:txBody>
+          </p:sp>
+          <p:sp>
+            <p:nvSpPr>
+              <p:cNvPr id="15" name="Rectangle 14">
+                <a:extLst>
+                  <a:ext uri="{FF2B5EF4-FFF2-40B4-BE49-F238E27FC236}">
+                    <a16:creationId xmlns:a16="http://schemas.microsoft.com/office/drawing/2014/main" id="{F73C730F-274F-4FF3-B6F3-C0B4A2624E69}"/>
+                  </a:ext>
+                </a:extLst>
+              </p:cNvPr>
+              <p:cNvSpPr/>
+              <p:nvPr/>
+            </p:nvSpPr>
+            <p:spPr>
+              <a:xfrm>
+                <a:off x="76200" y="309484"/>
+                <a:ext cx="8991600" cy="6437733"/>
+              </a:xfrm>
+              <a:prstGeom prst="rect">
+                <a:avLst/>
+              </a:prstGeom>
+              <a:solidFill>
+                <a:sysClr val="window" lastClr="FFFFFF"/>
+              </a:solidFill>
+              <a:ln w="3175" cap="flat" cmpd="sng" algn="ctr">
+                <a:solidFill>
+                  <a:srgbClr val="000000">
+                    <a:lumMod val="50000"/>
+                    <a:lumOff val="50000"/>
+                  </a:srgbClr>
+                </a:solidFill>
+                <a:prstDash val="solid"/>
+              </a:ln>
+              <a:effectLst/>
+            </p:spPr>
+            <p:txBody>
+              <a:bodyPr rtlCol="0" anchor="ctr"/>
+              <a:lstStyle/>
+              <a:p>
+                <a:pPr algn="ctr"/>
+                <a:endParaRPr lang="en-US" sz="800" kern="0">
+                  <a:solidFill>
+                    <a:prstClr val="white"/>
+                  </a:solidFill>
+                  <a:latin typeface="Segoe UI"/>
+                </a:endParaRPr>
+              </a:p>
+            </p:txBody>
+          </p:sp>
+          <p:sp>
+            <p:nvSpPr>
+              <p:cNvPr id="16" name="WindowTitle">
+                <a:extLst>
+                  <a:ext uri="{FF2B5EF4-FFF2-40B4-BE49-F238E27FC236}">
+                    <a16:creationId xmlns:a16="http://schemas.microsoft.com/office/drawing/2014/main" id="{AF4BB876-1F1A-4336-9642-67A66A78AA32}"/>
+                  </a:ext>
+                </a:extLst>
+              </p:cNvPr>
+              <p:cNvSpPr txBox="1"/>
+              <p:nvPr/>
+            </p:nvSpPr>
+            <p:spPr>
+              <a:xfrm>
+                <a:off x="240975" y="-26498"/>
+                <a:ext cx="3027342" cy="351682"/>
+              </a:xfrm>
+              <a:prstGeom prst="rect">
+                <a:avLst/>
+              </a:prstGeom>
+              <a:noFill/>
+            </p:spPr>
+            <p:txBody>
+              <a:bodyPr wrap="square" lIns="45720" tIns="18288" rIns="91440" bIns="27432" rtlCol="0" anchor="ctr" anchorCtr="0">
+                <a:spAutoFit/>
+              </a:bodyPr>
+              <a:lstStyle/>
+              <a:p>
+                <a:r>
+                  <a:rPr lang="en-US" sz="1200" dirty="0">
+                    <a:solidFill>
+                      <a:prstClr val="white"/>
+                    </a:solidFill>
+                    <a:latin typeface="Segoe UI" pitchFamily="34" charset="0"/>
+                    <a:ea typeface="Segoe UI" pitchFamily="34" charset="0"/>
+                    <a:cs typeface="Segoe UI" pitchFamily="34" charset="0"/>
+                  </a:rPr>
+                  <a:t>RGB</a:t>
+                </a:r>
+                <a:r>
+                  <a:rPr lang="he-IL" sz="1200" dirty="0">
+                    <a:solidFill>
+                      <a:prstClr val="white"/>
+                    </a:solidFill>
+                    <a:latin typeface="Segoe UI" pitchFamily="34" charset="0"/>
+                    <a:ea typeface="Segoe UI" pitchFamily="34" charset="0"/>
+                    <a:cs typeface="Segoe UI" pitchFamily="34" charset="0"/>
+                  </a:rPr>
+                  <a:t> </a:t>
+                </a:r>
+                <a:r>
+                  <a:rPr lang="en-US" sz="1200" dirty="0">
+                    <a:solidFill>
+                      <a:prstClr val="white"/>
+                    </a:solidFill>
+                    <a:latin typeface="Segoe UI" pitchFamily="34" charset="0"/>
+                    <a:ea typeface="Segoe UI" pitchFamily="34" charset="0"/>
+                    <a:cs typeface="Segoe UI" pitchFamily="34" charset="0"/>
+                  </a:rPr>
+                  <a:t>Music</a:t>
+                </a:r>
+              </a:p>
+            </p:txBody>
+          </p:sp>
+        </p:grpSp>
+        <p:grpSp>
+          <p:nvGrpSpPr>
+            <p:cNvPr id="7" name="Minimize - Maximize - Close">
+              <a:extLst>
+                <a:ext uri="{FF2B5EF4-FFF2-40B4-BE49-F238E27FC236}">
+                  <a16:creationId xmlns:a16="http://schemas.microsoft.com/office/drawing/2014/main" id="{8F413EB3-AE2C-4EB6-9DB4-1E375E6D9119}"/>
+                </a:ext>
+              </a:extLst>
+            </p:cNvPr>
+            <p:cNvGrpSpPr/>
+            <p:nvPr/>
+          </p:nvGrpSpPr>
+          <p:grpSpPr>
+            <a:xfrm>
+              <a:off x="8632311" y="92599"/>
+              <a:ext cx="384527" cy="78032"/>
+              <a:chOff x="9347642" y="131588"/>
+              <a:chExt cx="384527" cy="78032"/>
+            </a:xfrm>
+          </p:grpSpPr>
+          <p:cxnSp>
+            <p:nvCxnSpPr>
+              <p:cNvPr id="9" name="Line">
+                <a:extLst>
+                  <a:ext uri="{FF2B5EF4-FFF2-40B4-BE49-F238E27FC236}">
+                    <a16:creationId xmlns:a16="http://schemas.microsoft.com/office/drawing/2014/main" id="{312FC7B2-F7B6-4337-8EFB-611B47F20B94}"/>
+                  </a:ext>
+                </a:extLst>
+              </p:cNvPr>
+              <p:cNvCxnSpPr/>
+              <p:nvPr/>
+            </p:nvCxnSpPr>
+            <p:spPr>
+              <a:xfrm>
+                <a:off x="9661396" y="131588"/>
+                <a:ext cx="70773" cy="76200"/>
+              </a:xfrm>
+              <a:prstGeom prst="line">
+                <a:avLst/>
+              </a:prstGeom>
+              <a:ln w="12700">
+                <a:solidFill>
+                  <a:srgbClr val="FFFFFF"/>
+                </a:solidFill>
+              </a:ln>
+            </p:spPr>
+            <p:style>
+              <a:lnRef idx="1">
+                <a:srgbClr val="4F81BD"/>
+              </a:lnRef>
+              <a:fillRef idx="0">
+                <a:srgbClr val="4F81BD"/>
+              </a:fillRef>
+              <a:effectRef idx="0">
+                <a:srgbClr val="4F81BD"/>
+              </a:effectRef>
+              <a:fontRef idx="minor">
+                <a:srgbClr val="000000"/>
+              </a:fontRef>
+            </p:style>
+          </p:cxnSp>
+          <p:cxnSp>
+            <p:nvCxnSpPr>
+              <p:cNvPr id="10" name="Line">
+                <a:extLst>
+                  <a:ext uri="{FF2B5EF4-FFF2-40B4-BE49-F238E27FC236}">
+                    <a16:creationId xmlns:a16="http://schemas.microsoft.com/office/drawing/2014/main" id="{0D509EB9-8574-464D-9B5C-9FA1766968D6}"/>
+                  </a:ext>
+                </a:extLst>
+              </p:cNvPr>
+              <p:cNvCxnSpPr/>
+              <p:nvPr/>
+            </p:nvCxnSpPr>
+            <p:spPr>
+              <a:xfrm flipH="1">
+                <a:off x="9661395" y="131588"/>
+                <a:ext cx="70773" cy="76200"/>
+              </a:xfrm>
+              <a:prstGeom prst="line">
+                <a:avLst/>
+              </a:prstGeom>
+              <a:ln w="12700">
+                <a:solidFill>
+                  <a:srgbClr val="FFFFFF"/>
+                </a:solidFill>
+              </a:ln>
+            </p:spPr>
+            <p:style>
+              <a:lnRef idx="1">
+                <a:srgbClr val="4F81BD"/>
+              </a:lnRef>
+              <a:fillRef idx="0">
+                <a:srgbClr val="4F81BD"/>
+              </a:fillRef>
+              <a:effectRef idx="0">
+                <a:srgbClr val="4F81BD"/>
+              </a:effectRef>
+              <a:fontRef idx="minor">
+                <a:srgbClr val="000000"/>
+              </a:fontRef>
+            </p:style>
+          </p:cxnSp>
+          <p:sp>
+            <p:nvSpPr>
+              <p:cNvPr id="11" name="Line">
+                <a:extLst>
+                  <a:ext uri="{FF2B5EF4-FFF2-40B4-BE49-F238E27FC236}">
+                    <a16:creationId xmlns:a16="http://schemas.microsoft.com/office/drawing/2014/main" id="{25E0E5BB-FA99-4A47-9550-6685B40B8791}"/>
+                  </a:ext>
+                </a:extLst>
+              </p:cNvPr>
+              <p:cNvSpPr/>
+              <p:nvPr/>
+            </p:nvSpPr>
+            <p:spPr>
+              <a:xfrm rot="10800000" flipV="1">
+                <a:off x="9499472" y="143255"/>
+                <a:ext cx="91440" cy="9144"/>
+              </a:xfrm>
+              <a:prstGeom prst="rect">
+                <a:avLst/>
+              </a:prstGeom>
+              <a:solidFill>
+                <a:srgbClr val="919191"/>
+              </a:solidFill>
+              <a:ln w="3175">
+                <a:solidFill>
+                  <a:srgbClr val="FFFFFF"/>
+                </a:solidFill>
+              </a:ln>
+            </p:spPr>
+            <p:style>
+              <a:lnRef idx="2">
+                <a:srgbClr val="4F81BD">
+                  <a:shade val="50000"/>
+                </a:srgbClr>
+              </a:lnRef>
+              <a:fillRef idx="1001">
+                <a:srgbClr val="000000"/>
+              </a:fillRef>
+              <a:effectRef idx="0">
+                <a:srgbClr val="4F81BD"/>
+              </a:effectRef>
+              <a:fontRef idx="minor">
+                <a:srgbClr val="000000"/>
+              </a:fontRef>
+            </p:style>
+            <p:txBody>
+              <a:bodyPr rtlCol="0" anchor="ctr"/>
+              <a:lstStyle/>
+              <a:p>
+                <a:pPr algn="ctr"/>
+                <a:endParaRPr lang="en-US" dirty="0">
+                  <a:solidFill>
+                    <a:prstClr val="white"/>
+                  </a:solidFill>
+                </a:endParaRPr>
+              </a:p>
+            </p:txBody>
+          </p:sp>
+          <p:sp>
+            <p:nvSpPr>
+              <p:cNvPr id="12" name="Line">
+                <a:extLst>
+                  <a:ext uri="{FF2B5EF4-FFF2-40B4-BE49-F238E27FC236}">
+                    <a16:creationId xmlns:a16="http://schemas.microsoft.com/office/drawing/2014/main" id="{A1B02160-A007-47A5-9866-6E78C67E9853}"/>
+                  </a:ext>
+                </a:extLst>
+              </p:cNvPr>
+              <p:cNvSpPr/>
+              <p:nvPr/>
+            </p:nvSpPr>
+            <p:spPr>
+              <a:xfrm rot="10800000" flipV="1">
+                <a:off x="9498658" y="135261"/>
+                <a:ext cx="91440" cy="72527"/>
+              </a:xfrm>
+              <a:prstGeom prst="rect">
+                <a:avLst/>
+              </a:prstGeom>
+              <a:noFill/>
+              <a:ln w="12700">
+                <a:solidFill>
+                  <a:srgbClr val="FFFFFF"/>
+                </a:solidFill>
+              </a:ln>
+            </p:spPr>
+            <p:style>
+              <a:lnRef idx="2">
+                <a:srgbClr val="4F81BD">
+                  <a:shade val="50000"/>
+                </a:srgbClr>
+              </a:lnRef>
+              <a:fillRef idx="1001">
+                <a:srgbClr val="000000"/>
+              </a:fillRef>
+              <a:effectRef idx="0">
+                <a:srgbClr val="4F81BD"/>
+              </a:effectRef>
+              <a:fontRef idx="minor">
+                <a:srgbClr val="000000"/>
+              </a:fontRef>
+            </p:style>
+            <p:txBody>
+              <a:bodyPr rtlCol="0" anchor="ctr"/>
+              <a:lstStyle/>
+              <a:p>
+                <a:pPr algn="ctr"/>
+                <a:endParaRPr lang="en-US" dirty="0">
+                  <a:solidFill>
+                    <a:prstClr val="white"/>
+                  </a:solidFill>
+                </a:endParaRPr>
+              </a:p>
+            </p:txBody>
+          </p:sp>
+          <p:sp>
+            <p:nvSpPr>
+              <p:cNvPr id="13" name="Line">
+                <a:extLst>
+                  <a:ext uri="{FF2B5EF4-FFF2-40B4-BE49-F238E27FC236}">
+                    <a16:creationId xmlns:a16="http://schemas.microsoft.com/office/drawing/2014/main" id="{242673CD-4AB7-4C90-BF97-43781B2B12E2}"/>
+                  </a:ext>
+                </a:extLst>
+              </p:cNvPr>
+              <p:cNvSpPr/>
+              <p:nvPr/>
+            </p:nvSpPr>
+            <p:spPr>
+              <a:xfrm rot="10800000" flipV="1">
+                <a:off x="9347642" y="200476"/>
+                <a:ext cx="91440" cy="9144"/>
+              </a:xfrm>
+              <a:prstGeom prst="rect">
+                <a:avLst/>
+              </a:prstGeom>
+              <a:solidFill>
+                <a:srgbClr val="919191"/>
+              </a:solidFill>
+              <a:ln w="3175">
+                <a:solidFill>
+                  <a:srgbClr val="FFFFFF"/>
+                </a:solidFill>
+              </a:ln>
+            </p:spPr>
+            <p:style>
+              <a:lnRef idx="2">
+                <a:srgbClr val="4F81BD">
+                  <a:shade val="50000"/>
+                </a:srgbClr>
+              </a:lnRef>
+              <a:fillRef idx="1001">
+                <a:srgbClr val="000000"/>
+              </a:fillRef>
+              <a:effectRef idx="0">
+                <a:srgbClr val="4F81BD"/>
+              </a:effectRef>
+              <a:fontRef idx="minor">
+                <a:srgbClr val="000000"/>
+              </a:fontRef>
+            </p:style>
+            <p:txBody>
+              <a:bodyPr rtlCol="0" anchor="ctr"/>
+              <a:lstStyle/>
+              <a:p>
+                <a:pPr algn="ctr"/>
+                <a:endParaRPr lang="en-US" dirty="0">
+                  <a:solidFill>
+                    <a:prstClr val="white"/>
+                  </a:solidFill>
+                </a:endParaRPr>
+              </a:p>
+            </p:txBody>
+          </p:sp>
+        </p:grpSp>
+        <p:sp>
+          <p:nvSpPr>
+            <p:cNvPr id="8" name="Oval 7">
+              <a:extLst>
+                <a:ext uri="{FF2B5EF4-FFF2-40B4-BE49-F238E27FC236}">
+                  <a16:creationId xmlns:a16="http://schemas.microsoft.com/office/drawing/2014/main" id="{8EAAF468-16D5-4097-9AFB-F08743CC73A9}"/>
+                </a:ext>
+              </a:extLst>
+            </p:cNvPr>
+            <p:cNvSpPr/>
+            <p:nvPr/>
+          </p:nvSpPr>
+          <p:spPr>
+            <a:xfrm>
+              <a:off x="83477" y="80065"/>
+              <a:ext cx="145536" cy="150875"/>
+            </a:xfrm>
+            <a:prstGeom prst="ellipse">
+              <a:avLst/>
+            </a:prstGeom>
+            <a:gradFill flip="none" rotWithShape="1">
+              <a:gsLst>
+                <a:gs pos="91000">
+                  <a:srgbClr val="FFFFFF">
+                    <a:lumMod val="85000"/>
+                  </a:srgbClr>
+                </a:gs>
+                <a:gs pos="36000">
+                  <a:srgbClr val="FFFFFF">
+                    <a:lumMod val="95000"/>
+                  </a:srgbClr>
+                </a:gs>
+                <a:gs pos="100000">
+                  <a:srgbClr val="FFFFFF">
+                    <a:lumMod val="95000"/>
+                  </a:srgbClr>
+                </a:gs>
+              </a:gsLst>
+              <a:lin ang="5400000" scaled="0"/>
+              <a:tileRect/>
+            </a:gradFill>
+            <a:ln w="3175">
+              <a:solidFill>
+                <a:srgbClr val="000000">
+                  <a:lumMod val="50000"/>
+                  <a:lumOff val="50000"/>
+                </a:srgbClr>
+              </a:solidFill>
+            </a:ln>
+            <a:effectLst/>
+          </p:spPr>
+          <p:style>
+            <a:lnRef idx="2">
+              <a:srgbClr val="4F81BD">
+                <a:shade val="50000"/>
+              </a:srgbClr>
+            </a:lnRef>
+            <a:fillRef idx="1">
+              <a:srgbClr val="4F81BD"/>
+            </a:fillRef>
+            <a:effectRef idx="0">
+              <a:srgbClr val="4F81BD"/>
+            </a:effectRef>
+            <a:fontRef idx="minor">
+              <a:srgbClr val="000000"/>
+            </a:fontRef>
+          </p:style>
+          <p:txBody>
+            <a:bodyPr lIns="97531" tIns="48766" rIns="97531" bIns="48766" rtlCol="0" anchor="ctr"/>
+            <a:lstStyle/>
+            <a:p>
+              <a:pPr algn="ctr"/>
+              <a:endParaRPr lang="en-US">
+                <a:solidFill>
+                  <a:prstClr val="white"/>
+                </a:solidFill>
+              </a:endParaRPr>
+            </a:p>
+          </p:txBody>
+        </p:sp>
+      </p:grpSp>
+      <p:sp>
+        <p:nvSpPr>
+          <p:cNvPr id="54" name="Content">
+            <a:extLst>
+              <a:ext uri="{FF2B5EF4-FFF2-40B4-BE49-F238E27FC236}">
+                <a16:creationId xmlns:a16="http://schemas.microsoft.com/office/drawing/2014/main" id="{2A15BC3B-D6DC-41A3-9FE1-0B0DA0132B8D}"/>
+              </a:ext>
+            </a:extLst>
+          </p:cNvPr>
+          <p:cNvSpPr/>
+          <p:nvPr>
+            <p:custDataLst>
+              <p:custData r:id="rId2"/>
+            </p:custDataLst>
+          </p:nvPr>
         </p:nvSpPr>
         <p:spPr>
           <a:xfrm>
-            <a:off x="787234" y="2233944"/>
-            <a:ext cx="10105053" cy="1200329"/>
+            <a:off x="2880730" y="1985457"/>
+            <a:ext cx="4516845" cy="228600"/>
           </a:xfrm>
           <a:prstGeom prst="rect">
             <a:avLst/>
           </a:prstGeom>
-          <a:noFill/>
+          <a:solidFill>
+            <a:srgbClr val="FFFFFF">
+              <a:lumMod val="95000"/>
+            </a:srgbClr>
+          </a:solidFill>
+          <a:ln w="3175" cap="flat" cmpd="sng" algn="ctr">
+            <a:solidFill>
+              <a:srgbClr val="FFFFFF">
+                <a:lumMod val="50000"/>
+              </a:srgbClr>
+            </a:solidFill>
+            <a:prstDash val="solid"/>
+          </a:ln>
+          <a:effectLst/>
         </p:spPr>
         <p:txBody>
-          <a:bodyPr wrap="square" rtlCol="0">
-            <a:spAutoFit/>
+          <a:bodyPr rot="0" spcFirstLastPara="0" vertOverflow="overflow" horzOverflow="overflow" vert="horz" wrap="square" lIns="45720" tIns="45720" rIns="91440" bIns="45720" numCol="1" spcCol="0" rtlCol="0" fromWordArt="0" anchor="ctr" anchorCtr="0" forceAA="0" compatLnSpc="1">
+            <a:prstTxWarp prst="textNoShape">
+              <a:avLst/>
+            </a:prstTxWarp>
+            <a:noAutofit/>
           </a:bodyPr>
           <a:lstStyle/>
           <a:p>
-            <a:pPr algn="ctr"/>
-            <a:r>
-              <a:rPr lang="en-US" sz="7200" cap="all" dirty="0">
-                <a:blipFill>
-                  <a:blip r:embed="rId3">
-                    <a:extLst>
-                      <a:ext uri="{28A0092B-C50C-407E-A947-70E740481C1C}">
-                        <a14:useLocalDpi xmlns:a14="http://schemas.microsoft.com/office/drawing/2010/main" val="0"/>
-                      </a:ext>
-                    </a:extLst>
-                  </a:blip>
-                  <a:tile tx="6350" ty="-127000" sx="65000" sy="64000" flip="none" algn="tl"/>
-                </a:blipFill>
-                <a:latin typeface="+mj-lt"/>
-                <a:ea typeface="+mj-ea"/>
-                <a:cs typeface="+mj-cs"/>
+            <a:pPr marL="0" marR="0" indent="0" defTabSz="914400" eaLnBrk="1" fontAlgn="auto" latinLnBrk="0" hangingPunct="1">
+              <a:lnSpc>
+                <a:spcPct val="100000"/>
+              </a:lnSpc>
+              <a:spcBef>
+                <a:spcPts val="0"/>
+              </a:spcBef>
+              <a:spcAft>
+                <a:spcPts val="0"/>
+              </a:spcAft>
+              <a:buClrTx/>
+              <a:buSzTx/>
+              <a:buFontTx/>
+              <a:buNone/>
+              <a:tabLst/>
+            </a:pPr>
+            <a:r>
+              <a:rPr kumimoji="0" lang="en-US" sz="1200" b="0" i="0" u="none" strike="noStrike" kern="0" cap="none" spc="0" normalizeH="0" baseline="0" noProof="0" dirty="0">
+                <a:ln>
+                  <a:noFill/>
+                </a:ln>
+                <a:solidFill>
+                  <a:srgbClr val="000000">
+                    <a:lumMod val="75000"/>
+                    <a:lumOff val="25000"/>
+                  </a:srgbClr>
+                </a:solidFill>
+                <a:effectLst/>
+                <a:uLnTx/>
+                <a:uFillTx/>
+                <a:latin typeface="Segoe UI"/>
+                <a:ea typeface="+mn-ea"/>
+                <a:cs typeface="+mn-cs"/>
               </a:rPr>
-              <a:t>Phase 1 – Demo </a:t>
-            </a:r>
+              <a:t>  </a:t>
+            </a:r>
+            <a:r>
+              <a:rPr kumimoji="0" lang="he-IL" sz="1200" b="0" i="0" u="none" strike="noStrike" kern="0" cap="none" spc="0" normalizeH="0" baseline="0" noProof="0" dirty="0">
+                <a:ln>
+                  <a:noFill/>
+                </a:ln>
+                <a:solidFill>
+                  <a:srgbClr val="000000">
+                    <a:lumMod val="75000"/>
+                    <a:lumOff val="25000"/>
+                  </a:srgbClr>
+                </a:solidFill>
+                <a:effectLst/>
+                <a:uLnTx/>
+                <a:uFillTx/>
+                <a:latin typeface="Segoe UI"/>
+                <a:ea typeface="+mn-ea"/>
+                <a:cs typeface="+mn-cs"/>
+              </a:rPr>
+              <a:t>     </a:t>
+            </a:r>
+            <a:r>
+              <a:rPr kumimoji="0" lang="en-US" sz="1200" b="0" i="0" u="none" strike="noStrike" kern="0" cap="none" spc="0" normalizeH="0" baseline="0" noProof="0" dirty="0">
+                <a:ln>
+                  <a:noFill/>
+                </a:ln>
+                <a:solidFill>
+                  <a:srgbClr val="000000">
+                    <a:lumMod val="75000"/>
+                    <a:lumOff val="25000"/>
+                  </a:srgbClr>
+                </a:solidFill>
+                <a:effectLst/>
+                <a:uLnTx/>
+                <a:uFillTx/>
+                <a:latin typeface="Segoe UI"/>
+                <a:ea typeface="+mn-ea"/>
+                <a:cs typeface="+mn-cs"/>
+              </a:rPr>
+              <a:t>File</a:t>
+            </a:r>
+            <a:r>
+              <a:rPr kumimoji="0" lang="en-US" sz="1200" b="0" i="0" u="none" strike="noStrike" kern="0" cap="none" spc="0" normalizeH="0" noProof="0" dirty="0">
+                <a:ln>
+                  <a:noFill/>
+                </a:ln>
+                <a:solidFill>
+                  <a:srgbClr val="000000">
+                    <a:lumMod val="75000"/>
+                    <a:lumOff val="25000"/>
+                  </a:srgbClr>
+                </a:solidFill>
+                <a:effectLst/>
+                <a:uLnTx/>
+                <a:uFillTx/>
+                <a:latin typeface="Segoe UI"/>
+                <a:ea typeface="+mn-ea"/>
+                <a:cs typeface="+mn-cs"/>
+              </a:rPr>
+              <a:t>     </a:t>
+            </a:r>
+            <a:r>
+              <a:rPr kumimoji="0" lang="he-IL" sz="1200" b="0" i="0" u="none" strike="noStrike" kern="0" cap="none" spc="0" normalizeH="0" noProof="0" dirty="0">
+                <a:ln>
+                  <a:noFill/>
+                </a:ln>
+                <a:solidFill>
+                  <a:srgbClr val="000000">
+                    <a:lumMod val="75000"/>
+                    <a:lumOff val="25000"/>
+                  </a:srgbClr>
+                </a:solidFill>
+                <a:effectLst/>
+                <a:uLnTx/>
+                <a:uFillTx/>
+                <a:latin typeface="Segoe UI"/>
+                <a:ea typeface="+mn-ea"/>
+                <a:cs typeface="+mn-cs"/>
+              </a:rPr>
+              <a:t>   </a:t>
+            </a:r>
+            <a:r>
+              <a:rPr kumimoji="0" lang="en-US" sz="1200" b="0" i="0" u="none" strike="noStrike" kern="0" cap="none" spc="0" normalizeH="0" noProof="0" dirty="0">
+                <a:ln>
+                  <a:noFill/>
+                </a:ln>
+                <a:solidFill>
+                  <a:srgbClr val="000000">
+                    <a:lumMod val="75000"/>
+                    <a:lumOff val="25000"/>
+                  </a:srgbClr>
+                </a:solidFill>
+                <a:effectLst/>
+                <a:uLnTx/>
+                <a:uFillTx/>
+                <a:latin typeface="Segoe UI"/>
+                <a:ea typeface="+mn-ea"/>
+                <a:cs typeface="+mn-cs"/>
+              </a:rPr>
+              <a:t>Help</a:t>
+            </a:r>
+            <a:endParaRPr kumimoji="0" lang="en-US" sz="1200" b="0" i="0" u="none" strike="noStrike" kern="0" cap="none" spc="0" normalizeH="0" baseline="0" noProof="0" dirty="0">
+              <a:ln>
+                <a:noFill/>
+              </a:ln>
+              <a:solidFill>
+                <a:srgbClr val="000000">
+                  <a:lumMod val="75000"/>
+                  <a:lumOff val="25000"/>
+                </a:srgbClr>
+              </a:solidFill>
+              <a:effectLst/>
+              <a:uLnTx/>
+              <a:uFillTx/>
+              <a:latin typeface="Segoe UI"/>
+              <a:ea typeface="+mn-ea"/>
+              <a:cs typeface="+mn-cs"/>
+            </a:endParaRPr>
+          </a:p>
+        </p:txBody>
+      </p:sp>
+      <p:sp>
+        <p:nvSpPr>
+          <p:cNvPr id="2" name="Title 1"/>
+          <p:cNvSpPr>
+            <a:spLocks noGrp="1"/>
+          </p:cNvSpPr>
+          <p:nvPr>
+            <p:ph type="title"/>
+          </p:nvPr>
+        </p:nvSpPr>
+        <p:spPr>
+          <a:xfrm>
+            <a:off x="1069848" y="484632"/>
+            <a:ext cx="10058400" cy="1609344"/>
+          </a:xfrm>
+        </p:spPr>
+        <p:txBody>
+          <a:bodyPr/>
+          <a:lstStyle/>
+          <a:p>
+            <a:r>
+              <a:rPr lang="en-US" dirty="0"/>
+              <a:t>UI scheme – </a:t>
+            </a:r>
+            <a:r>
+              <a:rPr lang="en-US" sz="4000" dirty="0">
+                <a:solidFill>
+                  <a:schemeClr val="accent1">
+                    <a:lumMod val="75000"/>
+                  </a:schemeClr>
+                </a:solidFill>
+              </a:rPr>
+              <a:t>MOCK (Before implementing)</a:t>
+            </a:r>
+            <a:endParaRPr lang="he-IL" dirty="0">
+              <a:solidFill>
+                <a:schemeClr val="accent1">
+                  <a:lumMod val="75000"/>
+                </a:schemeClr>
+              </a:solidFill>
+            </a:endParaRPr>
           </a:p>
         </p:txBody>
       </p:sp>
       <p:pic>
         <p:nvPicPr>
-          <p:cNvPr id="1026" name="Picture 2" descr="×ª××¦××ª ×ª××× × ×¢×××¨ âªmusic pixelâ¬â">
+          <p:cNvPr id="4" name="Picture 2" descr="×ª××¦××ª ×ª××× × ×¢×××¨ âªmusic pixelâ¬â">
             <a:extLst>
               <a:ext uri="{FF2B5EF4-FFF2-40B4-BE49-F238E27FC236}">
-                <a16:creationId xmlns:a16="http://schemas.microsoft.com/office/drawing/2014/main" id="{6E043A9D-8C6E-412B-9610-EA3C9C02E538}"/>
+                <a16:creationId xmlns:a16="http://schemas.microsoft.com/office/drawing/2014/main" id="{A4FEC63E-33DC-4978-8B13-CA2C36BCF04B}"/>
               </a:ext>
             </a:extLst>
           </p:cNvPr>
@@ -12492,7 +13264,7 @@
           <p:nvPr/>
         </p:nvPicPr>
         <p:blipFill>
-          <a:blip r:embed="rId4" cstate="hqprint">
+          <a:blip r:embed="rId5" cstate="hqprint">
             <a:extLst>
               <a:ext uri="{28A0092B-C50C-407E-A947-70E740481C1C}">
                 <a14:useLocalDpi xmlns:a14="http://schemas.microsoft.com/office/drawing/2010/main" val="0"/>
@@ -12506,8 +13278,206 @@
         </p:blipFill>
         <p:spPr bwMode="auto">
           <a:xfrm>
-            <a:off x="0" y="3938271"/>
-            <a:ext cx="1574469" cy="2478755"/>
+            <a:off x="11288324" y="5128341"/>
+            <a:ext cx="663044" cy="1043859"/>
+          </a:xfrm>
+          <a:prstGeom prst="rect">
+            <a:avLst/>
+          </a:prstGeom>
+          <a:noFill/>
+          <a:extLst>
+            <a:ext uri="{909E8E84-426E-40DD-AFC4-6F175D3DCCD1}">
+              <a14:hiddenFill xmlns:a14="http://schemas.microsoft.com/office/drawing/2010/main">
+                <a:solidFill>
+                  <a:srgbClr val="FFFFFF"/>
+                </a:solidFill>
+              </a14:hiddenFill>
+            </a:ext>
+          </a:extLst>
+        </p:spPr>
+      </p:pic>
+      <p:pic>
+        <p:nvPicPr>
+          <p:cNvPr id="17" name="Picture 16" descr="A sunset over a city&#10;&#10;Description generated with very high confidence">
+            <a:extLst>
+              <a:ext uri="{FF2B5EF4-FFF2-40B4-BE49-F238E27FC236}">
+                <a16:creationId xmlns:a16="http://schemas.microsoft.com/office/drawing/2014/main" id="{6ADF78D2-B28A-45AC-9F78-2D1721F052D8}"/>
+              </a:ext>
+            </a:extLst>
+          </p:cNvPr>
+          <p:cNvPicPr>
+            <a:picLocks noChangeAspect="1"/>
+          </p:cNvPicPr>
+          <p:nvPr/>
+        </p:nvPicPr>
+        <p:blipFill>
+          <a:blip r:embed="rId6">
+            <a:extLst>
+              <a:ext uri="{28A0092B-C50C-407E-A947-70E740481C1C}">
+                <a14:useLocalDpi xmlns:a14="http://schemas.microsoft.com/office/drawing/2010/main" val="0"/>
+              </a:ext>
+            </a:extLst>
+          </a:blip>
+          <a:stretch>
+            <a:fillRect/>
+          </a:stretch>
+        </p:blipFill>
+        <p:spPr>
+          <a:xfrm>
+            <a:off x="3695375" y="2700248"/>
+            <a:ext cx="2932357" cy="2196940"/>
+          </a:xfrm>
+          <a:prstGeom prst="rect">
+            <a:avLst/>
+          </a:prstGeom>
+        </p:spPr>
+      </p:pic>
+      <p:pic>
+        <p:nvPicPr>
+          <p:cNvPr id="21" name="Picture 20" descr="A screen shot of a computer&#10;&#10;Description generated with high confidence">
+            <a:extLst>
+              <a:ext uri="{FF2B5EF4-FFF2-40B4-BE49-F238E27FC236}">
+                <a16:creationId xmlns:a16="http://schemas.microsoft.com/office/drawing/2014/main" id="{E45EE274-2CE8-42ED-A2CA-918D36949E9D}"/>
+              </a:ext>
+            </a:extLst>
+          </p:cNvPr>
+          <p:cNvPicPr>
+            <a:picLocks noChangeAspect="1"/>
+          </p:cNvPicPr>
+          <p:nvPr/>
+        </p:nvPicPr>
+        <p:blipFill>
+          <a:blip r:embed="rId7">
+            <a:extLst>
+              <a:ext uri="{28A0092B-C50C-407E-A947-70E740481C1C}">
+                <a14:useLocalDpi xmlns:a14="http://schemas.microsoft.com/office/drawing/2010/main" val="0"/>
+              </a:ext>
+            </a:extLst>
+          </a:blip>
+          <a:stretch>
+            <a:fillRect/>
+          </a:stretch>
+        </p:blipFill>
+        <p:spPr>
+          <a:xfrm>
+            <a:off x="6775106" y="3640669"/>
+            <a:ext cx="388575" cy="388575"/>
+          </a:xfrm>
+          <a:prstGeom prst="rect">
+            <a:avLst/>
+          </a:prstGeom>
+        </p:spPr>
+      </p:pic>
+      <p:pic>
+        <p:nvPicPr>
+          <p:cNvPr id="23" name="Picture 22" descr="A flat screen tv&#10;&#10;Description generated with high confidence">
+            <a:extLst>
+              <a:ext uri="{FF2B5EF4-FFF2-40B4-BE49-F238E27FC236}">
+                <a16:creationId xmlns:a16="http://schemas.microsoft.com/office/drawing/2014/main" id="{47DCD805-91D1-417F-89D0-17934147F239}"/>
+              </a:ext>
+            </a:extLst>
+          </p:cNvPr>
+          <p:cNvPicPr>
+            <a:picLocks noChangeAspect="1"/>
+          </p:cNvPicPr>
+          <p:nvPr/>
+        </p:nvPicPr>
+        <p:blipFill>
+          <a:blip r:embed="rId8" cstate="hqprint">
+            <a:extLst>
+              <a:ext uri="{28A0092B-C50C-407E-A947-70E740481C1C}">
+                <a14:useLocalDpi xmlns:a14="http://schemas.microsoft.com/office/drawing/2010/main" val="0"/>
+              </a:ext>
+            </a:extLst>
+          </a:blip>
+          <a:stretch>
+            <a:fillRect/>
+          </a:stretch>
+        </p:blipFill>
+        <p:spPr>
+          <a:xfrm>
+            <a:off x="3127928" y="3587890"/>
+            <a:ext cx="388575" cy="388575"/>
+          </a:xfrm>
+          <a:prstGeom prst="rect">
+            <a:avLst/>
+          </a:prstGeom>
+        </p:spPr>
+      </p:pic>
+      <p:pic>
+        <p:nvPicPr>
+          <p:cNvPr id="1026" name="Picture 2" descr="×ª××× × ×§×©××¨×">
+            <a:extLst>
+              <a:ext uri="{FF2B5EF4-FFF2-40B4-BE49-F238E27FC236}">
+                <a16:creationId xmlns:a16="http://schemas.microsoft.com/office/drawing/2014/main" id="{9E1628A4-69DE-4023-B51A-1C68426839BA}"/>
+              </a:ext>
+            </a:extLst>
+          </p:cNvPr>
+          <p:cNvPicPr>
+            <a:picLocks noChangeAspect="1" noChangeArrowheads="1"/>
+          </p:cNvPicPr>
+          <p:nvPr/>
+        </p:nvPicPr>
+        <p:blipFill rotWithShape="1">
+          <a:blip r:embed="rId9">
+            <a:extLst>
+              <a:ext uri="{28A0092B-C50C-407E-A947-70E740481C1C}">
+                <a14:useLocalDpi xmlns:a14="http://schemas.microsoft.com/office/drawing/2010/main" val="0"/>
+              </a:ext>
+            </a:extLst>
+          </a:blip>
+          <a:srcRect l="50237" r="25299"/>
+          <a:stretch/>
+        </p:blipFill>
+        <p:spPr bwMode="auto">
+          <a:xfrm>
+            <a:off x="4268272" y="5100323"/>
+            <a:ext cx="816788" cy="890328"/>
+          </a:xfrm>
+          <a:prstGeom prst="rect">
+            <a:avLst/>
+          </a:prstGeom>
+          <a:noFill/>
+          <a:extLst>
+            <a:ext uri="{909E8E84-426E-40DD-AFC4-6F175D3DCCD1}">
+              <a14:hiddenFill xmlns:a14="http://schemas.microsoft.com/office/drawing/2010/main">
+                <a:solidFill>
+                  <a:srgbClr val="FFFFFF"/>
+                </a:solidFill>
+              </a14:hiddenFill>
+            </a:ext>
+          </a:extLst>
+        </p:spPr>
+      </p:pic>
+      <p:pic>
+        <p:nvPicPr>
+          <p:cNvPr id="44" name="Picture 2" descr="×ª××× × ×§×©××¨×">
+            <a:extLst>
+              <a:ext uri="{FF2B5EF4-FFF2-40B4-BE49-F238E27FC236}">
+                <a16:creationId xmlns:a16="http://schemas.microsoft.com/office/drawing/2014/main" id="{59CFEFA1-0B67-407B-94E3-670BF2A8449E}"/>
+              </a:ext>
+            </a:extLst>
+          </p:cNvPr>
+          <p:cNvPicPr>
+            <a:picLocks noChangeAspect="1" noChangeArrowheads="1"/>
+          </p:cNvPicPr>
+          <p:nvPr/>
+        </p:nvPicPr>
+        <p:blipFill rotWithShape="1">
+          <a:blip r:embed="rId9">
+            <a:extLst>
+              <a:ext uri="{28A0092B-C50C-407E-A947-70E740481C1C}">
+                <a14:useLocalDpi xmlns:a14="http://schemas.microsoft.com/office/drawing/2010/main" val="0"/>
+              </a:ext>
+            </a:extLst>
+          </a:blip>
+          <a:srcRect l="74897"/>
+          <a:stretch/>
+        </p:blipFill>
+        <p:spPr bwMode="auto">
+          <a:xfrm>
+            <a:off x="5245124" y="5100323"/>
+            <a:ext cx="838109" cy="890328"/>
           </a:xfrm>
           <a:prstGeom prst="rect">
             <a:avLst/>
@@ -12527,7 +13497,7 @@
     </p:spTree>
     <p:extLst>
       <p:ext uri="{BB962C8B-B14F-4D97-AF65-F5344CB8AC3E}">
-        <p14:creationId xmlns:p14="http://schemas.microsoft.com/office/powerpoint/2010/main" val="2339164771"/>
+        <p14:creationId xmlns:p14="http://schemas.microsoft.com/office/powerpoint/2010/main" val="1547644432"/>
       </p:ext>
     </p:extLst>
   </p:cSld>
@@ -13613,7 +14583,7 @@
     </p:spTree>
     <p:extLst>
       <p:ext uri="{BB962C8B-B14F-4D97-AF65-F5344CB8AC3E}">
-        <p14:creationId xmlns:p14="http://schemas.microsoft.com/office/powerpoint/2010/main" val="1547644432"/>
+        <p14:creationId xmlns:p14="http://schemas.microsoft.com/office/powerpoint/2010/main" val="1778048316"/>
       </p:ext>
     </p:extLst>
   </p:cSld>
@@ -14466,7 +15436,7 @@
           <p:nvPr/>
         </p:nvPicPr>
         <p:blipFill>
-          <a:blip r:embed="rId5" cstate="hqprint">
+          <a:blip r:embed="rId6" cstate="hqprint">
             <a:extLst>
               <a:ext uri="{28A0092B-C50C-407E-A947-70E740481C1C}">
                 <a14:useLocalDpi xmlns:a14="http://schemas.microsoft.com/office/drawing/2010/main" val="0"/>
@@ -14513,7 +15483,7 @@
           <p:nvPr/>
         </p:nvPicPr>
         <p:blipFill>
-          <a:blip r:embed="rId6">
+          <a:blip r:embed="rId7">
             <a:extLst>
               <a:ext uri="{28A0092B-C50C-407E-A947-70E740481C1C}">
                 <a14:useLocalDpi xmlns:a14="http://schemas.microsoft.com/office/drawing/2010/main" val="0"/>
@@ -14549,7 +15519,7 @@
           <p:nvPr/>
         </p:nvPicPr>
         <p:blipFill>
-          <a:blip r:embed="rId7">
+          <a:blip r:embed="rId8">
             <a:extLst>
               <a:ext uri="{28A0092B-C50C-407E-A947-70E740481C1C}">
                 <a14:useLocalDpi xmlns:a14="http://schemas.microsoft.com/office/drawing/2010/main" val="0"/>
@@ -14585,7 +15555,7 @@
           <p:nvPr/>
         </p:nvPicPr>
         <p:blipFill>
-          <a:blip r:embed="rId8" cstate="hqprint">
+          <a:blip r:embed="rId9" cstate="hqprint">
             <a:extLst>
               <a:ext uri="{28A0092B-C50C-407E-A947-70E740481C1C}">
                 <a14:useLocalDpi xmlns:a14="http://schemas.microsoft.com/office/drawing/2010/main" val="0"/>
@@ -14621,7 +15591,7 @@
           <p:nvPr/>
         </p:nvPicPr>
         <p:blipFill rotWithShape="1">
-          <a:blip r:embed="rId9">
+          <a:blip r:embed="rId10">
             <a:extLst>
               <a:ext uri="{28A0092B-C50C-407E-A947-70E740481C1C}">
                 <a14:useLocalDpi xmlns:a14="http://schemas.microsoft.com/office/drawing/2010/main" val="0"/>
@@ -14666,7 +15636,7 @@
           <p:nvPr/>
         </p:nvPicPr>
         <p:blipFill rotWithShape="1">
-          <a:blip r:embed="rId9">
+          <a:blip r:embed="rId10">
             <a:extLst>
               <a:ext uri="{28A0092B-C50C-407E-A947-70E740481C1C}">
                 <a14:useLocalDpi xmlns:a14="http://schemas.microsoft.com/office/drawing/2010/main" val="0"/>
@@ -14696,10 +15666,223 @@
           </a:extLst>
         </p:spPr>
       </p:pic>
+      <p:sp>
+        <p:nvSpPr>
+          <p:cNvPr id="22" name="MousePointer">
+            <a:extLst>
+              <a:ext uri="{FF2B5EF4-FFF2-40B4-BE49-F238E27FC236}">
+                <a16:creationId xmlns:a16="http://schemas.microsoft.com/office/drawing/2014/main" id="{D257A4DE-9690-4D92-99C3-F10391B5F671}"/>
+              </a:ext>
+            </a:extLst>
+          </p:cNvPr>
+          <p:cNvSpPr/>
+          <p:nvPr>
+            <p:custDataLst>
+              <p:custData r:id="rId3"/>
+            </p:custDataLst>
+          </p:nvPr>
+        </p:nvSpPr>
+        <p:spPr>
+          <a:xfrm rot="20359169">
+            <a:off x="5474254" y="3129907"/>
+            <a:ext cx="151053" cy="247694"/>
+          </a:xfrm>
+          <a:custGeom>
+            <a:avLst/>
+            <a:gdLst>
+              <a:gd name="connsiteX0" fmla="*/ 0 w 592890"/>
+              <a:gd name="connsiteY0" fmla="*/ 806746 h 997971"/>
+              <a:gd name="connsiteX1" fmla="*/ 296445 w 592890"/>
+              <a:gd name="connsiteY1" fmla="*/ 0 h 997971"/>
+              <a:gd name="connsiteX2" fmla="*/ 592890 w 592890"/>
+              <a:gd name="connsiteY2" fmla="*/ 806746 h 997971"/>
+              <a:gd name="connsiteX3" fmla="*/ 386188 w 592890"/>
+              <a:gd name="connsiteY3" fmla="*/ 806746 h 997971"/>
+              <a:gd name="connsiteX4" fmla="*/ 386188 w 592890"/>
+              <a:gd name="connsiteY4" fmla="*/ 997971 h 997971"/>
+              <a:gd name="connsiteX5" fmla="*/ 206702 w 592890"/>
+              <a:gd name="connsiteY5" fmla="*/ 997971 h 997971"/>
+              <a:gd name="connsiteX6" fmla="*/ 206702 w 592890"/>
+              <a:gd name="connsiteY6" fmla="*/ 806746 h 997971"/>
+              <a:gd name="connsiteX7" fmla="*/ 0 w 592890"/>
+              <a:gd name="connsiteY7" fmla="*/ 806746 h 997971"/>
+              <a:gd name="connsiteX0" fmla="*/ 0 w 592890"/>
+              <a:gd name="connsiteY0" fmla="*/ 806746 h 997971"/>
+              <a:gd name="connsiteX1" fmla="*/ 296445 w 592890"/>
+              <a:gd name="connsiteY1" fmla="*/ 0 h 997971"/>
+              <a:gd name="connsiteX2" fmla="*/ 592890 w 592890"/>
+              <a:gd name="connsiteY2" fmla="*/ 806746 h 997971"/>
+              <a:gd name="connsiteX3" fmla="*/ 386188 w 592890"/>
+              <a:gd name="connsiteY3" fmla="*/ 766438 h 997971"/>
+              <a:gd name="connsiteX4" fmla="*/ 386188 w 592890"/>
+              <a:gd name="connsiteY4" fmla="*/ 997971 h 997971"/>
+              <a:gd name="connsiteX5" fmla="*/ 206702 w 592890"/>
+              <a:gd name="connsiteY5" fmla="*/ 997971 h 997971"/>
+              <a:gd name="connsiteX6" fmla="*/ 206702 w 592890"/>
+              <a:gd name="connsiteY6" fmla="*/ 806746 h 997971"/>
+              <a:gd name="connsiteX7" fmla="*/ 0 w 592890"/>
+              <a:gd name="connsiteY7" fmla="*/ 806746 h 997971"/>
+              <a:gd name="connsiteX0" fmla="*/ 0 w 592890"/>
+              <a:gd name="connsiteY0" fmla="*/ 806746 h 997971"/>
+              <a:gd name="connsiteX1" fmla="*/ 296445 w 592890"/>
+              <a:gd name="connsiteY1" fmla="*/ 0 h 997971"/>
+              <a:gd name="connsiteX2" fmla="*/ 592890 w 592890"/>
+              <a:gd name="connsiteY2" fmla="*/ 806746 h 997971"/>
+              <a:gd name="connsiteX3" fmla="*/ 386188 w 592890"/>
+              <a:gd name="connsiteY3" fmla="*/ 766438 h 997971"/>
+              <a:gd name="connsiteX4" fmla="*/ 386188 w 592890"/>
+              <a:gd name="connsiteY4" fmla="*/ 997971 h 997971"/>
+              <a:gd name="connsiteX5" fmla="*/ 206702 w 592890"/>
+              <a:gd name="connsiteY5" fmla="*/ 997971 h 997971"/>
+              <a:gd name="connsiteX6" fmla="*/ 206702 w 592890"/>
+              <a:gd name="connsiteY6" fmla="*/ 764057 h 997971"/>
+              <a:gd name="connsiteX7" fmla="*/ 0 w 592890"/>
+              <a:gd name="connsiteY7" fmla="*/ 806746 h 997971"/>
+              <a:gd name="connsiteX0" fmla="*/ 0 w 592890"/>
+              <a:gd name="connsiteY0" fmla="*/ 806746 h 997971"/>
+              <a:gd name="connsiteX1" fmla="*/ 296445 w 592890"/>
+              <a:gd name="connsiteY1" fmla="*/ 0 h 997971"/>
+              <a:gd name="connsiteX2" fmla="*/ 592890 w 592890"/>
+              <a:gd name="connsiteY2" fmla="*/ 806746 h 997971"/>
+              <a:gd name="connsiteX3" fmla="*/ 386188 w 592890"/>
+              <a:gd name="connsiteY3" fmla="*/ 766438 h 997971"/>
+              <a:gd name="connsiteX4" fmla="*/ 386188 w 592890"/>
+              <a:gd name="connsiteY4" fmla="*/ 997971 h 997971"/>
+              <a:gd name="connsiteX5" fmla="*/ 206702 w 592890"/>
+              <a:gd name="connsiteY5" fmla="*/ 997971 h 997971"/>
+              <a:gd name="connsiteX6" fmla="*/ 206702 w 592890"/>
+              <a:gd name="connsiteY6" fmla="*/ 735333 h 997971"/>
+              <a:gd name="connsiteX7" fmla="*/ 0 w 592890"/>
+              <a:gd name="connsiteY7" fmla="*/ 806746 h 997971"/>
+              <a:gd name="connsiteX0" fmla="*/ 0 w 592890"/>
+              <a:gd name="connsiteY0" fmla="*/ 806746 h 997971"/>
+              <a:gd name="connsiteX1" fmla="*/ 296445 w 592890"/>
+              <a:gd name="connsiteY1" fmla="*/ 0 h 997971"/>
+              <a:gd name="connsiteX2" fmla="*/ 592890 w 592890"/>
+              <a:gd name="connsiteY2" fmla="*/ 806746 h 997971"/>
+              <a:gd name="connsiteX3" fmla="*/ 386188 w 592890"/>
+              <a:gd name="connsiteY3" fmla="*/ 730570 h 997971"/>
+              <a:gd name="connsiteX4" fmla="*/ 386188 w 592890"/>
+              <a:gd name="connsiteY4" fmla="*/ 997971 h 997971"/>
+              <a:gd name="connsiteX5" fmla="*/ 206702 w 592890"/>
+              <a:gd name="connsiteY5" fmla="*/ 997971 h 997971"/>
+              <a:gd name="connsiteX6" fmla="*/ 206702 w 592890"/>
+              <a:gd name="connsiteY6" fmla="*/ 735333 h 997971"/>
+              <a:gd name="connsiteX7" fmla="*/ 0 w 592890"/>
+              <a:gd name="connsiteY7" fmla="*/ 806746 h 997971"/>
+            </a:gdLst>
+            <a:ahLst/>
+            <a:cxnLst>
+              <a:cxn ang="0">
+                <a:pos x="connsiteX0" y="connsiteY0"/>
+              </a:cxn>
+              <a:cxn ang="0">
+                <a:pos x="connsiteX1" y="connsiteY1"/>
+              </a:cxn>
+              <a:cxn ang="0">
+                <a:pos x="connsiteX2" y="connsiteY2"/>
+              </a:cxn>
+              <a:cxn ang="0">
+                <a:pos x="connsiteX3" y="connsiteY3"/>
+              </a:cxn>
+              <a:cxn ang="0">
+                <a:pos x="connsiteX4" y="connsiteY4"/>
+              </a:cxn>
+              <a:cxn ang="0">
+                <a:pos x="connsiteX5" y="connsiteY5"/>
+              </a:cxn>
+              <a:cxn ang="0">
+                <a:pos x="connsiteX6" y="connsiteY6"/>
+              </a:cxn>
+              <a:cxn ang="0">
+                <a:pos x="connsiteX7" y="connsiteY7"/>
+              </a:cxn>
+            </a:cxnLst>
+            <a:rect l="l" t="t" r="r" b="b"/>
+            <a:pathLst>
+              <a:path w="592890" h="997971">
+                <a:moveTo>
+                  <a:pt x="0" y="806746"/>
+                </a:moveTo>
+                <a:lnTo>
+                  <a:pt x="296445" y="0"/>
+                </a:lnTo>
+                <a:lnTo>
+                  <a:pt x="592890" y="806746"/>
+                </a:lnTo>
+                <a:lnTo>
+                  <a:pt x="386188" y="730570"/>
+                </a:lnTo>
+                <a:lnTo>
+                  <a:pt x="386188" y="997971"/>
+                </a:lnTo>
+                <a:lnTo>
+                  <a:pt x="206702" y="997971"/>
+                </a:lnTo>
+                <a:lnTo>
+                  <a:pt x="206702" y="735333"/>
+                </a:lnTo>
+                <a:lnTo>
+                  <a:pt x="0" y="806746"/>
+                </a:lnTo>
+                <a:close/>
+              </a:path>
+            </a:pathLst>
+          </a:custGeom>
+          <a:solidFill>
+            <a:srgbClr val="FFFFFF"/>
+          </a:solidFill>
+          <a:ln w="3175">
+            <a:solidFill>
+              <a:srgbClr val="000000">
+                <a:lumMod val="85000"/>
+                <a:lumOff val="15000"/>
+              </a:srgbClr>
+            </a:solidFill>
+          </a:ln>
+          <a:effectLst>
+            <a:glow rad="139700">
+              <a:srgbClr val="F79646">
+                <a:satMod val="175000"/>
+                <a:alpha val="40000"/>
+              </a:srgbClr>
+            </a:glow>
+            <a:outerShdw blurRad="25400" dist="25400" dir="2040000" algn="tl" rotWithShape="0">
+              <a:prstClr val="black">
+                <a:alpha val="20000"/>
+              </a:prstClr>
+            </a:outerShdw>
+          </a:effectLst>
+        </p:spPr>
+        <p:style>
+          <a:lnRef idx="2">
+            <a:srgbClr val="4F81BD">
+              <a:shade val="50000"/>
+            </a:srgbClr>
+          </a:lnRef>
+          <a:fillRef idx="1">
+            <a:srgbClr val="4F81BD"/>
+          </a:fillRef>
+          <a:effectRef idx="0">
+            <a:srgbClr val="4F81BD"/>
+          </a:effectRef>
+          <a:fontRef idx="minor">
+            <a:srgbClr val="000000"/>
+          </a:fontRef>
+        </p:style>
+        <p:txBody>
+          <a:bodyPr lIns="97531" tIns="48766" rIns="97531" bIns="48766" rtlCol="0" anchor="ctr"/>
+          <a:lstStyle/>
+          <a:p>
+            <a:pPr algn="ctr"/>
+            <a:endParaRPr lang="en-US" dirty="0"/>
+          </a:p>
+        </p:txBody>
+      </p:sp>
     </p:spTree>
     <p:extLst>
       <p:ext uri="{BB962C8B-B14F-4D97-AF65-F5344CB8AC3E}">
-        <p14:creationId xmlns:p14="http://schemas.microsoft.com/office/powerpoint/2010/main" val="1778048316"/>
+        <p14:creationId xmlns:p14="http://schemas.microsoft.com/office/powerpoint/2010/main" val="3213671631"/>
       </p:ext>
     </p:extLst>
   </p:cSld>
@@ -15371,1305 +16554,6 @@
                 <a:ea typeface="+mn-ea"/>
                 <a:cs typeface="+mn-cs"/>
               </a:rPr>
-              <a:t>  </a:t>
-            </a:r>
-            <a:r>
-              <a:rPr kumimoji="0" lang="he-IL" sz="1200" b="0" i="0" u="none" strike="noStrike" kern="0" cap="none" spc="0" normalizeH="0" baseline="0" noProof="0" dirty="0">
-                <a:ln>
-                  <a:noFill/>
-                </a:ln>
-                <a:solidFill>
-                  <a:srgbClr val="000000">
-                    <a:lumMod val="75000"/>
-                    <a:lumOff val="25000"/>
-                  </a:srgbClr>
-                </a:solidFill>
-                <a:effectLst/>
-                <a:uLnTx/>
-                <a:uFillTx/>
-                <a:latin typeface="Segoe UI"/>
-                <a:ea typeface="+mn-ea"/>
-                <a:cs typeface="+mn-cs"/>
-              </a:rPr>
-              <a:t>     </a:t>
-            </a:r>
-            <a:r>
-              <a:rPr kumimoji="0" lang="en-US" sz="1200" b="0" i="0" u="none" strike="noStrike" kern="0" cap="none" spc="0" normalizeH="0" baseline="0" noProof="0" dirty="0">
-                <a:ln>
-                  <a:noFill/>
-                </a:ln>
-                <a:solidFill>
-                  <a:srgbClr val="000000">
-                    <a:lumMod val="75000"/>
-                    <a:lumOff val="25000"/>
-                  </a:srgbClr>
-                </a:solidFill>
-                <a:effectLst/>
-                <a:uLnTx/>
-                <a:uFillTx/>
-                <a:latin typeface="Segoe UI"/>
-                <a:ea typeface="+mn-ea"/>
-                <a:cs typeface="+mn-cs"/>
-              </a:rPr>
-              <a:t>File</a:t>
-            </a:r>
-            <a:r>
-              <a:rPr kumimoji="0" lang="en-US" sz="1200" b="0" i="0" u="none" strike="noStrike" kern="0" cap="none" spc="0" normalizeH="0" noProof="0" dirty="0">
-                <a:ln>
-                  <a:noFill/>
-                </a:ln>
-                <a:solidFill>
-                  <a:srgbClr val="000000">
-                    <a:lumMod val="75000"/>
-                    <a:lumOff val="25000"/>
-                  </a:srgbClr>
-                </a:solidFill>
-                <a:effectLst/>
-                <a:uLnTx/>
-                <a:uFillTx/>
-                <a:latin typeface="Segoe UI"/>
-                <a:ea typeface="+mn-ea"/>
-                <a:cs typeface="+mn-cs"/>
-              </a:rPr>
-              <a:t>     </a:t>
-            </a:r>
-            <a:r>
-              <a:rPr kumimoji="0" lang="he-IL" sz="1200" b="0" i="0" u="none" strike="noStrike" kern="0" cap="none" spc="0" normalizeH="0" noProof="0" dirty="0">
-                <a:ln>
-                  <a:noFill/>
-                </a:ln>
-                <a:solidFill>
-                  <a:srgbClr val="000000">
-                    <a:lumMod val="75000"/>
-                    <a:lumOff val="25000"/>
-                  </a:srgbClr>
-                </a:solidFill>
-                <a:effectLst/>
-                <a:uLnTx/>
-                <a:uFillTx/>
-                <a:latin typeface="Segoe UI"/>
-                <a:ea typeface="+mn-ea"/>
-                <a:cs typeface="+mn-cs"/>
-              </a:rPr>
-              <a:t>   </a:t>
-            </a:r>
-            <a:r>
-              <a:rPr kumimoji="0" lang="en-US" sz="1200" b="0" i="0" u="none" strike="noStrike" kern="0" cap="none" spc="0" normalizeH="0" noProof="0" dirty="0">
-                <a:ln>
-                  <a:noFill/>
-                </a:ln>
-                <a:solidFill>
-                  <a:srgbClr val="000000">
-                    <a:lumMod val="75000"/>
-                    <a:lumOff val="25000"/>
-                  </a:srgbClr>
-                </a:solidFill>
-                <a:effectLst/>
-                <a:uLnTx/>
-                <a:uFillTx/>
-                <a:latin typeface="Segoe UI"/>
-                <a:ea typeface="+mn-ea"/>
-                <a:cs typeface="+mn-cs"/>
-              </a:rPr>
-              <a:t>Help</a:t>
-            </a:r>
-            <a:endParaRPr kumimoji="0" lang="en-US" sz="1200" b="0" i="0" u="none" strike="noStrike" kern="0" cap="none" spc="0" normalizeH="0" baseline="0" noProof="0" dirty="0">
-              <a:ln>
-                <a:noFill/>
-              </a:ln>
-              <a:solidFill>
-                <a:srgbClr val="000000">
-                  <a:lumMod val="75000"/>
-                  <a:lumOff val="25000"/>
-                </a:srgbClr>
-              </a:solidFill>
-              <a:effectLst/>
-              <a:uLnTx/>
-              <a:uFillTx/>
-              <a:latin typeface="Segoe UI"/>
-              <a:ea typeface="+mn-ea"/>
-              <a:cs typeface="+mn-cs"/>
-            </a:endParaRPr>
-          </a:p>
-        </p:txBody>
-      </p:sp>
-      <p:sp>
-        <p:nvSpPr>
-          <p:cNvPr id="2" name="Title 1"/>
-          <p:cNvSpPr>
-            <a:spLocks noGrp="1"/>
-          </p:cNvSpPr>
-          <p:nvPr>
-            <p:ph type="title"/>
-          </p:nvPr>
-        </p:nvSpPr>
-        <p:spPr>
-          <a:xfrm>
-            <a:off x="1069848" y="484632"/>
-            <a:ext cx="10058400" cy="1609344"/>
-          </a:xfrm>
-        </p:spPr>
-        <p:txBody>
-          <a:bodyPr/>
-          <a:lstStyle/>
-          <a:p>
-            <a:r>
-              <a:rPr lang="en-US" dirty="0"/>
-              <a:t>UI scheme – </a:t>
-            </a:r>
-            <a:r>
-              <a:rPr lang="en-US" sz="4000" dirty="0">
-                <a:solidFill>
-                  <a:schemeClr val="accent1">
-                    <a:lumMod val="75000"/>
-                  </a:schemeClr>
-                </a:solidFill>
-              </a:rPr>
-              <a:t>MOCK (Before implementing)</a:t>
-            </a:r>
-            <a:endParaRPr lang="he-IL" dirty="0">
-              <a:solidFill>
-                <a:schemeClr val="accent1">
-                  <a:lumMod val="75000"/>
-                </a:schemeClr>
-              </a:solidFill>
-            </a:endParaRPr>
-          </a:p>
-        </p:txBody>
-      </p:sp>
-      <p:pic>
-        <p:nvPicPr>
-          <p:cNvPr id="4" name="Picture 2" descr="×ª××¦××ª ×ª××× × ×¢×××¨ âªmusic pixelâ¬â">
-            <a:extLst>
-              <a:ext uri="{FF2B5EF4-FFF2-40B4-BE49-F238E27FC236}">
-                <a16:creationId xmlns:a16="http://schemas.microsoft.com/office/drawing/2014/main" id="{A4FEC63E-33DC-4978-8B13-CA2C36BCF04B}"/>
-              </a:ext>
-            </a:extLst>
-          </p:cNvPr>
-          <p:cNvPicPr>
-            <a:picLocks noChangeAspect="1" noChangeArrowheads="1"/>
-          </p:cNvPicPr>
-          <p:nvPr/>
-        </p:nvPicPr>
-        <p:blipFill>
-          <a:blip r:embed="rId6" cstate="hqprint">
-            <a:extLst>
-              <a:ext uri="{28A0092B-C50C-407E-A947-70E740481C1C}">
-                <a14:useLocalDpi xmlns:a14="http://schemas.microsoft.com/office/drawing/2010/main" val="0"/>
-              </a:ext>
-            </a:extLst>
-          </a:blip>
-          <a:srcRect/>
-          <a:stretch>
-            <a:fillRect/>
-          </a:stretch>
-        </p:blipFill>
-        <p:spPr bwMode="auto">
-          <a:xfrm>
-            <a:off x="11288324" y="5128341"/>
-            <a:ext cx="663044" cy="1043859"/>
-          </a:xfrm>
-          <a:prstGeom prst="rect">
-            <a:avLst/>
-          </a:prstGeom>
-          <a:noFill/>
-          <a:extLst>
-            <a:ext uri="{909E8E84-426E-40DD-AFC4-6F175D3DCCD1}">
-              <a14:hiddenFill xmlns:a14="http://schemas.microsoft.com/office/drawing/2010/main">
-                <a:solidFill>
-                  <a:srgbClr val="FFFFFF"/>
-                </a:solidFill>
-              </a14:hiddenFill>
-            </a:ext>
-          </a:extLst>
-        </p:spPr>
-      </p:pic>
-      <p:pic>
-        <p:nvPicPr>
-          <p:cNvPr id="17" name="Picture 16" descr="A sunset over a city&#10;&#10;Description generated with very high confidence">
-            <a:extLst>
-              <a:ext uri="{FF2B5EF4-FFF2-40B4-BE49-F238E27FC236}">
-                <a16:creationId xmlns:a16="http://schemas.microsoft.com/office/drawing/2014/main" id="{6ADF78D2-B28A-45AC-9F78-2D1721F052D8}"/>
-              </a:ext>
-            </a:extLst>
-          </p:cNvPr>
-          <p:cNvPicPr>
-            <a:picLocks noChangeAspect="1"/>
-          </p:cNvPicPr>
-          <p:nvPr/>
-        </p:nvPicPr>
-        <p:blipFill>
-          <a:blip r:embed="rId7">
-            <a:extLst>
-              <a:ext uri="{28A0092B-C50C-407E-A947-70E740481C1C}">
-                <a14:useLocalDpi xmlns:a14="http://schemas.microsoft.com/office/drawing/2010/main" val="0"/>
-              </a:ext>
-            </a:extLst>
-          </a:blip>
-          <a:stretch>
-            <a:fillRect/>
-          </a:stretch>
-        </p:blipFill>
-        <p:spPr>
-          <a:xfrm>
-            <a:off x="3695375" y="2700248"/>
-            <a:ext cx="2932357" cy="2196940"/>
-          </a:xfrm>
-          <a:prstGeom prst="rect">
-            <a:avLst/>
-          </a:prstGeom>
-        </p:spPr>
-      </p:pic>
-      <p:pic>
-        <p:nvPicPr>
-          <p:cNvPr id="21" name="Picture 20" descr="A screen shot of a computer&#10;&#10;Description generated with high confidence">
-            <a:extLst>
-              <a:ext uri="{FF2B5EF4-FFF2-40B4-BE49-F238E27FC236}">
-                <a16:creationId xmlns:a16="http://schemas.microsoft.com/office/drawing/2014/main" id="{E45EE274-2CE8-42ED-A2CA-918D36949E9D}"/>
-              </a:ext>
-            </a:extLst>
-          </p:cNvPr>
-          <p:cNvPicPr>
-            <a:picLocks noChangeAspect="1"/>
-          </p:cNvPicPr>
-          <p:nvPr/>
-        </p:nvPicPr>
-        <p:blipFill>
-          <a:blip r:embed="rId8">
-            <a:extLst>
-              <a:ext uri="{28A0092B-C50C-407E-A947-70E740481C1C}">
-                <a14:useLocalDpi xmlns:a14="http://schemas.microsoft.com/office/drawing/2010/main" val="0"/>
-              </a:ext>
-            </a:extLst>
-          </a:blip>
-          <a:stretch>
-            <a:fillRect/>
-          </a:stretch>
-        </p:blipFill>
-        <p:spPr>
-          <a:xfrm>
-            <a:off x="6775106" y="3640669"/>
-            <a:ext cx="388575" cy="388575"/>
-          </a:xfrm>
-          <a:prstGeom prst="rect">
-            <a:avLst/>
-          </a:prstGeom>
-        </p:spPr>
-      </p:pic>
-      <p:pic>
-        <p:nvPicPr>
-          <p:cNvPr id="23" name="Picture 22" descr="A flat screen tv&#10;&#10;Description generated with high confidence">
-            <a:extLst>
-              <a:ext uri="{FF2B5EF4-FFF2-40B4-BE49-F238E27FC236}">
-                <a16:creationId xmlns:a16="http://schemas.microsoft.com/office/drawing/2014/main" id="{47DCD805-91D1-417F-89D0-17934147F239}"/>
-              </a:ext>
-            </a:extLst>
-          </p:cNvPr>
-          <p:cNvPicPr>
-            <a:picLocks noChangeAspect="1"/>
-          </p:cNvPicPr>
-          <p:nvPr/>
-        </p:nvPicPr>
-        <p:blipFill>
-          <a:blip r:embed="rId9" cstate="hqprint">
-            <a:extLst>
-              <a:ext uri="{28A0092B-C50C-407E-A947-70E740481C1C}">
-                <a14:useLocalDpi xmlns:a14="http://schemas.microsoft.com/office/drawing/2010/main" val="0"/>
-              </a:ext>
-            </a:extLst>
-          </a:blip>
-          <a:stretch>
-            <a:fillRect/>
-          </a:stretch>
-        </p:blipFill>
-        <p:spPr>
-          <a:xfrm>
-            <a:off x="3127928" y="3587890"/>
-            <a:ext cx="388575" cy="388575"/>
-          </a:xfrm>
-          <a:prstGeom prst="rect">
-            <a:avLst/>
-          </a:prstGeom>
-        </p:spPr>
-      </p:pic>
-      <p:pic>
-        <p:nvPicPr>
-          <p:cNvPr id="1026" name="Picture 2" descr="×ª××× × ×§×©××¨×">
-            <a:extLst>
-              <a:ext uri="{FF2B5EF4-FFF2-40B4-BE49-F238E27FC236}">
-                <a16:creationId xmlns:a16="http://schemas.microsoft.com/office/drawing/2014/main" id="{9E1628A4-69DE-4023-B51A-1C68426839BA}"/>
-              </a:ext>
-            </a:extLst>
-          </p:cNvPr>
-          <p:cNvPicPr>
-            <a:picLocks noChangeAspect="1" noChangeArrowheads="1"/>
-          </p:cNvPicPr>
-          <p:nvPr/>
-        </p:nvPicPr>
-        <p:blipFill rotWithShape="1">
-          <a:blip r:embed="rId10">
-            <a:extLst>
-              <a:ext uri="{28A0092B-C50C-407E-A947-70E740481C1C}">
-                <a14:useLocalDpi xmlns:a14="http://schemas.microsoft.com/office/drawing/2010/main" val="0"/>
-              </a:ext>
-            </a:extLst>
-          </a:blip>
-          <a:srcRect l="50237" r="25299"/>
-          <a:stretch/>
-        </p:blipFill>
-        <p:spPr bwMode="auto">
-          <a:xfrm>
-            <a:off x="4268272" y="5100323"/>
-            <a:ext cx="816788" cy="890328"/>
-          </a:xfrm>
-          <a:prstGeom prst="rect">
-            <a:avLst/>
-          </a:prstGeom>
-          <a:noFill/>
-          <a:extLst>
-            <a:ext uri="{909E8E84-426E-40DD-AFC4-6F175D3DCCD1}">
-              <a14:hiddenFill xmlns:a14="http://schemas.microsoft.com/office/drawing/2010/main">
-                <a:solidFill>
-                  <a:srgbClr val="FFFFFF"/>
-                </a:solidFill>
-              </a14:hiddenFill>
-            </a:ext>
-          </a:extLst>
-        </p:spPr>
-      </p:pic>
-      <p:pic>
-        <p:nvPicPr>
-          <p:cNvPr id="44" name="Picture 2" descr="×ª××× × ×§×©××¨×">
-            <a:extLst>
-              <a:ext uri="{FF2B5EF4-FFF2-40B4-BE49-F238E27FC236}">
-                <a16:creationId xmlns:a16="http://schemas.microsoft.com/office/drawing/2014/main" id="{59CFEFA1-0B67-407B-94E3-670BF2A8449E}"/>
-              </a:ext>
-            </a:extLst>
-          </p:cNvPr>
-          <p:cNvPicPr>
-            <a:picLocks noChangeAspect="1" noChangeArrowheads="1"/>
-          </p:cNvPicPr>
-          <p:nvPr/>
-        </p:nvPicPr>
-        <p:blipFill rotWithShape="1">
-          <a:blip r:embed="rId10">
-            <a:extLst>
-              <a:ext uri="{28A0092B-C50C-407E-A947-70E740481C1C}">
-                <a14:useLocalDpi xmlns:a14="http://schemas.microsoft.com/office/drawing/2010/main" val="0"/>
-              </a:ext>
-            </a:extLst>
-          </a:blip>
-          <a:srcRect l="74897"/>
-          <a:stretch/>
-        </p:blipFill>
-        <p:spPr bwMode="auto">
-          <a:xfrm>
-            <a:off x="5245124" y="5100323"/>
-            <a:ext cx="838109" cy="890328"/>
-          </a:xfrm>
-          <a:prstGeom prst="rect">
-            <a:avLst/>
-          </a:prstGeom>
-          <a:noFill/>
-          <a:extLst>
-            <a:ext uri="{909E8E84-426E-40DD-AFC4-6F175D3DCCD1}">
-              <a14:hiddenFill xmlns:a14="http://schemas.microsoft.com/office/drawing/2010/main">
-                <a:solidFill>
-                  <a:srgbClr val="FFFFFF"/>
-                </a:solidFill>
-              </a14:hiddenFill>
-            </a:ext>
-          </a:extLst>
-        </p:spPr>
-      </p:pic>
-      <p:sp>
-        <p:nvSpPr>
-          <p:cNvPr id="22" name="MousePointer">
-            <a:extLst>
-              <a:ext uri="{FF2B5EF4-FFF2-40B4-BE49-F238E27FC236}">
-                <a16:creationId xmlns:a16="http://schemas.microsoft.com/office/drawing/2014/main" id="{D257A4DE-9690-4D92-99C3-F10391B5F671}"/>
-              </a:ext>
-            </a:extLst>
-          </p:cNvPr>
-          <p:cNvSpPr/>
-          <p:nvPr>
-            <p:custDataLst>
-              <p:custData r:id="rId3"/>
-            </p:custDataLst>
-          </p:nvPr>
-        </p:nvSpPr>
-        <p:spPr>
-          <a:xfrm rot="20359169">
-            <a:off x="5474254" y="3129907"/>
-            <a:ext cx="151053" cy="247694"/>
-          </a:xfrm>
-          <a:custGeom>
-            <a:avLst/>
-            <a:gdLst>
-              <a:gd name="connsiteX0" fmla="*/ 0 w 592890"/>
-              <a:gd name="connsiteY0" fmla="*/ 806746 h 997971"/>
-              <a:gd name="connsiteX1" fmla="*/ 296445 w 592890"/>
-              <a:gd name="connsiteY1" fmla="*/ 0 h 997971"/>
-              <a:gd name="connsiteX2" fmla="*/ 592890 w 592890"/>
-              <a:gd name="connsiteY2" fmla="*/ 806746 h 997971"/>
-              <a:gd name="connsiteX3" fmla="*/ 386188 w 592890"/>
-              <a:gd name="connsiteY3" fmla="*/ 806746 h 997971"/>
-              <a:gd name="connsiteX4" fmla="*/ 386188 w 592890"/>
-              <a:gd name="connsiteY4" fmla="*/ 997971 h 997971"/>
-              <a:gd name="connsiteX5" fmla="*/ 206702 w 592890"/>
-              <a:gd name="connsiteY5" fmla="*/ 997971 h 997971"/>
-              <a:gd name="connsiteX6" fmla="*/ 206702 w 592890"/>
-              <a:gd name="connsiteY6" fmla="*/ 806746 h 997971"/>
-              <a:gd name="connsiteX7" fmla="*/ 0 w 592890"/>
-              <a:gd name="connsiteY7" fmla="*/ 806746 h 997971"/>
-              <a:gd name="connsiteX0" fmla="*/ 0 w 592890"/>
-              <a:gd name="connsiteY0" fmla="*/ 806746 h 997971"/>
-              <a:gd name="connsiteX1" fmla="*/ 296445 w 592890"/>
-              <a:gd name="connsiteY1" fmla="*/ 0 h 997971"/>
-              <a:gd name="connsiteX2" fmla="*/ 592890 w 592890"/>
-              <a:gd name="connsiteY2" fmla="*/ 806746 h 997971"/>
-              <a:gd name="connsiteX3" fmla="*/ 386188 w 592890"/>
-              <a:gd name="connsiteY3" fmla="*/ 766438 h 997971"/>
-              <a:gd name="connsiteX4" fmla="*/ 386188 w 592890"/>
-              <a:gd name="connsiteY4" fmla="*/ 997971 h 997971"/>
-              <a:gd name="connsiteX5" fmla="*/ 206702 w 592890"/>
-              <a:gd name="connsiteY5" fmla="*/ 997971 h 997971"/>
-              <a:gd name="connsiteX6" fmla="*/ 206702 w 592890"/>
-              <a:gd name="connsiteY6" fmla="*/ 806746 h 997971"/>
-              <a:gd name="connsiteX7" fmla="*/ 0 w 592890"/>
-              <a:gd name="connsiteY7" fmla="*/ 806746 h 997971"/>
-              <a:gd name="connsiteX0" fmla="*/ 0 w 592890"/>
-              <a:gd name="connsiteY0" fmla="*/ 806746 h 997971"/>
-              <a:gd name="connsiteX1" fmla="*/ 296445 w 592890"/>
-              <a:gd name="connsiteY1" fmla="*/ 0 h 997971"/>
-              <a:gd name="connsiteX2" fmla="*/ 592890 w 592890"/>
-              <a:gd name="connsiteY2" fmla="*/ 806746 h 997971"/>
-              <a:gd name="connsiteX3" fmla="*/ 386188 w 592890"/>
-              <a:gd name="connsiteY3" fmla="*/ 766438 h 997971"/>
-              <a:gd name="connsiteX4" fmla="*/ 386188 w 592890"/>
-              <a:gd name="connsiteY4" fmla="*/ 997971 h 997971"/>
-              <a:gd name="connsiteX5" fmla="*/ 206702 w 592890"/>
-              <a:gd name="connsiteY5" fmla="*/ 997971 h 997971"/>
-              <a:gd name="connsiteX6" fmla="*/ 206702 w 592890"/>
-              <a:gd name="connsiteY6" fmla="*/ 764057 h 997971"/>
-              <a:gd name="connsiteX7" fmla="*/ 0 w 592890"/>
-              <a:gd name="connsiteY7" fmla="*/ 806746 h 997971"/>
-              <a:gd name="connsiteX0" fmla="*/ 0 w 592890"/>
-              <a:gd name="connsiteY0" fmla="*/ 806746 h 997971"/>
-              <a:gd name="connsiteX1" fmla="*/ 296445 w 592890"/>
-              <a:gd name="connsiteY1" fmla="*/ 0 h 997971"/>
-              <a:gd name="connsiteX2" fmla="*/ 592890 w 592890"/>
-              <a:gd name="connsiteY2" fmla="*/ 806746 h 997971"/>
-              <a:gd name="connsiteX3" fmla="*/ 386188 w 592890"/>
-              <a:gd name="connsiteY3" fmla="*/ 766438 h 997971"/>
-              <a:gd name="connsiteX4" fmla="*/ 386188 w 592890"/>
-              <a:gd name="connsiteY4" fmla="*/ 997971 h 997971"/>
-              <a:gd name="connsiteX5" fmla="*/ 206702 w 592890"/>
-              <a:gd name="connsiteY5" fmla="*/ 997971 h 997971"/>
-              <a:gd name="connsiteX6" fmla="*/ 206702 w 592890"/>
-              <a:gd name="connsiteY6" fmla="*/ 735333 h 997971"/>
-              <a:gd name="connsiteX7" fmla="*/ 0 w 592890"/>
-              <a:gd name="connsiteY7" fmla="*/ 806746 h 997971"/>
-              <a:gd name="connsiteX0" fmla="*/ 0 w 592890"/>
-              <a:gd name="connsiteY0" fmla="*/ 806746 h 997971"/>
-              <a:gd name="connsiteX1" fmla="*/ 296445 w 592890"/>
-              <a:gd name="connsiteY1" fmla="*/ 0 h 997971"/>
-              <a:gd name="connsiteX2" fmla="*/ 592890 w 592890"/>
-              <a:gd name="connsiteY2" fmla="*/ 806746 h 997971"/>
-              <a:gd name="connsiteX3" fmla="*/ 386188 w 592890"/>
-              <a:gd name="connsiteY3" fmla="*/ 730570 h 997971"/>
-              <a:gd name="connsiteX4" fmla="*/ 386188 w 592890"/>
-              <a:gd name="connsiteY4" fmla="*/ 997971 h 997971"/>
-              <a:gd name="connsiteX5" fmla="*/ 206702 w 592890"/>
-              <a:gd name="connsiteY5" fmla="*/ 997971 h 997971"/>
-              <a:gd name="connsiteX6" fmla="*/ 206702 w 592890"/>
-              <a:gd name="connsiteY6" fmla="*/ 735333 h 997971"/>
-              <a:gd name="connsiteX7" fmla="*/ 0 w 592890"/>
-              <a:gd name="connsiteY7" fmla="*/ 806746 h 997971"/>
-            </a:gdLst>
-            <a:ahLst/>
-            <a:cxnLst>
-              <a:cxn ang="0">
-                <a:pos x="connsiteX0" y="connsiteY0"/>
-              </a:cxn>
-              <a:cxn ang="0">
-                <a:pos x="connsiteX1" y="connsiteY1"/>
-              </a:cxn>
-              <a:cxn ang="0">
-                <a:pos x="connsiteX2" y="connsiteY2"/>
-              </a:cxn>
-              <a:cxn ang="0">
-                <a:pos x="connsiteX3" y="connsiteY3"/>
-              </a:cxn>
-              <a:cxn ang="0">
-                <a:pos x="connsiteX4" y="connsiteY4"/>
-              </a:cxn>
-              <a:cxn ang="0">
-                <a:pos x="connsiteX5" y="connsiteY5"/>
-              </a:cxn>
-              <a:cxn ang="0">
-                <a:pos x="connsiteX6" y="connsiteY6"/>
-              </a:cxn>
-              <a:cxn ang="0">
-                <a:pos x="connsiteX7" y="connsiteY7"/>
-              </a:cxn>
-            </a:cxnLst>
-            <a:rect l="l" t="t" r="r" b="b"/>
-            <a:pathLst>
-              <a:path w="592890" h="997971">
-                <a:moveTo>
-                  <a:pt x="0" y="806746"/>
-                </a:moveTo>
-                <a:lnTo>
-                  <a:pt x="296445" y="0"/>
-                </a:lnTo>
-                <a:lnTo>
-                  <a:pt x="592890" y="806746"/>
-                </a:lnTo>
-                <a:lnTo>
-                  <a:pt x="386188" y="730570"/>
-                </a:lnTo>
-                <a:lnTo>
-                  <a:pt x="386188" y="997971"/>
-                </a:lnTo>
-                <a:lnTo>
-                  <a:pt x="206702" y="997971"/>
-                </a:lnTo>
-                <a:lnTo>
-                  <a:pt x="206702" y="735333"/>
-                </a:lnTo>
-                <a:lnTo>
-                  <a:pt x="0" y="806746"/>
-                </a:lnTo>
-                <a:close/>
-              </a:path>
-            </a:pathLst>
-          </a:custGeom>
-          <a:solidFill>
-            <a:srgbClr val="FFFFFF"/>
-          </a:solidFill>
-          <a:ln w="3175">
-            <a:solidFill>
-              <a:srgbClr val="000000">
-                <a:lumMod val="85000"/>
-                <a:lumOff val="15000"/>
-              </a:srgbClr>
-            </a:solidFill>
-          </a:ln>
-          <a:effectLst>
-            <a:glow rad="139700">
-              <a:srgbClr val="F79646">
-                <a:satMod val="175000"/>
-                <a:alpha val="40000"/>
-              </a:srgbClr>
-            </a:glow>
-            <a:outerShdw blurRad="25400" dist="25400" dir="2040000" algn="tl" rotWithShape="0">
-              <a:prstClr val="black">
-                <a:alpha val="20000"/>
-              </a:prstClr>
-            </a:outerShdw>
-          </a:effectLst>
-        </p:spPr>
-        <p:style>
-          <a:lnRef idx="2">
-            <a:srgbClr val="4F81BD">
-              <a:shade val="50000"/>
-            </a:srgbClr>
-          </a:lnRef>
-          <a:fillRef idx="1">
-            <a:srgbClr val="4F81BD"/>
-          </a:fillRef>
-          <a:effectRef idx="0">
-            <a:srgbClr val="4F81BD"/>
-          </a:effectRef>
-          <a:fontRef idx="minor">
-            <a:srgbClr val="000000"/>
-          </a:fontRef>
-        </p:style>
-        <p:txBody>
-          <a:bodyPr lIns="97531" tIns="48766" rIns="97531" bIns="48766" rtlCol="0" anchor="ctr"/>
-          <a:lstStyle/>
-          <a:p>
-            <a:pPr algn="ctr"/>
-            <a:endParaRPr lang="en-US" dirty="0"/>
-          </a:p>
-        </p:txBody>
-      </p:sp>
-    </p:spTree>
-    <p:extLst>
-      <p:ext uri="{BB962C8B-B14F-4D97-AF65-F5344CB8AC3E}">
-        <p14:creationId xmlns:p14="http://schemas.microsoft.com/office/powerpoint/2010/main" val="3213671631"/>
-      </p:ext>
-    </p:extLst>
-  </p:cSld>
-  <p:clrMapOvr>
-    <a:masterClrMapping/>
-  </p:clrMapOvr>
-</p:sld>
-</file>
-
-<file path=ppt/slides/slide24.xml><?xml version="1.0" encoding="utf-8"?>
-<p:sld xmlns:a="http://schemas.openxmlformats.org/drawingml/2006/main" xmlns:r="http://schemas.openxmlformats.org/officeDocument/2006/relationships" xmlns:p="http://schemas.openxmlformats.org/presentationml/2006/main" show="0">
-  <p:cSld>
-    <p:spTree>
-      <p:nvGrpSpPr>
-        <p:cNvPr id="1" name=""/>
-        <p:cNvGrpSpPr/>
-        <p:nvPr/>
-      </p:nvGrpSpPr>
-      <p:grpSpPr>
-        <a:xfrm>
-          <a:off x="0" y="0"/>
-          <a:ext cx="0" cy="0"/>
-          <a:chOff x="0" y="0"/>
-          <a:chExt cx="0" cy="0"/>
-        </a:xfrm>
-      </p:grpSpPr>
-      <p:grpSp>
-        <p:nvGrpSpPr>
-          <p:cNvPr id="5" name="Window">
-            <a:extLst>
-              <a:ext uri="{FF2B5EF4-FFF2-40B4-BE49-F238E27FC236}">
-                <a16:creationId xmlns:a16="http://schemas.microsoft.com/office/drawing/2014/main" id="{1F40398A-D061-4993-8AA1-CE7E9D8FA328}"/>
-              </a:ext>
-            </a:extLst>
-          </p:cNvPr>
-          <p:cNvGrpSpPr/>
-          <p:nvPr>
-            <p:custDataLst>
-              <p:custData r:id="rId1"/>
-            </p:custDataLst>
-          </p:nvPr>
-        </p:nvGrpSpPr>
-        <p:grpSpPr>
-          <a:xfrm>
-            <a:off x="2842282" y="1769557"/>
-            <a:ext cx="4593574" cy="4518751"/>
-            <a:chOff x="0" y="-26498"/>
-            <a:chExt cx="9144000" cy="6884498"/>
-          </a:xfrm>
-        </p:grpSpPr>
-        <p:grpSp>
-          <p:nvGrpSpPr>
-            <p:cNvPr id="6" name="Group 5">
-              <a:extLst>
-                <a:ext uri="{FF2B5EF4-FFF2-40B4-BE49-F238E27FC236}">
-                  <a16:creationId xmlns:a16="http://schemas.microsoft.com/office/drawing/2014/main" id="{8C3EBD16-0F07-45FA-B018-C4F177B218A0}"/>
-                </a:ext>
-              </a:extLst>
-            </p:cNvPr>
-            <p:cNvGrpSpPr/>
-            <p:nvPr/>
-          </p:nvGrpSpPr>
-          <p:grpSpPr>
-            <a:xfrm>
-              <a:off x="0" y="-26498"/>
-              <a:ext cx="9144000" cy="6884498"/>
-              <a:chOff x="0" y="-26498"/>
-              <a:chExt cx="9144000" cy="6884498"/>
-            </a:xfrm>
-          </p:grpSpPr>
-          <p:sp>
-            <p:nvSpPr>
-              <p:cNvPr id="14" name="Rectangle 13">
-                <a:extLst>
-                  <a:ext uri="{FF2B5EF4-FFF2-40B4-BE49-F238E27FC236}">
-                    <a16:creationId xmlns:a16="http://schemas.microsoft.com/office/drawing/2014/main" id="{99770E91-D522-411A-9F10-F93457AE6E7A}"/>
-                  </a:ext>
-                </a:extLst>
-              </p:cNvPr>
-              <p:cNvSpPr/>
-              <p:nvPr/>
-            </p:nvSpPr>
-            <p:spPr>
-              <a:xfrm>
-                <a:off x="0" y="0"/>
-                <a:ext cx="9144000" cy="6858000"/>
-              </a:xfrm>
-              <a:prstGeom prst="rect">
-                <a:avLst/>
-              </a:prstGeom>
-              <a:solidFill>
-                <a:srgbClr val="FFFFFF">
-                  <a:lumMod val="65000"/>
-                </a:srgbClr>
-              </a:solidFill>
-              <a:ln w="3175" cap="flat" cmpd="sng" algn="ctr">
-                <a:solidFill>
-                  <a:srgbClr val="000000">
-                    <a:lumMod val="50000"/>
-                    <a:lumOff val="50000"/>
-                  </a:srgbClr>
-                </a:solidFill>
-                <a:prstDash val="solid"/>
-              </a:ln>
-              <a:effectLst/>
-            </p:spPr>
-            <p:txBody>
-              <a:bodyPr rtlCol="0" anchor="ctr"/>
-              <a:lstStyle/>
-              <a:p>
-                <a:pPr algn="ctr"/>
-                <a:endParaRPr lang="en-US" sz="800" kern="0">
-                  <a:solidFill>
-                    <a:prstClr val="white"/>
-                  </a:solidFill>
-                  <a:latin typeface="Segoe UI"/>
-                </a:endParaRPr>
-              </a:p>
-            </p:txBody>
-          </p:sp>
-          <p:sp>
-            <p:nvSpPr>
-              <p:cNvPr id="15" name="Rectangle 14">
-                <a:extLst>
-                  <a:ext uri="{FF2B5EF4-FFF2-40B4-BE49-F238E27FC236}">
-                    <a16:creationId xmlns:a16="http://schemas.microsoft.com/office/drawing/2014/main" id="{F73C730F-274F-4FF3-B6F3-C0B4A2624E69}"/>
-                  </a:ext>
-                </a:extLst>
-              </p:cNvPr>
-              <p:cNvSpPr/>
-              <p:nvPr/>
-            </p:nvSpPr>
-            <p:spPr>
-              <a:xfrm>
-                <a:off x="76200" y="309484"/>
-                <a:ext cx="8991600" cy="6437733"/>
-              </a:xfrm>
-              <a:prstGeom prst="rect">
-                <a:avLst/>
-              </a:prstGeom>
-              <a:solidFill>
-                <a:sysClr val="window" lastClr="FFFFFF"/>
-              </a:solidFill>
-              <a:ln w="3175" cap="flat" cmpd="sng" algn="ctr">
-                <a:solidFill>
-                  <a:srgbClr val="000000">
-                    <a:lumMod val="50000"/>
-                    <a:lumOff val="50000"/>
-                  </a:srgbClr>
-                </a:solidFill>
-                <a:prstDash val="solid"/>
-              </a:ln>
-              <a:effectLst/>
-            </p:spPr>
-            <p:txBody>
-              <a:bodyPr rtlCol="0" anchor="ctr"/>
-              <a:lstStyle/>
-              <a:p>
-                <a:pPr algn="ctr"/>
-                <a:endParaRPr lang="en-US" sz="800" kern="0">
-                  <a:solidFill>
-                    <a:prstClr val="white"/>
-                  </a:solidFill>
-                  <a:latin typeface="Segoe UI"/>
-                </a:endParaRPr>
-              </a:p>
-            </p:txBody>
-          </p:sp>
-          <p:sp>
-            <p:nvSpPr>
-              <p:cNvPr id="16" name="WindowTitle">
-                <a:extLst>
-                  <a:ext uri="{FF2B5EF4-FFF2-40B4-BE49-F238E27FC236}">
-                    <a16:creationId xmlns:a16="http://schemas.microsoft.com/office/drawing/2014/main" id="{AF4BB876-1F1A-4336-9642-67A66A78AA32}"/>
-                  </a:ext>
-                </a:extLst>
-              </p:cNvPr>
-              <p:cNvSpPr txBox="1"/>
-              <p:nvPr/>
-            </p:nvSpPr>
-            <p:spPr>
-              <a:xfrm>
-                <a:off x="240975" y="-26498"/>
-                <a:ext cx="3027342" cy="351682"/>
-              </a:xfrm>
-              <a:prstGeom prst="rect">
-                <a:avLst/>
-              </a:prstGeom>
-              <a:noFill/>
-            </p:spPr>
-            <p:txBody>
-              <a:bodyPr wrap="square" lIns="45720" tIns="18288" rIns="91440" bIns="27432" rtlCol="0" anchor="ctr" anchorCtr="0">
-                <a:spAutoFit/>
-              </a:bodyPr>
-              <a:lstStyle/>
-              <a:p>
-                <a:r>
-                  <a:rPr lang="en-US" sz="1200" dirty="0">
-                    <a:solidFill>
-                      <a:prstClr val="white"/>
-                    </a:solidFill>
-                    <a:latin typeface="Segoe UI" pitchFamily="34" charset="0"/>
-                    <a:ea typeface="Segoe UI" pitchFamily="34" charset="0"/>
-                    <a:cs typeface="Segoe UI" pitchFamily="34" charset="0"/>
-                  </a:rPr>
-                  <a:t>RGB</a:t>
-                </a:r>
-                <a:r>
-                  <a:rPr lang="he-IL" sz="1200" dirty="0">
-                    <a:solidFill>
-                      <a:prstClr val="white"/>
-                    </a:solidFill>
-                    <a:latin typeface="Segoe UI" pitchFamily="34" charset="0"/>
-                    <a:ea typeface="Segoe UI" pitchFamily="34" charset="0"/>
-                    <a:cs typeface="Segoe UI" pitchFamily="34" charset="0"/>
-                  </a:rPr>
-                  <a:t> </a:t>
-                </a:r>
-                <a:r>
-                  <a:rPr lang="en-US" sz="1200" dirty="0">
-                    <a:solidFill>
-                      <a:prstClr val="white"/>
-                    </a:solidFill>
-                    <a:latin typeface="Segoe UI" pitchFamily="34" charset="0"/>
-                    <a:ea typeface="Segoe UI" pitchFamily="34" charset="0"/>
-                    <a:cs typeface="Segoe UI" pitchFamily="34" charset="0"/>
-                  </a:rPr>
-                  <a:t>Music</a:t>
-                </a:r>
-              </a:p>
-            </p:txBody>
-          </p:sp>
-        </p:grpSp>
-        <p:grpSp>
-          <p:nvGrpSpPr>
-            <p:cNvPr id="7" name="Minimize - Maximize - Close">
-              <a:extLst>
-                <a:ext uri="{FF2B5EF4-FFF2-40B4-BE49-F238E27FC236}">
-                  <a16:creationId xmlns:a16="http://schemas.microsoft.com/office/drawing/2014/main" id="{8F413EB3-AE2C-4EB6-9DB4-1E375E6D9119}"/>
-                </a:ext>
-              </a:extLst>
-            </p:cNvPr>
-            <p:cNvGrpSpPr/>
-            <p:nvPr/>
-          </p:nvGrpSpPr>
-          <p:grpSpPr>
-            <a:xfrm>
-              <a:off x="8632311" y="92599"/>
-              <a:ext cx="384527" cy="78032"/>
-              <a:chOff x="9347642" y="131588"/>
-              <a:chExt cx="384527" cy="78032"/>
-            </a:xfrm>
-          </p:grpSpPr>
-          <p:cxnSp>
-            <p:nvCxnSpPr>
-              <p:cNvPr id="9" name="Line">
-                <a:extLst>
-                  <a:ext uri="{FF2B5EF4-FFF2-40B4-BE49-F238E27FC236}">
-                    <a16:creationId xmlns:a16="http://schemas.microsoft.com/office/drawing/2014/main" id="{312FC7B2-F7B6-4337-8EFB-611B47F20B94}"/>
-                  </a:ext>
-                </a:extLst>
-              </p:cNvPr>
-              <p:cNvCxnSpPr/>
-              <p:nvPr/>
-            </p:nvCxnSpPr>
-            <p:spPr>
-              <a:xfrm>
-                <a:off x="9661396" y="131588"/>
-                <a:ext cx="70773" cy="76200"/>
-              </a:xfrm>
-              <a:prstGeom prst="line">
-                <a:avLst/>
-              </a:prstGeom>
-              <a:ln w="12700">
-                <a:solidFill>
-                  <a:srgbClr val="FFFFFF"/>
-                </a:solidFill>
-              </a:ln>
-            </p:spPr>
-            <p:style>
-              <a:lnRef idx="1">
-                <a:srgbClr val="4F81BD"/>
-              </a:lnRef>
-              <a:fillRef idx="0">
-                <a:srgbClr val="4F81BD"/>
-              </a:fillRef>
-              <a:effectRef idx="0">
-                <a:srgbClr val="4F81BD"/>
-              </a:effectRef>
-              <a:fontRef idx="minor">
-                <a:srgbClr val="000000"/>
-              </a:fontRef>
-            </p:style>
-          </p:cxnSp>
-          <p:cxnSp>
-            <p:nvCxnSpPr>
-              <p:cNvPr id="10" name="Line">
-                <a:extLst>
-                  <a:ext uri="{FF2B5EF4-FFF2-40B4-BE49-F238E27FC236}">
-                    <a16:creationId xmlns:a16="http://schemas.microsoft.com/office/drawing/2014/main" id="{0D509EB9-8574-464D-9B5C-9FA1766968D6}"/>
-                  </a:ext>
-                </a:extLst>
-              </p:cNvPr>
-              <p:cNvCxnSpPr/>
-              <p:nvPr/>
-            </p:nvCxnSpPr>
-            <p:spPr>
-              <a:xfrm flipH="1">
-                <a:off x="9661395" y="131588"/>
-                <a:ext cx="70773" cy="76200"/>
-              </a:xfrm>
-              <a:prstGeom prst="line">
-                <a:avLst/>
-              </a:prstGeom>
-              <a:ln w="12700">
-                <a:solidFill>
-                  <a:srgbClr val="FFFFFF"/>
-                </a:solidFill>
-              </a:ln>
-            </p:spPr>
-            <p:style>
-              <a:lnRef idx="1">
-                <a:srgbClr val="4F81BD"/>
-              </a:lnRef>
-              <a:fillRef idx="0">
-                <a:srgbClr val="4F81BD"/>
-              </a:fillRef>
-              <a:effectRef idx="0">
-                <a:srgbClr val="4F81BD"/>
-              </a:effectRef>
-              <a:fontRef idx="minor">
-                <a:srgbClr val="000000"/>
-              </a:fontRef>
-            </p:style>
-          </p:cxnSp>
-          <p:sp>
-            <p:nvSpPr>
-              <p:cNvPr id="11" name="Line">
-                <a:extLst>
-                  <a:ext uri="{FF2B5EF4-FFF2-40B4-BE49-F238E27FC236}">
-                    <a16:creationId xmlns:a16="http://schemas.microsoft.com/office/drawing/2014/main" id="{25E0E5BB-FA99-4A47-9550-6685B40B8791}"/>
-                  </a:ext>
-                </a:extLst>
-              </p:cNvPr>
-              <p:cNvSpPr/>
-              <p:nvPr/>
-            </p:nvSpPr>
-            <p:spPr>
-              <a:xfrm rot="10800000" flipV="1">
-                <a:off x="9499472" y="143255"/>
-                <a:ext cx="91440" cy="9144"/>
-              </a:xfrm>
-              <a:prstGeom prst="rect">
-                <a:avLst/>
-              </a:prstGeom>
-              <a:solidFill>
-                <a:srgbClr val="919191"/>
-              </a:solidFill>
-              <a:ln w="3175">
-                <a:solidFill>
-                  <a:srgbClr val="FFFFFF"/>
-                </a:solidFill>
-              </a:ln>
-            </p:spPr>
-            <p:style>
-              <a:lnRef idx="2">
-                <a:srgbClr val="4F81BD">
-                  <a:shade val="50000"/>
-                </a:srgbClr>
-              </a:lnRef>
-              <a:fillRef idx="1001">
-                <a:srgbClr val="000000"/>
-              </a:fillRef>
-              <a:effectRef idx="0">
-                <a:srgbClr val="4F81BD"/>
-              </a:effectRef>
-              <a:fontRef idx="minor">
-                <a:srgbClr val="000000"/>
-              </a:fontRef>
-            </p:style>
-            <p:txBody>
-              <a:bodyPr rtlCol="0" anchor="ctr"/>
-              <a:lstStyle/>
-              <a:p>
-                <a:pPr algn="ctr"/>
-                <a:endParaRPr lang="en-US" dirty="0">
-                  <a:solidFill>
-                    <a:prstClr val="white"/>
-                  </a:solidFill>
-                </a:endParaRPr>
-              </a:p>
-            </p:txBody>
-          </p:sp>
-          <p:sp>
-            <p:nvSpPr>
-              <p:cNvPr id="12" name="Line">
-                <a:extLst>
-                  <a:ext uri="{FF2B5EF4-FFF2-40B4-BE49-F238E27FC236}">
-                    <a16:creationId xmlns:a16="http://schemas.microsoft.com/office/drawing/2014/main" id="{A1B02160-A007-47A5-9866-6E78C67E9853}"/>
-                  </a:ext>
-                </a:extLst>
-              </p:cNvPr>
-              <p:cNvSpPr/>
-              <p:nvPr/>
-            </p:nvSpPr>
-            <p:spPr>
-              <a:xfrm rot="10800000" flipV="1">
-                <a:off x="9498658" y="135261"/>
-                <a:ext cx="91440" cy="72527"/>
-              </a:xfrm>
-              <a:prstGeom prst="rect">
-                <a:avLst/>
-              </a:prstGeom>
-              <a:noFill/>
-              <a:ln w="12700">
-                <a:solidFill>
-                  <a:srgbClr val="FFFFFF"/>
-                </a:solidFill>
-              </a:ln>
-            </p:spPr>
-            <p:style>
-              <a:lnRef idx="2">
-                <a:srgbClr val="4F81BD">
-                  <a:shade val="50000"/>
-                </a:srgbClr>
-              </a:lnRef>
-              <a:fillRef idx="1001">
-                <a:srgbClr val="000000"/>
-              </a:fillRef>
-              <a:effectRef idx="0">
-                <a:srgbClr val="4F81BD"/>
-              </a:effectRef>
-              <a:fontRef idx="minor">
-                <a:srgbClr val="000000"/>
-              </a:fontRef>
-            </p:style>
-            <p:txBody>
-              <a:bodyPr rtlCol="0" anchor="ctr"/>
-              <a:lstStyle/>
-              <a:p>
-                <a:pPr algn="ctr"/>
-                <a:endParaRPr lang="en-US" dirty="0">
-                  <a:solidFill>
-                    <a:prstClr val="white"/>
-                  </a:solidFill>
-                </a:endParaRPr>
-              </a:p>
-            </p:txBody>
-          </p:sp>
-          <p:sp>
-            <p:nvSpPr>
-              <p:cNvPr id="13" name="Line">
-                <a:extLst>
-                  <a:ext uri="{FF2B5EF4-FFF2-40B4-BE49-F238E27FC236}">
-                    <a16:creationId xmlns:a16="http://schemas.microsoft.com/office/drawing/2014/main" id="{242673CD-4AB7-4C90-BF97-43781B2B12E2}"/>
-                  </a:ext>
-                </a:extLst>
-              </p:cNvPr>
-              <p:cNvSpPr/>
-              <p:nvPr/>
-            </p:nvSpPr>
-            <p:spPr>
-              <a:xfrm rot="10800000" flipV="1">
-                <a:off x="9347642" y="200476"/>
-                <a:ext cx="91440" cy="9144"/>
-              </a:xfrm>
-              <a:prstGeom prst="rect">
-                <a:avLst/>
-              </a:prstGeom>
-              <a:solidFill>
-                <a:srgbClr val="919191"/>
-              </a:solidFill>
-              <a:ln w="3175">
-                <a:solidFill>
-                  <a:srgbClr val="FFFFFF"/>
-                </a:solidFill>
-              </a:ln>
-            </p:spPr>
-            <p:style>
-              <a:lnRef idx="2">
-                <a:srgbClr val="4F81BD">
-                  <a:shade val="50000"/>
-                </a:srgbClr>
-              </a:lnRef>
-              <a:fillRef idx="1001">
-                <a:srgbClr val="000000"/>
-              </a:fillRef>
-              <a:effectRef idx="0">
-                <a:srgbClr val="4F81BD"/>
-              </a:effectRef>
-              <a:fontRef idx="minor">
-                <a:srgbClr val="000000"/>
-              </a:fontRef>
-            </p:style>
-            <p:txBody>
-              <a:bodyPr rtlCol="0" anchor="ctr"/>
-              <a:lstStyle/>
-              <a:p>
-                <a:pPr algn="ctr"/>
-                <a:endParaRPr lang="en-US" dirty="0">
-                  <a:solidFill>
-                    <a:prstClr val="white"/>
-                  </a:solidFill>
-                </a:endParaRPr>
-              </a:p>
-            </p:txBody>
-          </p:sp>
-        </p:grpSp>
-        <p:sp>
-          <p:nvSpPr>
-            <p:cNvPr id="8" name="Oval 7">
-              <a:extLst>
-                <a:ext uri="{FF2B5EF4-FFF2-40B4-BE49-F238E27FC236}">
-                  <a16:creationId xmlns:a16="http://schemas.microsoft.com/office/drawing/2014/main" id="{8EAAF468-16D5-4097-9AFB-F08743CC73A9}"/>
-                </a:ext>
-              </a:extLst>
-            </p:cNvPr>
-            <p:cNvSpPr/>
-            <p:nvPr/>
-          </p:nvSpPr>
-          <p:spPr>
-            <a:xfrm>
-              <a:off x="83477" y="80065"/>
-              <a:ext cx="145536" cy="150875"/>
-            </a:xfrm>
-            <a:prstGeom prst="ellipse">
-              <a:avLst/>
-            </a:prstGeom>
-            <a:gradFill flip="none" rotWithShape="1">
-              <a:gsLst>
-                <a:gs pos="91000">
-                  <a:srgbClr val="FFFFFF">
-                    <a:lumMod val="85000"/>
-                  </a:srgbClr>
-                </a:gs>
-                <a:gs pos="36000">
-                  <a:srgbClr val="FFFFFF">
-                    <a:lumMod val="95000"/>
-                  </a:srgbClr>
-                </a:gs>
-                <a:gs pos="100000">
-                  <a:srgbClr val="FFFFFF">
-                    <a:lumMod val="95000"/>
-                  </a:srgbClr>
-                </a:gs>
-              </a:gsLst>
-              <a:lin ang="5400000" scaled="0"/>
-              <a:tileRect/>
-            </a:gradFill>
-            <a:ln w="3175">
-              <a:solidFill>
-                <a:srgbClr val="000000">
-                  <a:lumMod val="50000"/>
-                  <a:lumOff val="50000"/>
-                </a:srgbClr>
-              </a:solidFill>
-            </a:ln>
-            <a:effectLst/>
-          </p:spPr>
-          <p:style>
-            <a:lnRef idx="2">
-              <a:srgbClr val="4F81BD">
-                <a:shade val="50000"/>
-              </a:srgbClr>
-            </a:lnRef>
-            <a:fillRef idx="1">
-              <a:srgbClr val="4F81BD"/>
-            </a:fillRef>
-            <a:effectRef idx="0">
-              <a:srgbClr val="4F81BD"/>
-            </a:effectRef>
-            <a:fontRef idx="minor">
-              <a:srgbClr val="000000"/>
-            </a:fontRef>
-          </p:style>
-          <p:txBody>
-            <a:bodyPr lIns="97531" tIns="48766" rIns="97531" bIns="48766" rtlCol="0" anchor="ctr"/>
-            <a:lstStyle/>
-            <a:p>
-              <a:pPr algn="ctr"/>
-              <a:endParaRPr lang="en-US">
-                <a:solidFill>
-                  <a:prstClr val="white"/>
-                </a:solidFill>
-              </a:endParaRPr>
-            </a:p>
-          </p:txBody>
-        </p:sp>
-      </p:grpSp>
-      <p:sp>
-        <p:nvSpPr>
-          <p:cNvPr id="54" name="Content">
-            <a:extLst>
-              <a:ext uri="{FF2B5EF4-FFF2-40B4-BE49-F238E27FC236}">
-                <a16:creationId xmlns:a16="http://schemas.microsoft.com/office/drawing/2014/main" id="{2A15BC3B-D6DC-41A3-9FE1-0B0DA0132B8D}"/>
-              </a:ext>
-            </a:extLst>
-          </p:cNvPr>
-          <p:cNvSpPr/>
-          <p:nvPr>
-            <p:custDataLst>
-              <p:custData r:id="rId2"/>
-            </p:custDataLst>
-          </p:nvPr>
-        </p:nvSpPr>
-        <p:spPr>
-          <a:xfrm>
-            <a:off x="2880730" y="1985457"/>
-            <a:ext cx="4516845" cy="228600"/>
-          </a:xfrm>
-          <a:prstGeom prst="rect">
-            <a:avLst/>
-          </a:prstGeom>
-          <a:solidFill>
-            <a:srgbClr val="FFFFFF">
-              <a:lumMod val="95000"/>
-            </a:srgbClr>
-          </a:solidFill>
-          <a:ln w="3175" cap="flat" cmpd="sng" algn="ctr">
-            <a:solidFill>
-              <a:srgbClr val="FFFFFF">
-                <a:lumMod val="50000"/>
-              </a:srgbClr>
-            </a:solidFill>
-            <a:prstDash val="solid"/>
-          </a:ln>
-          <a:effectLst/>
-        </p:spPr>
-        <p:txBody>
-          <a:bodyPr rot="0" spcFirstLastPara="0" vertOverflow="overflow" horzOverflow="overflow" vert="horz" wrap="square" lIns="45720" tIns="45720" rIns="91440" bIns="45720" numCol="1" spcCol="0" rtlCol="0" fromWordArt="0" anchor="ctr" anchorCtr="0" forceAA="0" compatLnSpc="1">
-            <a:prstTxWarp prst="textNoShape">
-              <a:avLst/>
-            </a:prstTxWarp>
-            <a:noAutofit/>
-          </a:bodyPr>
-          <a:lstStyle/>
-          <a:p>
-            <a:pPr marL="0" marR="0" indent="0" defTabSz="914400" eaLnBrk="1" fontAlgn="auto" latinLnBrk="0" hangingPunct="1">
-              <a:lnSpc>
-                <a:spcPct val="100000"/>
-              </a:lnSpc>
-              <a:spcBef>
-                <a:spcPts val="0"/>
-              </a:spcBef>
-              <a:spcAft>
-                <a:spcPts val="0"/>
-              </a:spcAft>
-              <a:buClrTx/>
-              <a:buSzTx/>
-              <a:buFontTx/>
-              <a:buNone/>
-              <a:tabLst/>
-            </a:pPr>
-            <a:r>
-              <a:rPr kumimoji="0" lang="en-US" sz="1200" b="0" i="0" u="none" strike="noStrike" kern="0" cap="none" spc="0" normalizeH="0" baseline="0" noProof="0" dirty="0">
-                <a:ln>
-                  <a:noFill/>
-                </a:ln>
-                <a:solidFill>
-                  <a:srgbClr val="000000">
-                    <a:lumMod val="75000"/>
-                    <a:lumOff val="25000"/>
-                  </a:srgbClr>
-                </a:solidFill>
-                <a:effectLst/>
-                <a:uLnTx/>
-                <a:uFillTx/>
-                <a:latin typeface="Segoe UI"/>
-                <a:ea typeface="+mn-ea"/>
-                <a:cs typeface="+mn-cs"/>
-              </a:rPr>
               <a:t>  File</a:t>
             </a:r>
             <a:r>
@@ -17371,7 +17255,7 @@
 </p:sld>
 </file>
 
-<file path=ppt/slides/slide25.xml><?xml version="1.0" encoding="utf-8"?>
+<file path=ppt/slides/slide24.xml><?xml version="1.0" encoding="utf-8"?>
 <p:sld xmlns:a="http://schemas.openxmlformats.org/drawingml/2006/main" xmlns:r="http://schemas.openxmlformats.org/officeDocument/2006/relationships" xmlns:p="http://schemas.openxmlformats.org/presentationml/2006/main" show="0">
   <p:cSld>
     <p:spTree>
@@ -20726,7 +20610,7 @@
 </p:sld>
 </file>
 
-<file path=ppt/slides/slide26.xml><?xml version="1.0" encoding="utf-8"?>
+<file path=ppt/slides/slide25.xml><?xml version="1.0" encoding="utf-8"?>
 <p:sld xmlns:a="http://schemas.openxmlformats.org/drawingml/2006/main" xmlns:r="http://schemas.openxmlformats.org/officeDocument/2006/relationships" xmlns:p="http://schemas.openxmlformats.org/presentationml/2006/main">
   <p:cSld>
     <p:spTree>
@@ -20843,6 +20727,182 @@
     <p:extLst>
       <p:ext uri="{BB962C8B-B14F-4D97-AF65-F5344CB8AC3E}">
         <p14:creationId xmlns:p14="http://schemas.microsoft.com/office/powerpoint/2010/main" val="174399316"/>
+      </p:ext>
+    </p:extLst>
+  </p:cSld>
+  <p:clrMapOvr>
+    <a:masterClrMapping/>
+  </p:clrMapOvr>
+</p:sld>
+</file>
+
+<file path=ppt/slides/slide26.xml><?xml version="1.0" encoding="utf-8"?>
+<p:sld xmlns:a="http://schemas.openxmlformats.org/drawingml/2006/main" xmlns:r="http://schemas.openxmlformats.org/officeDocument/2006/relationships" xmlns:p="http://schemas.openxmlformats.org/presentationml/2006/main">
+  <p:cSld>
+    <p:spTree>
+      <p:nvGrpSpPr>
+        <p:cNvPr id="1" name=""/>
+        <p:cNvGrpSpPr/>
+        <p:nvPr/>
+      </p:nvGrpSpPr>
+      <p:grpSpPr>
+        <a:xfrm>
+          <a:off x="0" y="0"/>
+          <a:ext cx="0" cy="0"/>
+          <a:chOff x="0" y="0"/>
+          <a:chExt cx="0" cy="0"/>
+        </a:xfrm>
+      </p:grpSpPr>
+      <p:sp>
+        <p:nvSpPr>
+          <p:cNvPr id="4" name="TextBox 3">
+            <a:extLst>
+              <a:ext uri="{FF2B5EF4-FFF2-40B4-BE49-F238E27FC236}">
+                <a16:creationId xmlns:a16="http://schemas.microsoft.com/office/drawing/2014/main" id="{EA82BB0B-F4FE-4E3A-950F-688B5F349888}"/>
+              </a:ext>
+            </a:extLst>
+          </p:cNvPr>
+          <p:cNvSpPr txBox="1"/>
+          <p:nvPr/>
+        </p:nvSpPr>
+        <p:spPr>
+          <a:xfrm>
+            <a:off x="787234" y="2233944"/>
+            <a:ext cx="10105053" cy="1200329"/>
+          </a:xfrm>
+          <a:prstGeom prst="rect">
+            <a:avLst/>
+          </a:prstGeom>
+          <a:noFill/>
+        </p:spPr>
+        <p:txBody>
+          <a:bodyPr wrap="square" rtlCol="0">
+            <a:spAutoFit/>
+          </a:bodyPr>
+          <a:lstStyle/>
+          <a:p>
+            <a:pPr algn="ctr"/>
+            <a:r>
+              <a:rPr lang="en-US" sz="7200" cap="all" dirty="0">
+                <a:blipFill>
+                  <a:blip r:embed="rId3">
+                    <a:extLst>
+                      <a:ext uri="{28A0092B-C50C-407E-A947-70E740481C1C}">
+                        <a14:useLocalDpi xmlns:a14="http://schemas.microsoft.com/office/drawing/2010/main" val="0"/>
+                      </a:ext>
+                    </a:extLst>
+                  </a:blip>
+                  <a:tile tx="6350" ty="-127000" sx="65000" sy="64000" flip="none" algn="tl"/>
+                </a:blipFill>
+                <a:latin typeface="+mj-lt"/>
+                <a:ea typeface="+mj-ea"/>
+                <a:cs typeface="+mj-cs"/>
+              </a:rPr>
+              <a:t>Questions</a:t>
+            </a:r>
+          </a:p>
+        </p:txBody>
+      </p:sp>
+      <p:pic>
+        <p:nvPicPr>
+          <p:cNvPr id="1026" name="Picture 2" descr="×ª××¦××ª ×ª××× × ×¢×××¨ âªmusic pixelâ¬â">
+            <a:extLst>
+              <a:ext uri="{FF2B5EF4-FFF2-40B4-BE49-F238E27FC236}">
+                <a16:creationId xmlns:a16="http://schemas.microsoft.com/office/drawing/2014/main" id="{6E043A9D-8C6E-412B-9610-EA3C9C02E538}"/>
+              </a:ext>
+            </a:extLst>
+          </p:cNvPr>
+          <p:cNvPicPr>
+            <a:picLocks noChangeAspect="1" noChangeArrowheads="1"/>
+          </p:cNvPicPr>
+          <p:nvPr/>
+        </p:nvPicPr>
+        <p:blipFill>
+          <a:blip r:embed="rId4" cstate="hqprint">
+            <a:extLst>
+              <a:ext uri="{28A0092B-C50C-407E-A947-70E740481C1C}">
+                <a14:useLocalDpi xmlns:a14="http://schemas.microsoft.com/office/drawing/2010/main" val="0"/>
+              </a:ext>
+            </a:extLst>
+          </a:blip>
+          <a:srcRect/>
+          <a:stretch>
+            <a:fillRect/>
+          </a:stretch>
+        </p:blipFill>
+        <p:spPr bwMode="auto">
+          <a:xfrm>
+            <a:off x="7438030" y="1961823"/>
+            <a:ext cx="931929" cy="1467177"/>
+          </a:xfrm>
+          <a:prstGeom prst="rect">
+            <a:avLst/>
+          </a:prstGeom>
+          <a:noFill/>
+          <a:extLst>
+            <a:ext uri="{909E8E84-426E-40DD-AFC4-6F175D3DCCD1}">
+              <a14:hiddenFill xmlns:a14="http://schemas.microsoft.com/office/drawing/2010/main">
+                <a:solidFill>
+                  <a:srgbClr val="FFFFFF"/>
+                </a:solidFill>
+              </a14:hiddenFill>
+            </a:ext>
+          </a:extLst>
+        </p:spPr>
+      </p:pic>
+      <p:sp>
+        <p:nvSpPr>
+          <p:cNvPr id="2" name="Oval 1">
+            <a:extLst>
+              <a:ext uri="{FF2B5EF4-FFF2-40B4-BE49-F238E27FC236}">
+                <a16:creationId xmlns:a16="http://schemas.microsoft.com/office/drawing/2014/main" id="{E825E276-15C8-47E7-A4D1-2F02CF413F74}"/>
+              </a:ext>
+            </a:extLst>
+          </p:cNvPr>
+          <p:cNvSpPr/>
+          <p:nvPr/>
+        </p:nvSpPr>
+        <p:spPr>
+          <a:xfrm>
+            <a:off x="7751929" y="3507473"/>
+            <a:ext cx="191069" cy="191069"/>
+          </a:xfrm>
+          <a:prstGeom prst="ellipse">
+            <a:avLst/>
+          </a:prstGeom>
+          <a:solidFill>
+            <a:schemeClr val="tx1"/>
+          </a:solidFill>
+        </p:spPr>
+        <p:style>
+          <a:lnRef idx="2">
+            <a:schemeClr val="accent1">
+              <a:shade val="50000"/>
+            </a:schemeClr>
+          </a:lnRef>
+          <a:fillRef idx="1">
+            <a:schemeClr val="accent1"/>
+          </a:fillRef>
+          <a:effectRef idx="0">
+            <a:schemeClr val="accent1"/>
+          </a:effectRef>
+          <a:fontRef idx="minor">
+            <a:schemeClr val="lt1"/>
+          </a:fontRef>
+        </p:style>
+        <p:txBody>
+          <a:bodyPr rtlCol="0" anchor="ctr"/>
+          <a:lstStyle/>
+          <a:p>
+            <a:pPr algn="ctr"/>
+            <a:endParaRPr lang="en-US"/>
+          </a:p>
+        </p:txBody>
+      </p:sp>
+    </p:spTree>
+    <p:extLst>
+      <p:ext uri="{BB962C8B-B14F-4D97-AF65-F5344CB8AC3E}">
+        <p14:creationId xmlns:p14="http://schemas.microsoft.com/office/powerpoint/2010/main" val="1876140466"/>
       </p:ext>
     </p:extLst>
   </p:cSld>
@@ -22776,25 +22836,25 @@
 
 <file path=customXml/item1.xml><?xml version="1.0" encoding="utf-8"?>
 <Control xmlns="http://schemas.microsoft.com/VisualStudio/2011/storyboarding/control">
-  <Id Name="System.Storyboarding.WindowsDesktop.MenuBar" Revision="1" Stencil="System.Storyboarding.WindowsDesktop" StencilVersion="0.1"/>
+  <Id Name="System.Storyboarding.Common.TextInput" Revision="1" Stencil="System.Storyboarding.Common" StencilVersion="0.1"/>
 </Control>
 </file>
 
 <file path=customXml/item10.xml><?xml version="1.0" encoding="utf-8"?>
 <Control xmlns="http://schemas.microsoft.com/VisualStudio/2011/storyboarding/control">
-  <Id Name="System.Storyboarding.Backgrounds.Window" Revision="1" Stencil="System.Storyboarding.Backgrounds" StencilVersion="0.1"/>
+  <Id Name="System.Storyboarding.Common.Slider" Revision="1" Stencil="System.Storyboarding.Common" StencilVersion="0.1"/>
 </Control>
 </file>
 
 <file path=customXml/item11.xml><?xml version="1.0" encoding="utf-8"?>
 <Control xmlns="http://schemas.microsoft.com/VisualStudio/2011/storyboarding/control">
-  <Id Name="System.Storyboarding.Common.MousePointer" Revision="1" Stencil="System.Storyboarding.Common" StencilVersion="0.1"/>
+  <Id Name="5e505f8e-b0aa-429a-bb4c-92ab0e8a8ee6" RevisionId="d2083f08-ba4f-4330-87aa-e4d23a4443d7" Stencil="172d6d98-e5c9-42e9-a209-79f7a94bbd38" StencilRevisionId="00000000-0000-0000-0000-000000000000" StencilVersion="0.0"/>
 </Control>
 </file>
 
 <file path=customXml/item12.xml><?xml version="1.0" encoding="utf-8"?>
 <Control xmlns="http://schemas.microsoft.com/VisualStudio/2011/storyboarding/control">
-  <Id Name="System.Storyboarding.Common.CheckBoxUnchecked" Revision="1" Stencil="System.Storyboarding.Common" StencilVersion="0.1"/>
+  <Id Name="System.Storyboarding.Backgrounds.Window" Revision="1" Stencil="System.Storyboarding.Backgrounds" StencilVersion="0.1"/>
 </Control>
 </file>
 
@@ -22806,47 +22866,17 @@
 
 <file path=customXml/item14.xml><?xml version="1.0" encoding="utf-8"?>
 <Control xmlns="http://schemas.microsoft.com/VisualStudio/2011/storyboarding/control">
-  <Id Name="System.Storyboarding.Common.CheckBoxUnchecked" Revision="1" Stencil="System.Storyboarding.Common" StencilVersion="0.1"/>
+  <Id Name="System.Storyboarding.Common.TextInput" Revision="1" Stencil="System.Storyboarding.Common" StencilVersion="0.1"/>
 </Control>
 </file>
 
 <file path=customXml/item15.xml><?xml version="1.0" encoding="utf-8"?>
 <Control xmlns="http://schemas.microsoft.com/VisualStudio/2011/storyboarding/control">
-  <Id Name="System.Storyboarding.Common.CheckBoxChecked" Revision="1" Stencil="System.Storyboarding.Common" StencilVersion="0.1"/>
+  <Id Name="System.Storyboarding.WindowsDesktop.MenuBar" Revision="1" Stencil="System.Storyboarding.WindowsDesktop" StencilVersion="0.1"/>
 </Control>
 </file>
 
 <file path=customXml/item16.xml><?xml version="1.0" encoding="utf-8"?>
-<Control xmlns="http://schemas.microsoft.com/VisualStudio/2011/storyboarding/control">
-  <Id Name="System.Storyboarding.Backgrounds.Window" Revision="1" Stencil="System.Storyboarding.Backgrounds" StencilVersion="0.1"/>
-</Control>
-</file>
-
-<file path=customXml/item17.xml><?xml version="1.0" encoding="utf-8"?>
-<Control xmlns="http://schemas.microsoft.com/VisualStudio/2011/storyboarding/control">
-  <Id Name="System.Storyboarding.Common.TextInput" Revision="1" Stencil="System.Storyboarding.Common" StencilVersion="0.1"/>
-</Control>
-</file>
-
-<file path=customXml/item18.xml><?xml version="1.0" encoding="utf-8"?>
-<Control xmlns="http://schemas.microsoft.com/VisualStudio/2011/storyboarding/control">
-  <Id Name="System.Storyboarding.Common.CheckBoxChecked" Revision="1" Stencil="System.Storyboarding.Common" StencilVersion="0.1"/>
-</Control>
-</file>
-
-<file path=customXml/item19.xml><?xml version="1.0" encoding="utf-8"?>
-<Control xmlns="http://schemas.microsoft.com/VisualStudio/2011/storyboarding/control">
-  <Id Name="System.Storyboarding.WindowsDesktop.FileMenu" Revision="1" Stencil="System.Storyboarding.WindowsDesktop" StencilVersion="0.1"/>
-</Control>
-</file>
-
-<file path=customXml/item2.xml><?xml version="1.0" encoding="utf-8"?>
-<Control xmlns="http://schemas.microsoft.com/VisualStudio/2011/storyboarding/control">
-  <Id Name="System.Storyboarding.Backgrounds.Window" Revision="1" Stencil="System.Storyboarding.Backgrounds" StencilVersion="0.1"/>
-</Control>
-</file>
-
-<file path=customXml/item20.xml><?xml version="1.0" encoding="utf-8"?>
 <p:properties xmlns:p="http://schemas.microsoft.com/office/2006/metadata/properties" xmlns:xsi="http://www.w3.org/2001/XMLSchema-instance" xmlns:pc="http://schemas.microsoft.com/office/infopath/2007/PartnerControls">
   <documentManagement>
     <_dlc_DocId xmlns="b4ebf394-daf6-497a-96c5-a2f8c10b38cf">TT6HZDVJM2HV-178-321</_dlc_DocId>
@@ -22858,33 +22888,63 @@
 </p:properties>
 </file>
 
+<file path=customXml/item17.xml><?xml version="1.0" encoding="utf-8"?>
+<Control xmlns="http://schemas.microsoft.com/VisualStudio/2011/storyboarding/control">
+  <Id Name="System.Storyboarding.WindowsDesktop.MenuBar" Revision="1" Stencil="System.Storyboarding.WindowsDesktop" StencilVersion="0.1"/>
+</Control>
+</file>
+
+<file path=customXml/item18.xml><?xml version="1.0" encoding="utf-8"?>
+<Control xmlns="http://schemas.microsoft.com/VisualStudio/2011/storyboarding/control">
+  <Id Name="System.Storyboarding.WindowsDesktop.DialogBox" Revision="1" Stencil="System.Storyboarding.WindowsDesktop" StencilVersion="0.1"/>
+</Control>
+</file>
+
+<file path=customXml/item19.xml><?xml version="1.0" encoding="utf-8"?>
+<Control xmlns="http://schemas.microsoft.com/VisualStudio/2011/storyboarding/control">
+  <Id Name="System.Storyboarding.Common.CheckBoxChecked" Revision="1" Stencil="System.Storyboarding.Common" StencilVersion="0.1"/>
+</Control>
+</file>
+
+<file path=customXml/item2.xml><?xml version="1.0" encoding="utf-8"?>
+<Control xmlns="http://schemas.microsoft.com/VisualStudio/2011/storyboarding/control">
+  <Id Name="System.Storyboarding.Backgrounds.Window" Revision="1" Stencil="System.Storyboarding.Backgrounds" StencilVersion="0.1"/>
+</Control>
+</file>
+
+<file path=customXml/item20.xml><?xml version="1.0" encoding="utf-8"?>
+<Control xmlns="http://schemas.microsoft.com/VisualStudio/2011/storyboarding/control">
+  <Id Name="System.Storyboarding.WindowsDesktop.FileMenu" Revision="1" Stencil="System.Storyboarding.WindowsDesktop" StencilVersion="0.1"/>
+</Control>
+</file>
+
 <file path=customXml/item21.xml><?xml version="1.0" encoding="utf-8"?>
 <Control xmlns="http://schemas.microsoft.com/VisualStudio/2011/storyboarding/control">
-  <Id Name="System.Storyboarding.WindowsApps.WindowsAppsListBox" Revision="1" Stencil="System.Storyboarding.WindowsApps" StencilVersion="0.1"/>
+  <Id Name="System.Storyboarding.Backgrounds.Window" Revision="1" Stencil="System.Storyboarding.Backgrounds" StencilVersion="0.1"/>
 </Control>
 </file>
 
 <file path=customXml/item22.xml><?xml version="1.0" encoding="utf-8"?>
 <Control xmlns="http://schemas.microsoft.com/VisualStudio/2011/storyboarding/control">
-  <Id Name="System.Storyboarding.Common.DragSelection" Revision="1" Stencil="System.Storyboarding.Common" StencilVersion="0.1"/>
+  <Id Name="System.Storyboarding.Common.Text" Revision="1" Stencil="System.Storyboarding.Common" StencilVersion="0.1"/>
 </Control>
 </file>
 
 <file path=customXml/item23.xml><?xml version="1.0" encoding="utf-8"?>
 <Control xmlns="http://schemas.microsoft.com/VisualStudio/2011/storyboarding/control">
-  <Id Name="System.Storyboarding.WindowsDesktop.FileMenu" Revision="1" Stencil="System.Storyboarding.WindowsDesktop" StencilVersion="0.1"/>
+  <Id Name="System.Storyboarding.WindowsDesktop.MenuBar" Revision="1" Stencil="System.Storyboarding.WindowsDesktop" StencilVersion="0.1"/>
 </Control>
 </file>
 
 <file path=customXml/item24.xml><?xml version="1.0" encoding="utf-8"?>
 <Control xmlns="http://schemas.microsoft.com/VisualStudio/2011/storyboarding/control">
-  <Id Name="System.Storyboarding.WindowsDesktop.MenuBar" Revision="1" Stencil="System.Storyboarding.WindowsDesktop" StencilVersion="0.1"/>
+  <Id Name="System.Storyboarding.Common.CheckBoxUnchecked" Revision="1" Stencil="System.Storyboarding.Common" StencilVersion="0.1"/>
 </Control>
 </file>
 
 <file path=customXml/item25.xml><?xml version="1.0" encoding="utf-8"?>
 <Control xmlns="http://schemas.microsoft.com/VisualStudio/2011/storyboarding/control">
-  <Id Name="System.Storyboarding.WindowsDesktop.MenuBar" Revision="1" Stencil="System.Storyboarding.WindowsDesktop" StencilVersion="0.1"/>
+  <Id Name="System.Storyboarding.Common.CheckBoxChecked" Revision="1" Stencil="System.Storyboarding.Common" StencilVersion="0.1"/>
 </Control>
 </file>
 
@@ -22896,7 +22956,7 @@
 
 <file path=customXml/item27.xml><?xml version="1.0" encoding="utf-8"?>
 <Control xmlns="http://schemas.microsoft.com/VisualStudio/2011/storyboarding/control">
-  <Id Name="System.Storyboarding.Common.Slider" Revision="1" Stencil="System.Storyboarding.Common" StencilVersion="0.1"/>
+  <Id Name="System.Storyboarding.WindowsApps.WindowsAppsListBox" Revision="1" Stencil="System.Storyboarding.WindowsApps" StencilVersion="0.1"/>
 </Control>
 </file>
 
@@ -22908,41 +22968,107 @@
 
 <file path=customXml/item4.xml><?xml version="1.0" encoding="utf-8"?>
 <Control xmlns="http://schemas.microsoft.com/VisualStudio/2011/storyboarding/control">
-  <Id Name="System.Storyboarding.Common.Text" Revision="1" Stencil="System.Storyboarding.Common" StencilVersion="0.1"/>
+  <Id Name="System.Storyboarding.Common.MousePointer" Revision="1" Stencil="System.Storyboarding.Common" StencilVersion="0.1"/>
 </Control>
 </file>
 
 <file path=customXml/item5.xml><?xml version="1.0" encoding="utf-8"?>
 <Control xmlns="http://schemas.microsoft.com/VisualStudio/2011/storyboarding/control">
-  <Id Name="System.Storyboarding.Backgrounds.Window" Revision="1" Stencil="System.Storyboarding.Backgrounds" StencilVersion="0.1"/>
+  <Id Name="System.Storyboarding.WindowsDesktop.MenuBar" Revision="1" Stencil="System.Storyboarding.WindowsDesktop" StencilVersion="0.1"/>
 </Control>
 </file>
 
 <file path=customXml/item6.xml><?xml version="1.0" encoding="utf-8"?>
 <Control xmlns="http://schemas.microsoft.com/VisualStudio/2011/storyboarding/control">
-  <Id Name="System.Storyboarding.WindowsDesktop.DialogBox" Revision="1" Stencil="System.Storyboarding.WindowsDesktop" StencilVersion="0.1"/>
+  <Id Name="System.Storyboarding.Backgrounds.Window" Revision="1" Stencil="System.Storyboarding.Backgrounds" StencilVersion="0.1"/>
 </Control>
 </file>
 
 <file path=customXml/item7.xml><?xml version="1.0" encoding="utf-8"?>
 <Control xmlns="http://schemas.microsoft.com/VisualStudio/2011/storyboarding/control">
-  <Id Name="System.Storyboarding.Common.TextInput" Revision="1" Stencil="System.Storyboarding.Common" StencilVersion="0.1"/>
+  <Id Name="System.Storyboarding.WindowsDesktop.FileMenu" Revision="1" Stencil="System.Storyboarding.WindowsDesktop" StencilVersion="0.1"/>
 </Control>
 </file>
 
 <file path=customXml/item8.xml><?xml version="1.0" encoding="utf-8"?>
 <Control xmlns="http://schemas.microsoft.com/VisualStudio/2011/storyboarding/control">
-  <Id Name="5e505f8e-b0aa-429a-bb4c-92ab0e8a8ee6" RevisionId="d2083f08-ba4f-4330-87aa-e4d23a4443d7" Stencil="172d6d98-e5c9-42e9-a209-79f7a94bbd38" StencilRevisionId="00000000-0000-0000-0000-000000000000" StencilVersion="0.0"/>
+  <Id Name="System.Storyboarding.Common.CheckBoxUnchecked" Revision="1" Stencil="System.Storyboarding.Common" StencilVersion="0.1"/>
 </Control>
 </file>
 
 <file path=customXml/item9.xml><?xml version="1.0" encoding="utf-8"?>
 <Control xmlns="http://schemas.microsoft.com/VisualStudio/2011/storyboarding/control">
-  <Id Name="System.Storyboarding.WindowsDesktop.MenuBar" Revision="1" Stencil="System.Storyboarding.WindowsDesktop" StencilVersion="0.1"/>
+  <Id Name="System.Storyboarding.Common.DragSelection" Revision="1" Stencil="System.Storyboarding.Common" StencilVersion="0.1"/>
 </Control>
 </file>
 
 <file path=customXml/itemProps1.xml><?xml version="1.0" encoding="utf-8"?>
+<ds:datastoreItem xmlns:ds="http://schemas.openxmlformats.org/officeDocument/2006/customXml" ds:itemID="{35128DAE-002C-4C6E-936F-3A4A0FD00A4D}">
+  <ds:schemaRefs>
+    <ds:schemaRef ds:uri="http://schemas.microsoft.com/VisualStudio/2011/storyboarding/control"/>
+  </ds:schemaRefs>
+</ds:datastoreItem>
+</file>
+
+<file path=customXml/itemProps10.xml><?xml version="1.0" encoding="utf-8"?>
+<ds:datastoreItem xmlns:ds="http://schemas.openxmlformats.org/officeDocument/2006/customXml" ds:itemID="{01B050F6-999B-4666-861C-EA1AC91B6246}">
+  <ds:schemaRefs>
+    <ds:schemaRef ds:uri="http://schemas.microsoft.com/VisualStudio/2011/storyboarding/control"/>
+  </ds:schemaRefs>
+</ds:datastoreItem>
+</file>
+
+<file path=customXml/itemProps11.xml><?xml version="1.0" encoding="utf-8"?>
+<ds:datastoreItem xmlns:ds="http://schemas.openxmlformats.org/officeDocument/2006/customXml" ds:itemID="{A41DB21A-AE9E-4B14-B182-EA560F7D74DA}">
+  <ds:schemaRefs>
+    <ds:schemaRef ds:uri="http://schemas.microsoft.com/VisualStudio/2011/storyboarding/control"/>
+  </ds:schemaRefs>
+</ds:datastoreItem>
+</file>
+
+<file path=customXml/itemProps12.xml><?xml version="1.0" encoding="utf-8"?>
+<ds:datastoreItem xmlns:ds="http://schemas.openxmlformats.org/officeDocument/2006/customXml" ds:itemID="{A24D505E-F763-4187-B170-B0C455E3180F}">
+  <ds:schemaRefs>
+    <ds:schemaRef ds:uri="http://schemas.microsoft.com/VisualStudio/2011/storyboarding/control"/>
+  </ds:schemaRefs>
+</ds:datastoreItem>
+</file>
+
+<file path=customXml/itemProps13.xml><?xml version="1.0" encoding="utf-8"?>
+<ds:datastoreItem xmlns:ds="http://schemas.openxmlformats.org/officeDocument/2006/customXml" ds:itemID="{6B61DC19-A233-4A2E-9FD7-A5620DB62F2D}">
+  <ds:schemaRefs>
+    <ds:schemaRef ds:uri="http://schemas.microsoft.com/VisualStudio/2011/storyboarding/control"/>
+  </ds:schemaRefs>
+</ds:datastoreItem>
+</file>
+
+<file path=customXml/itemProps14.xml><?xml version="1.0" encoding="utf-8"?>
+<ds:datastoreItem xmlns:ds="http://schemas.openxmlformats.org/officeDocument/2006/customXml" ds:itemID="{EB93A196-B759-4593-A93F-A43A64E07BBB}">
+  <ds:schemaRefs>
+    <ds:schemaRef ds:uri="http://schemas.microsoft.com/VisualStudio/2011/storyboarding/control"/>
+  </ds:schemaRefs>
+</ds:datastoreItem>
+</file>
+
+<file path=customXml/itemProps15.xml><?xml version="1.0" encoding="utf-8"?>
+<ds:datastoreItem xmlns:ds="http://schemas.openxmlformats.org/officeDocument/2006/customXml" ds:itemID="{D2F8A09A-65EA-406E-ACCF-200333A101C8}">
+  <ds:schemaRefs>
+    <ds:schemaRef ds:uri="http://schemas.microsoft.com/VisualStudio/2011/storyboarding/control"/>
+  </ds:schemaRefs>
+</ds:datastoreItem>
+</file>
+
+<file path=customXml/itemProps16.xml><?xml version="1.0" encoding="utf-8"?>
+<ds:datastoreItem xmlns:ds="http://schemas.openxmlformats.org/officeDocument/2006/customXml" ds:itemID="{49DAEECD-CB3A-4D8D-8233-CD4F0C808F6C}">
+  <ds:schemaRefs>
+    <ds:schemaRef ds:uri="http://schemas.microsoft.com/office/2006/metadata/properties"/>
+    <ds:schemaRef ds:uri="http://schemas.microsoft.com/office/infopath/2007/PartnerControls"/>
+    <ds:schemaRef ds:uri="b4ebf394-daf6-497a-96c5-a2f8c10b38cf"/>
+  </ds:schemaRefs>
+</ds:datastoreItem>
+</file>
+
+<file path=customXml/itemProps17.xml><?xml version="1.0" encoding="utf-8"?>
 <ds:datastoreItem xmlns:ds="http://schemas.openxmlformats.org/officeDocument/2006/customXml" ds:itemID="{AADB52BB-F608-4EDE-9EE9-9CF85A7F98CA}">
   <ds:schemaRefs>
     <ds:schemaRef ds:uri="http://schemas.microsoft.com/VisualStudio/2011/storyboarding/control"/>
@@ -22950,72 +23076,8 @@
 </ds:datastoreItem>
 </file>
 
-<file path=customXml/itemProps10.xml><?xml version="1.0" encoding="utf-8"?>
-<ds:datastoreItem xmlns:ds="http://schemas.openxmlformats.org/officeDocument/2006/customXml" ds:itemID="{D038A533-7D3D-486B-A97F-3F7D2D473704}">
-  <ds:schemaRefs>
-    <ds:schemaRef ds:uri="http://schemas.microsoft.com/VisualStudio/2011/storyboarding/control"/>
-  </ds:schemaRefs>
-</ds:datastoreItem>
-</file>
-
-<file path=customXml/itemProps11.xml><?xml version="1.0" encoding="utf-8"?>
-<ds:datastoreItem xmlns:ds="http://schemas.openxmlformats.org/officeDocument/2006/customXml" ds:itemID="{6392601F-1C60-40B3-8481-32D2B50E6B0F}">
-  <ds:schemaRefs>
-    <ds:schemaRef ds:uri="http://schemas.microsoft.com/VisualStudio/2011/storyboarding/control"/>
-  </ds:schemaRefs>
-</ds:datastoreItem>
-</file>
-
-<file path=customXml/itemProps12.xml><?xml version="1.0" encoding="utf-8"?>
-<ds:datastoreItem xmlns:ds="http://schemas.openxmlformats.org/officeDocument/2006/customXml" ds:itemID="{6B61DC19-A233-4A2E-9FD7-A5620DB62F2D}">
-  <ds:schemaRefs>
-    <ds:schemaRef ds:uri="http://schemas.microsoft.com/VisualStudio/2011/storyboarding/control"/>
-  </ds:schemaRefs>
-</ds:datastoreItem>
-</file>
-
-<file path=customXml/itemProps13.xml><?xml version="1.0" encoding="utf-8"?>
-<ds:datastoreItem xmlns:ds="http://schemas.openxmlformats.org/officeDocument/2006/customXml" ds:itemID="{135B7A6F-E387-4B16-9C6E-5C72ACF9A87B}">
-  <ds:schemaRefs>
-    <ds:schemaRef ds:uri="http://schemas.microsoft.com/VisualStudio/2011/storyboarding/control"/>
-  </ds:schemaRefs>
-</ds:datastoreItem>
-</file>
-
-<file path=customXml/itemProps14.xml><?xml version="1.0" encoding="utf-8"?>
-<ds:datastoreItem xmlns:ds="http://schemas.openxmlformats.org/officeDocument/2006/customXml" ds:itemID="{B08AF36E-067A-4DBE-A512-235742A49236}">
-  <ds:schemaRefs>
-    <ds:schemaRef ds:uri="http://schemas.microsoft.com/VisualStudio/2011/storyboarding/control"/>
-  </ds:schemaRefs>
-</ds:datastoreItem>
-</file>
-
-<file path=customXml/itemProps15.xml><?xml version="1.0" encoding="utf-8"?>
-<ds:datastoreItem xmlns:ds="http://schemas.openxmlformats.org/officeDocument/2006/customXml" ds:itemID="{2CC5C6A2-55D6-45C9-B025-9707686F78B4}">
-  <ds:schemaRefs>
-    <ds:schemaRef ds:uri="http://schemas.microsoft.com/VisualStudio/2011/storyboarding/control"/>
-  </ds:schemaRefs>
-</ds:datastoreItem>
-</file>
-
-<file path=customXml/itemProps16.xml><?xml version="1.0" encoding="utf-8"?>
-<ds:datastoreItem xmlns:ds="http://schemas.openxmlformats.org/officeDocument/2006/customXml" ds:itemID="{0C8D0A77-4BE1-44D5-AB76-099BA878F4AC}">
-  <ds:schemaRefs>
-    <ds:schemaRef ds:uri="http://schemas.microsoft.com/VisualStudio/2011/storyboarding/control"/>
-  </ds:schemaRefs>
-</ds:datastoreItem>
-</file>
-
-<file path=customXml/itemProps17.xml><?xml version="1.0" encoding="utf-8"?>
-<ds:datastoreItem xmlns:ds="http://schemas.openxmlformats.org/officeDocument/2006/customXml" ds:itemID="{EB93A196-B759-4593-A93F-A43A64E07BBB}">
-  <ds:schemaRefs>
-    <ds:schemaRef ds:uri="http://schemas.microsoft.com/VisualStudio/2011/storyboarding/control"/>
-  </ds:schemaRefs>
-</ds:datastoreItem>
-</file>
-
 <file path=customXml/itemProps18.xml><?xml version="1.0" encoding="utf-8"?>
-<ds:datastoreItem xmlns:ds="http://schemas.openxmlformats.org/officeDocument/2006/customXml" ds:itemID="{92ABB21B-66F7-4314-B129-A4AE8845ED65}">
+<ds:datastoreItem xmlns:ds="http://schemas.openxmlformats.org/officeDocument/2006/customXml" ds:itemID="{75AB1E6F-A2B5-45A3-9769-33069D11639B}">
   <ds:schemaRefs>
     <ds:schemaRef ds:uri="http://schemas.microsoft.com/VisualStudio/2011/storyboarding/control"/>
   </ds:schemaRefs>
@@ -23023,7 +23085,7 @@
 </file>
 
 <file path=customXml/itemProps19.xml><?xml version="1.0" encoding="utf-8"?>
-<ds:datastoreItem xmlns:ds="http://schemas.openxmlformats.org/officeDocument/2006/customXml" ds:itemID="{5BF3A0E7-D0DC-4EC6-A56C-9FBFB70B3E8F}">
+<ds:datastoreItem xmlns:ds="http://schemas.openxmlformats.org/officeDocument/2006/customXml" ds:itemID="{2CC5C6A2-55D6-45C9-B025-9707686F78B4}">
   <ds:schemaRefs>
     <ds:schemaRef ds:uri="http://schemas.microsoft.com/VisualStudio/2011/storyboarding/control"/>
   </ds:schemaRefs>
@@ -23039,17 +23101,15 @@
 </file>
 
 <file path=customXml/itemProps20.xml><?xml version="1.0" encoding="utf-8"?>
-<ds:datastoreItem xmlns:ds="http://schemas.openxmlformats.org/officeDocument/2006/customXml" ds:itemID="{49DAEECD-CB3A-4D8D-8233-CD4F0C808F6C}">
+<ds:datastoreItem xmlns:ds="http://schemas.openxmlformats.org/officeDocument/2006/customXml" ds:itemID="{271DBD6E-E2A5-48DB-9773-ABBFC6987ED4}">
   <ds:schemaRefs>
-    <ds:schemaRef ds:uri="http://schemas.microsoft.com/office/2006/metadata/properties"/>
-    <ds:schemaRef ds:uri="http://schemas.microsoft.com/office/infopath/2007/PartnerControls"/>
-    <ds:schemaRef ds:uri="b4ebf394-daf6-497a-96c5-a2f8c10b38cf"/>
+    <ds:schemaRef ds:uri="http://schemas.microsoft.com/VisualStudio/2011/storyboarding/control"/>
   </ds:schemaRefs>
 </ds:datastoreItem>
 </file>
 
 <file path=customXml/itemProps21.xml><?xml version="1.0" encoding="utf-8"?>
-<ds:datastoreItem xmlns:ds="http://schemas.openxmlformats.org/officeDocument/2006/customXml" ds:itemID="{6AD7DCC7-FD22-482F-BE87-3EB39C4561D8}">
+<ds:datastoreItem xmlns:ds="http://schemas.openxmlformats.org/officeDocument/2006/customXml" ds:itemID="{D038A533-7D3D-486B-A97F-3F7D2D473704}">
   <ds:schemaRefs>
     <ds:schemaRef ds:uri="http://schemas.microsoft.com/VisualStudio/2011/storyboarding/control"/>
   </ds:schemaRefs>
@@ -23057,7 +23117,7 @@
 </file>
 
 <file path=customXml/itemProps22.xml><?xml version="1.0" encoding="utf-8"?>
-<ds:datastoreItem xmlns:ds="http://schemas.openxmlformats.org/officeDocument/2006/customXml" ds:itemID="{A0C0B854-DCE0-4777-A6A2-6AA42FCBDEF9}">
+<ds:datastoreItem xmlns:ds="http://schemas.openxmlformats.org/officeDocument/2006/customXml" ds:itemID="{C18EE418-8756-4166-9AFE-76D237F2A576}">
   <ds:schemaRefs>
     <ds:schemaRef ds:uri="http://schemas.microsoft.com/VisualStudio/2011/storyboarding/control"/>
   </ds:schemaRefs>
@@ -23065,7 +23125,7 @@
 </file>
 
 <file path=customXml/itemProps23.xml><?xml version="1.0" encoding="utf-8"?>
-<ds:datastoreItem xmlns:ds="http://schemas.openxmlformats.org/officeDocument/2006/customXml" ds:itemID="{271DBD6E-E2A5-48DB-9773-ABBFC6987ED4}">
+<ds:datastoreItem xmlns:ds="http://schemas.openxmlformats.org/officeDocument/2006/customXml" ds:itemID="{F17BCBC9-D052-4DCC-B880-C7D71C65394C}">
   <ds:schemaRefs>
     <ds:schemaRef ds:uri="http://schemas.microsoft.com/VisualStudio/2011/storyboarding/control"/>
   </ds:schemaRefs>
@@ -23073,7 +23133,7 @@
 </file>
 
 <file path=customXml/itemProps24.xml><?xml version="1.0" encoding="utf-8"?>
-<ds:datastoreItem xmlns:ds="http://schemas.openxmlformats.org/officeDocument/2006/customXml" ds:itemID="{084C318E-C929-4C3E-B33D-A8A9042A119A}">
+<ds:datastoreItem xmlns:ds="http://schemas.openxmlformats.org/officeDocument/2006/customXml" ds:itemID="{135B7A6F-E387-4B16-9C6E-5C72ACF9A87B}">
   <ds:schemaRefs>
     <ds:schemaRef ds:uri="http://schemas.microsoft.com/VisualStudio/2011/storyboarding/control"/>
   </ds:schemaRefs>
@@ -23081,7 +23141,7 @@
 </file>
 
 <file path=customXml/itemProps25.xml><?xml version="1.0" encoding="utf-8"?>
-<ds:datastoreItem xmlns:ds="http://schemas.openxmlformats.org/officeDocument/2006/customXml" ds:itemID="{D2F8A09A-65EA-406E-ACCF-200333A101C8}">
+<ds:datastoreItem xmlns:ds="http://schemas.openxmlformats.org/officeDocument/2006/customXml" ds:itemID="{92ABB21B-66F7-4314-B129-A4AE8845ED65}">
   <ds:schemaRefs>
     <ds:schemaRef ds:uri="http://schemas.microsoft.com/VisualStudio/2011/storyboarding/control"/>
   </ds:schemaRefs>
@@ -23097,7 +23157,7 @@
 </file>
 
 <file path=customXml/itemProps27.xml><?xml version="1.0" encoding="utf-8"?>
-<ds:datastoreItem xmlns:ds="http://schemas.openxmlformats.org/officeDocument/2006/customXml" ds:itemID="{01B050F6-999B-4666-861C-EA1AC91B6246}">
+<ds:datastoreItem xmlns:ds="http://schemas.openxmlformats.org/officeDocument/2006/customXml" ds:itemID="{6AD7DCC7-FD22-482F-BE87-3EB39C4561D8}">
   <ds:schemaRefs>
     <ds:schemaRef ds:uri="http://schemas.microsoft.com/VisualStudio/2011/storyboarding/control"/>
   </ds:schemaRefs>
@@ -23105,7 +23165,7 @@
 </file>
 
 <file path=customXml/itemProps3.xml><?xml version="1.0" encoding="utf-8"?>
-<ds:datastoreItem xmlns:ds="http://schemas.openxmlformats.org/officeDocument/2006/customXml" ds:itemID="{A24D505E-F763-4187-B170-B0C455E3180F}">
+<ds:datastoreItem xmlns:ds="http://schemas.openxmlformats.org/officeDocument/2006/customXml" ds:itemID="{0C8D0A77-4BE1-44D5-AB76-099BA878F4AC}">
   <ds:schemaRefs>
     <ds:schemaRef ds:uri="http://schemas.microsoft.com/VisualStudio/2011/storyboarding/control"/>
   </ds:schemaRefs>
@@ -23113,7 +23173,7 @@
 </file>
 
 <file path=customXml/itemProps4.xml><?xml version="1.0" encoding="utf-8"?>
-<ds:datastoreItem xmlns:ds="http://schemas.openxmlformats.org/officeDocument/2006/customXml" ds:itemID="{C18EE418-8756-4166-9AFE-76D237F2A576}">
+<ds:datastoreItem xmlns:ds="http://schemas.openxmlformats.org/officeDocument/2006/customXml" ds:itemID="{6392601F-1C60-40B3-8481-32D2B50E6B0F}">
   <ds:schemaRefs>
     <ds:schemaRef ds:uri="http://schemas.microsoft.com/VisualStudio/2011/storyboarding/control"/>
   </ds:schemaRefs>
@@ -23121,6 +23181,14 @@
 </file>
 
 <file path=customXml/itemProps5.xml><?xml version="1.0" encoding="utf-8"?>
+<ds:datastoreItem xmlns:ds="http://schemas.openxmlformats.org/officeDocument/2006/customXml" ds:itemID="{084C318E-C929-4C3E-B33D-A8A9042A119A}">
+  <ds:schemaRefs>
+    <ds:schemaRef ds:uri="http://schemas.microsoft.com/VisualStudio/2011/storyboarding/control"/>
+  </ds:schemaRefs>
+</ds:datastoreItem>
+</file>
+
+<file path=customXml/itemProps6.xml><?xml version="1.0" encoding="utf-8"?>
 <ds:datastoreItem xmlns:ds="http://schemas.openxmlformats.org/officeDocument/2006/customXml" ds:itemID="{08117E05-8279-40B2-8C98-17BD47CF047C}">
   <ds:schemaRefs>
     <ds:schemaRef ds:uri="http://schemas.microsoft.com/VisualStudio/2011/storyboarding/control"/>
@@ -23128,16 +23196,8 @@
 </ds:datastoreItem>
 </file>
 
-<file path=customXml/itemProps6.xml><?xml version="1.0" encoding="utf-8"?>
-<ds:datastoreItem xmlns:ds="http://schemas.openxmlformats.org/officeDocument/2006/customXml" ds:itemID="{75AB1E6F-A2B5-45A3-9769-33069D11639B}">
-  <ds:schemaRefs>
-    <ds:schemaRef ds:uri="http://schemas.microsoft.com/VisualStudio/2011/storyboarding/control"/>
-  </ds:schemaRefs>
-</ds:datastoreItem>
-</file>
-
 <file path=customXml/itemProps7.xml><?xml version="1.0" encoding="utf-8"?>
-<ds:datastoreItem xmlns:ds="http://schemas.openxmlformats.org/officeDocument/2006/customXml" ds:itemID="{35128DAE-002C-4C6E-936F-3A4A0FD00A4D}">
+<ds:datastoreItem xmlns:ds="http://schemas.openxmlformats.org/officeDocument/2006/customXml" ds:itemID="{5BF3A0E7-D0DC-4EC6-A56C-9FBFB70B3E8F}">
   <ds:schemaRefs>
     <ds:schemaRef ds:uri="http://schemas.microsoft.com/VisualStudio/2011/storyboarding/control"/>
   </ds:schemaRefs>
@@ -23145,7 +23205,7 @@
 </file>
 
 <file path=customXml/itemProps8.xml><?xml version="1.0" encoding="utf-8"?>
-<ds:datastoreItem xmlns:ds="http://schemas.openxmlformats.org/officeDocument/2006/customXml" ds:itemID="{A41DB21A-AE9E-4B14-B182-EA560F7D74DA}">
+<ds:datastoreItem xmlns:ds="http://schemas.openxmlformats.org/officeDocument/2006/customXml" ds:itemID="{B08AF36E-067A-4DBE-A512-235742A49236}">
   <ds:schemaRefs>
     <ds:schemaRef ds:uri="http://schemas.microsoft.com/VisualStudio/2011/storyboarding/control"/>
   </ds:schemaRefs>
@@ -23153,7 +23213,7 @@
 </file>
 
 <file path=customXml/itemProps9.xml><?xml version="1.0" encoding="utf-8"?>
-<ds:datastoreItem xmlns:ds="http://schemas.openxmlformats.org/officeDocument/2006/customXml" ds:itemID="{F17BCBC9-D052-4DCC-B880-C7D71C65394C}">
+<ds:datastoreItem xmlns:ds="http://schemas.openxmlformats.org/officeDocument/2006/customXml" ds:itemID="{A0C0B854-DCE0-4777-A6A2-6AA42FCBDEF9}">
   <ds:schemaRefs>
     <ds:schemaRef ds:uri="http://schemas.microsoft.com/VisualStudio/2011/storyboarding/control"/>
   </ds:schemaRefs>
